--- a/Graph reconstruction with MaskGAE_.pptx
+++ b/Graph reconstruction with MaskGAE_.pptx
@@ -5,30 +5,31 @@
     <p:sldMasterId id="2147483648" r:id="rId1"/>
   </p:sldMasterIdLst>
   <p:notesMasterIdLst>
-    <p:notesMasterId r:id="rId23"/>
+    <p:notesMasterId r:id="rId24"/>
   </p:notesMasterIdLst>
   <p:sldIdLst>
     <p:sldId id="256" r:id="rId2"/>
     <p:sldId id="268" r:id="rId3"/>
-    <p:sldId id="269" r:id="rId4"/>
+    <p:sldId id="286" r:id="rId4"/>
     <p:sldId id="271" r:id="rId5"/>
-    <p:sldId id="270" r:id="rId6"/>
+    <p:sldId id="287" r:id="rId6"/>
     <p:sldId id="273" r:id="rId7"/>
-    <p:sldId id="272" r:id="rId8"/>
+    <p:sldId id="288" r:id="rId8"/>
     <p:sldId id="274" r:id="rId9"/>
-    <p:sldId id="257" r:id="rId10"/>
-    <p:sldId id="275" r:id="rId11"/>
-    <p:sldId id="258" r:id="rId12"/>
-    <p:sldId id="276" r:id="rId13"/>
-    <p:sldId id="277" r:id="rId14"/>
-    <p:sldId id="278" r:id="rId15"/>
-    <p:sldId id="279" r:id="rId16"/>
-    <p:sldId id="280" r:id="rId17"/>
-    <p:sldId id="281" r:id="rId18"/>
-    <p:sldId id="282" r:id="rId19"/>
-    <p:sldId id="284" r:id="rId20"/>
-    <p:sldId id="285" r:id="rId21"/>
-    <p:sldId id="283" r:id="rId22"/>
+    <p:sldId id="289" r:id="rId10"/>
+    <p:sldId id="257" r:id="rId11"/>
+    <p:sldId id="275" r:id="rId12"/>
+    <p:sldId id="258" r:id="rId13"/>
+    <p:sldId id="276" r:id="rId14"/>
+    <p:sldId id="277" r:id="rId15"/>
+    <p:sldId id="278" r:id="rId16"/>
+    <p:sldId id="279" r:id="rId17"/>
+    <p:sldId id="280" r:id="rId18"/>
+    <p:sldId id="281" r:id="rId19"/>
+    <p:sldId id="282" r:id="rId20"/>
+    <p:sldId id="284" r:id="rId21"/>
+    <p:sldId id="285" r:id="rId22"/>
+    <p:sldId id="283" r:id="rId23"/>
   </p:sldIdLst>
   <p:sldSz cx="14630400" cy="8229600"/>
   <p:notesSz cx="8229600" cy="14630400"/>
@@ -385,11 +386,7 @@
           <a:bodyPr/>
           <a:lstStyle/>
           <a:p>
-            <a:pPr algn="l" rtl="0"/>
-            <a:r>
-              <a:rPr lang="en-US" dirty="0"/>
-              <a:t>Here we want to talk about encoder’s purpose: the encoder is basically two GCN layers (type of GNN) which maps the nodes into more organized vectors of information that will fit the learning process</a:t>
-            </a:r>
+            <a:endParaRPr lang="en-US" dirty="0"/>
           </a:p>
         </p:txBody>
       </p:sp>
@@ -419,7 +416,7 @@
     </p:spTree>
     <p:extLst>
       <p:ext uri="{BB962C8B-B14F-4D97-AF65-F5344CB8AC3E}">
-        <p14:creationId xmlns:p14="http://schemas.microsoft.com/office/powerpoint/2010/main" val="4044236603"/>
+        <p14:creationId xmlns:p14="http://schemas.microsoft.com/office/powerpoint/2010/main" val="1024086991"/>
       </p:ext>
     </p:extLst>
   </p:cSld>
@@ -473,6 +470,7 @@
           <a:bodyPr/>
           <a:lstStyle/>
           <a:p>
+            <a:pPr algn="l" rtl="0"/>
             <a:endParaRPr lang="en-US" dirty="0"/>
           </a:p>
         </p:txBody>
@@ -503,7 +501,7 @@
     </p:spTree>
     <p:extLst>
       <p:ext uri="{BB962C8B-B14F-4D97-AF65-F5344CB8AC3E}">
-        <p14:creationId xmlns:p14="http://schemas.microsoft.com/office/powerpoint/2010/main" val="1024086991"/>
+        <p14:creationId xmlns:p14="http://schemas.microsoft.com/office/powerpoint/2010/main" val="4044236603"/>
       </p:ext>
     </p:extLst>
   </p:cSld>
@@ -557,7 +555,6 @@
           <a:bodyPr/>
           <a:lstStyle/>
           <a:p>
-            <a:pPr algn="l" rtl="0"/>
             <a:endParaRPr lang="en-US" dirty="0"/>
           </a:p>
         </p:txBody>
@@ -588,7 +585,7 @@
     </p:spTree>
     <p:extLst>
       <p:ext uri="{BB962C8B-B14F-4D97-AF65-F5344CB8AC3E}">
-        <p14:creationId xmlns:p14="http://schemas.microsoft.com/office/powerpoint/2010/main" val="13669507"/>
+        <p14:creationId xmlns:p14="http://schemas.microsoft.com/office/powerpoint/2010/main" val="1024086991"/>
       </p:ext>
     </p:extLst>
   </p:cSld>
@@ -673,7 +670,7 @@
     </p:spTree>
     <p:extLst>
       <p:ext uri="{BB962C8B-B14F-4D97-AF65-F5344CB8AC3E}">
-        <p14:creationId xmlns:p14="http://schemas.microsoft.com/office/powerpoint/2010/main" val="1994817825"/>
+        <p14:creationId xmlns:p14="http://schemas.microsoft.com/office/powerpoint/2010/main" val="13669507"/>
       </p:ext>
     </p:extLst>
   </p:cSld>
@@ -758,7 +755,7 @@
     </p:spTree>
     <p:extLst>
       <p:ext uri="{BB962C8B-B14F-4D97-AF65-F5344CB8AC3E}">
-        <p14:creationId xmlns:p14="http://schemas.microsoft.com/office/powerpoint/2010/main" val="1382144816"/>
+        <p14:creationId xmlns:p14="http://schemas.microsoft.com/office/powerpoint/2010/main" val="1994817825"/>
       </p:ext>
     </p:extLst>
   </p:cSld>
@@ -843,7 +840,7 @@
     </p:spTree>
     <p:extLst>
       <p:ext uri="{BB962C8B-B14F-4D97-AF65-F5344CB8AC3E}">
-        <p14:creationId xmlns:p14="http://schemas.microsoft.com/office/powerpoint/2010/main" val="649296491"/>
+        <p14:creationId xmlns:p14="http://schemas.microsoft.com/office/powerpoint/2010/main" val="1382144816"/>
       </p:ext>
     </p:extLst>
   </p:cSld>
@@ -928,7 +925,7 @@
     </p:spTree>
     <p:extLst>
       <p:ext uri="{BB962C8B-B14F-4D97-AF65-F5344CB8AC3E}">
-        <p14:creationId xmlns:p14="http://schemas.microsoft.com/office/powerpoint/2010/main" val="197860048"/>
+        <p14:creationId xmlns:p14="http://schemas.microsoft.com/office/powerpoint/2010/main" val="649296491"/>
       </p:ext>
     </p:extLst>
   </p:cSld>
@@ -982,29 +979,6 @@
           <a:bodyPr/>
           <a:lstStyle/>
           <a:p>
-            <a:pPr marL="0" marR="0" lvl="0" indent="0" algn="l" defTabSz="914400" rtl="0" eaLnBrk="1" fontAlgn="auto" latinLnBrk="0" hangingPunct="1">
-              <a:lnSpc>
-                <a:spcPct val="100000"/>
-              </a:lnSpc>
-              <a:spcBef>
-                <a:spcPts val="0"/>
-              </a:spcBef>
-              <a:spcAft>
-                <a:spcPts val="0"/>
-              </a:spcAft>
-              <a:buClrTx/>
-              <a:buSzTx/>
-              <a:buFontTx/>
-              <a:buNone/>
-              <a:tabLst/>
-              <a:defRPr/>
-            </a:pPr>
-            <a:r>
-              <a:rPr lang="en-US" sz="1200" dirty="0"/>
-              <a:t>ROC AUC Score will measure the model's ability to distinguish between the classes of linked and non-linked node pairs over the graph network.  Average Precision Score reflects the model's ability to correctly identify positive (actual linked) pairs of nodes in the network.</a:t>
-            </a:r>
-          </a:p>
-          <a:p>
             <a:pPr algn="l" rtl="0"/>
             <a:endParaRPr lang="en-US" dirty="0"/>
           </a:p>
@@ -1036,7 +1010,7 @@
     </p:spTree>
     <p:extLst>
       <p:ext uri="{BB962C8B-B14F-4D97-AF65-F5344CB8AC3E}">
-        <p14:creationId xmlns:p14="http://schemas.microsoft.com/office/powerpoint/2010/main" val="475680827"/>
+        <p14:creationId xmlns:p14="http://schemas.microsoft.com/office/powerpoint/2010/main" val="197860048"/>
       </p:ext>
     </p:extLst>
   </p:cSld>
@@ -1090,94 +1064,6 @@
           <a:bodyPr/>
           <a:lstStyle/>
           <a:p>
-            <a:pPr marL="342900" lvl="0" indent="-342900" algn="just" rtl="0">
-              <a:lnSpc>
-                <a:spcPct val="115000"/>
-              </a:lnSpc>
-              <a:buFont typeface="Arial" panose="020B0604020202020204" pitchFamily="34" charset="0"/>
-              <a:buChar char="●"/>
-            </a:pPr>
-            <a:r>
-              <a:rPr lang="en-US" sz="1800" u="sng" strike="noStrike" dirty="0">
-                <a:solidFill>
-                  <a:srgbClr val="0D0D0D"/>
-                </a:solidFill>
-                <a:effectLst/>
-                <a:highlight>
-                  <a:srgbClr val="FFFFFF"/>
-                </a:highlight>
-                <a:latin typeface="Arial" panose="020B0604020202020204" pitchFamily="34" charset="0"/>
-                <a:ea typeface="Arial" panose="020B0604020202020204" pitchFamily="34" charset="0"/>
-                <a:cs typeface="Arial" panose="020B0604020202020204" pitchFamily="34" charset="0"/>
-              </a:rPr>
-              <a:t>Accuracy:</a:t>
-            </a:r>
-            <a:r>
-              <a:rPr lang="en-US" sz="1800" u="none" strike="noStrike" dirty="0">
-                <a:solidFill>
-                  <a:srgbClr val="0D0D0D"/>
-                </a:solidFill>
-                <a:effectLst/>
-                <a:highlight>
-                  <a:srgbClr val="FFFFFF"/>
-                </a:highlight>
-                <a:latin typeface="Arial" panose="020B0604020202020204" pitchFamily="34" charset="0"/>
-                <a:ea typeface="Arial" panose="020B0604020202020204" pitchFamily="34" charset="0"/>
-                <a:cs typeface="Arial" panose="020B0604020202020204" pitchFamily="34" charset="0"/>
-              </a:rPr>
-              <a:t> This metric will measure the percentage of correctly predicted labels over the total number of nodes in the test set. It provides a straightforward indicator of the model's overall effectiveness in correctly classifying nodes.</a:t>
-            </a:r>
-            <a:endParaRPr lang="en-US" sz="1800" u="none" strike="noStrike" dirty="0">
-              <a:effectLst/>
-              <a:latin typeface="Arial" panose="020B0604020202020204" pitchFamily="34" charset="0"/>
-              <a:ea typeface="Arial" panose="020B0604020202020204" pitchFamily="34" charset="0"/>
-            </a:endParaRPr>
-          </a:p>
-          <a:p>
-            <a:pPr marL="342900" lvl="0" indent="-342900" algn="just">
-              <a:lnSpc>
-                <a:spcPct val="115000"/>
-              </a:lnSpc>
-              <a:buFont typeface="Arial" panose="020B0604020202020204" pitchFamily="34" charset="0"/>
-              <a:buChar char="●"/>
-            </a:pPr>
-            <a:r>
-              <a:rPr lang="en-US" sz="1800" u="sng" strike="noStrike" dirty="0">
-                <a:solidFill>
-                  <a:srgbClr val="0D0D0D"/>
-                </a:solidFill>
-                <a:effectLst/>
-                <a:highlight>
-                  <a:srgbClr val="FFFFFF"/>
-                </a:highlight>
-                <a:latin typeface="Arial" panose="020B0604020202020204" pitchFamily="34" charset="0"/>
-                <a:ea typeface="Arial" panose="020B0604020202020204" pitchFamily="34" charset="0"/>
-                <a:cs typeface="Arial" panose="020B0604020202020204" pitchFamily="34" charset="0"/>
-              </a:rPr>
-              <a:t>Precision:</a:t>
-            </a:r>
-            <a:r>
-              <a:rPr lang="en-US" sz="1800" u="none" strike="noStrike" dirty="0">
-                <a:solidFill>
-                  <a:srgbClr val="0D0D0D"/>
-                </a:solidFill>
-                <a:effectLst/>
-                <a:highlight>
-                  <a:srgbClr val="FFFFFF"/>
-                </a:highlight>
-                <a:latin typeface="Arial" panose="020B0604020202020204" pitchFamily="34" charset="0"/>
-                <a:ea typeface="Arial" panose="020B0604020202020204" pitchFamily="34" charset="0"/>
-                <a:cs typeface="Arial" panose="020B0604020202020204" pitchFamily="34" charset="0"/>
-              </a:rPr>
-              <a:t> This will assess the proportion of positive identifications that were actually correct, particularly important in situations where the cost of a false positive is high. It helps in understanding the reliability of the predictions in terms of class-specific performance.</a:t>
-            </a:r>
-            <a:endParaRPr lang="en-US" sz="1800" u="none" strike="noStrike" dirty="0">
-              <a:effectLst/>
-              <a:latin typeface="Arial" panose="020B0604020202020204" pitchFamily="34" charset="0"/>
-              <a:ea typeface="Arial" panose="020B0604020202020204" pitchFamily="34" charset="0"/>
-            </a:endParaRPr>
-          </a:p>
-          <a:p>
             <a:pPr algn="l" rtl="0"/>
             <a:endParaRPr lang="en-US" dirty="0"/>
           </a:p>
@@ -1209,7 +1095,7 @@
     </p:spTree>
     <p:extLst>
       <p:ext uri="{BB962C8B-B14F-4D97-AF65-F5344CB8AC3E}">
-        <p14:creationId xmlns:p14="http://schemas.microsoft.com/office/powerpoint/2010/main" val="1875931481"/>
+        <p14:creationId xmlns:p14="http://schemas.microsoft.com/office/powerpoint/2010/main" val="475680827"/>
       </p:ext>
     </p:extLst>
   </p:cSld>
@@ -1263,94 +1149,6 @@
           <a:bodyPr/>
           <a:lstStyle/>
           <a:p>
-            <a:pPr marL="342900" lvl="0" indent="-342900" algn="just" rtl="0">
-              <a:lnSpc>
-                <a:spcPct val="115000"/>
-              </a:lnSpc>
-              <a:buFont typeface="Arial" panose="020B0604020202020204" pitchFamily="34" charset="0"/>
-              <a:buChar char="●"/>
-            </a:pPr>
-            <a:r>
-              <a:rPr lang="en-US" sz="1800" u="sng" strike="noStrike" dirty="0">
-                <a:solidFill>
-                  <a:srgbClr val="0D0D0D"/>
-                </a:solidFill>
-                <a:effectLst/>
-                <a:highlight>
-                  <a:srgbClr val="FFFFFF"/>
-                </a:highlight>
-                <a:latin typeface="Arial" panose="020B0604020202020204" pitchFamily="34" charset="0"/>
-                <a:ea typeface="Arial" panose="020B0604020202020204" pitchFamily="34" charset="0"/>
-                <a:cs typeface="Arial" panose="020B0604020202020204" pitchFamily="34" charset="0"/>
-              </a:rPr>
-              <a:t>Accuracy:</a:t>
-            </a:r>
-            <a:r>
-              <a:rPr lang="en-US" sz="1800" u="none" strike="noStrike" dirty="0">
-                <a:solidFill>
-                  <a:srgbClr val="0D0D0D"/>
-                </a:solidFill>
-                <a:effectLst/>
-                <a:highlight>
-                  <a:srgbClr val="FFFFFF"/>
-                </a:highlight>
-                <a:latin typeface="Arial" panose="020B0604020202020204" pitchFamily="34" charset="0"/>
-                <a:ea typeface="Arial" panose="020B0604020202020204" pitchFamily="34" charset="0"/>
-                <a:cs typeface="Arial" panose="020B0604020202020204" pitchFamily="34" charset="0"/>
-              </a:rPr>
-              <a:t> This metric will measure the percentage of correctly predicted labels over the total number of nodes in the test set. It provides a straightforward indicator of the model's overall effectiveness in correctly classifying nodes.</a:t>
-            </a:r>
-            <a:endParaRPr lang="en-US" sz="1800" u="none" strike="noStrike" dirty="0">
-              <a:effectLst/>
-              <a:latin typeface="Arial" panose="020B0604020202020204" pitchFamily="34" charset="0"/>
-              <a:ea typeface="Arial" panose="020B0604020202020204" pitchFamily="34" charset="0"/>
-            </a:endParaRPr>
-          </a:p>
-          <a:p>
-            <a:pPr marL="342900" lvl="0" indent="-342900" algn="just">
-              <a:lnSpc>
-                <a:spcPct val="115000"/>
-              </a:lnSpc>
-              <a:buFont typeface="Arial" panose="020B0604020202020204" pitchFamily="34" charset="0"/>
-              <a:buChar char="●"/>
-            </a:pPr>
-            <a:r>
-              <a:rPr lang="en-US" sz="1800" u="sng" strike="noStrike" dirty="0">
-                <a:solidFill>
-                  <a:srgbClr val="0D0D0D"/>
-                </a:solidFill>
-                <a:effectLst/>
-                <a:highlight>
-                  <a:srgbClr val="FFFFFF"/>
-                </a:highlight>
-                <a:latin typeface="Arial" panose="020B0604020202020204" pitchFamily="34" charset="0"/>
-                <a:ea typeface="Arial" panose="020B0604020202020204" pitchFamily="34" charset="0"/>
-                <a:cs typeface="Arial" panose="020B0604020202020204" pitchFamily="34" charset="0"/>
-              </a:rPr>
-              <a:t>Precision:</a:t>
-            </a:r>
-            <a:r>
-              <a:rPr lang="en-US" sz="1800" u="none" strike="noStrike" dirty="0">
-                <a:solidFill>
-                  <a:srgbClr val="0D0D0D"/>
-                </a:solidFill>
-                <a:effectLst/>
-                <a:highlight>
-                  <a:srgbClr val="FFFFFF"/>
-                </a:highlight>
-                <a:latin typeface="Arial" panose="020B0604020202020204" pitchFamily="34" charset="0"/>
-                <a:ea typeface="Arial" panose="020B0604020202020204" pitchFamily="34" charset="0"/>
-                <a:cs typeface="Arial" panose="020B0604020202020204" pitchFamily="34" charset="0"/>
-              </a:rPr>
-              <a:t> This will assess the proportion of positive identifications that were actually correct, particularly important in situations where the cost of a false positive is high. It helps in understanding the reliability of the predictions in terms of class-specific performance.</a:t>
-            </a:r>
-            <a:endParaRPr lang="en-US" sz="1800" u="none" strike="noStrike" dirty="0">
-              <a:effectLst/>
-              <a:latin typeface="Arial" panose="020B0604020202020204" pitchFamily="34" charset="0"/>
-              <a:ea typeface="Arial" panose="020B0604020202020204" pitchFamily="34" charset="0"/>
-            </a:endParaRPr>
-          </a:p>
-          <a:p>
             <a:pPr algn="l" rtl="0"/>
             <a:endParaRPr lang="en-US" dirty="0"/>
           </a:p>
@@ -1382,7 +1180,7 @@
     </p:spTree>
     <p:extLst>
       <p:ext uri="{BB962C8B-B14F-4D97-AF65-F5344CB8AC3E}">
-        <p14:creationId xmlns:p14="http://schemas.microsoft.com/office/powerpoint/2010/main" val="271963167"/>
+        <p14:creationId xmlns:p14="http://schemas.microsoft.com/office/powerpoint/2010/main" val="1875931481"/>
       </p:ext>
     </p:extLst>
   </p:cSld>
@@ -1436,6 +1234,7 @@
           <a:bodyPr/>
           <a:lstStyle/>
           <a:p>
+            <a:pPr algn="l" rtl="0"/>
             <a:endParaRPr lang="en-US" dirty="0"/>
           </a:p>
         </p:txBody>
@@ -1520,94 +1319,6 @@
           <a:bodyPr/>
           <a:lstStyle/>
           <a:p>
-            <a:pPr marL="342900" lvl="0" indent="-342900" algn="just" rtl="0">
-              <a:lnSpc>
-                <a:spcPct val="115000"/>
-              </a:lnSpc>
-              <a:buFont typeface="Arial" panose="020B0604020202020204" pitchFamily="34" charset="0"/>
-              <a:buChar char="●"/>
-            </a:pPr>
-            <a:r>
-              <a:rPr lang="en-US" sz="1800" u="sng" strike="noStrike" dirty="0">
-                <a:solidFill>
-                  <a:srgbClr val="0D0D0D"/>
-                </a:solidFill>
-                <a:effectLst/>
-                <a:highlight>
-                  <a:srgbClr val="FFFFFF"/>
-                </a:highlight>
-                <a:latin typeface="Arial" panose="020B0604020202020204" pitchFamily="34" charset="0"/>
-                <a:ea typeface="Arial" panose="020B0604020202020204" pitchFamily="34" charset="0"/>
-                <a:cs typeface="Arial" panose="020B0604020202020204" pitchFamily="34" charset="0"/>
-              </a:rPr>
-              <a:t>Accuracy:</a:t>
-            </a:r>
-            <a:r>
-              <a:rPr lang="en-US" sz="1800" u="none" strike="noStrike" dirty="0">
-                <a:solidFill>
-                  <a:srgbClr val="0D0D0D"/>
-                </a:solidFill>
-                <a:effectLst/>
-                <a:highlight>
-                  <a:srgbClr val="FFFFFF"/>
-                </a:highlight>
-                <a:latin typeface="Arial" panose="020B0604020202020204" pitchFamily="34" charset="0"/>
-                <a:ea typeface="Arial" panose="020B0604020202020204" pitchFamily="34" charset="0"/>
-                <a:cs typeface="Arial" panose="020B0604020202020204" pitchFamily="34" charset="0"/>
-              </a:rPr>
-              <a:t> This metric will measure the percentage of correctly predicted labels over the total number of nodes in the test set. It provides a straightforward indicator of the model's overall effectiveness in correctly classifying nodes.</a:t>
-            </a:r>
-            <a:endParaRPr lang="en-US" sz="1800" u="none" strike="noStrike" dirty="0">
-              <a:effectLst/>
-              <a:latin typeface="Arial" panose="020B0604020202020204" pitchFamily="34" charset="0"/>
-              <a:ea typeface="Arial" panose="020B0604020202020204" pitchFamily="34" charset="0"/>
-            </a:endParaRPr>
-          </a:p>
-          <a:p>
-            <a:pPr marL="342900" lvl="0" indent="-342900" algn="just">
-              <a:lnSpc>
-                <a:spcPct val="115000"/>
-              </a:lnSpc>
-              <a:buFont typeface="Arial" panose="020B0604020202020204" pitchFamily="34" charset="0"/>
-              <a:buChar char="●"/>
-            </a:pPr>
-            <a:r>
-              <a:rPr lang="en-US" sz="1800" u="sng" strike="noStrike" dirty="0">
-                <a:solidFill>
-                  <a:srgbClr val="0D0D0D"/>
-                </a:solidFill>
-                <a:effectLst/>
-                <a:highlight>
-                  <a:srgbClr val="FFFFFF"/>
-                </a:highlight>
-                <a:latin typeface="Arial" panose="020B0604020202020204" pitchFamily="34" charset="0"/>
-                <a:ea typeface="Arial" panose="020B0604020202020204" pitchFamily="34" charset="0"/>
-                <a:cs typeface="Arial" panose="020B0604020202020204" pitchFamily="34" charset="0"/>
-              </a:rPr>
-              <a:t>Precision:</a:t>
-            </a:r>
-            <a:r>
-              <a:rPr lang="en-US" sz="1800" u="none" strike="noStrike" dirty="0">
-                <a:solidFill>
-                  <a:srgbClr val="0D0D0D"/>
-                </a:solidFill>
-                <a:effectLst/>
-                <a:highlight>
-                  <a:srgbClr val="FFFFFF"/>
-                </a:highlight>
-                <a:latin typeface="Arial" panose="020B0604020202020204" pitchFamily="34" charset="0"/>
-                <a:ea typeface="Arial" panose="020B0604020202020204" pitchFamily="34" charset="0"/>
-                <a:cs typeface="Arial" panose="020B0604020202020204" pitchFamily="34" charset="0"/>
-              </a:rPr>
-              <a:t> This will assess the proportion of positive identifications that were actually correct, particularly important in situations where the cost of a false positive is high. It helps in understanding the reliability of the predictions in terms of class-specific performance.</a:t>
-            </a:r>
-            <a:endParaRPr lang="en-US" sz="1800" u="none" strike="noStrike" dirty="0">
-              <a:effectLst/>
-              <a:latin typeface="Arial" panose="020B0604020202020204" pitchFamily="34" charset="0"/>
-              <a:ea typeface="Arial" panose="020B0604020202020204" pitchFamily="34" charset="0"/>
-            </a:endParaRPr>
-          </a:p>
-          <a:p>
             <a:pPr algn="l" rtl="0"/>
             <a:endParaRPr lang="en-US" dirty="0"/>
           </a:p>
@@ -1639,7 +1350,7 @@
     </p:spTree>
     <p:extLst>
       <p:ext uri="{BB962C8B-B14F-4D97-AF65-F5344CB8AC3E}">
-        <p14:creationId xmlns:p14="http://schemas.microsoft.com/office/powerpoint/2010/main" val="2216113884"/>
+        <p14:creationId xmlns:p14="http://schemas.microsoft.com/office/powerpoint/2010/main" val="271963167"/>
       </p:ext>
     </p:extLst>
   </p:cSld>
@@ -1716,6 +1427,91 @@
             <a:fld id="{F7021451-1387-4CA6-816F-3879F97B5CBC}" type="slidenum">
               <a:rPr lang="en-US"/>
               <a:t>21</a:t>
+            </a:fld>
+            <a:endParaRPr lang="en-US"/>
+          </a:p>
+        </p:txBody>
+      </p:sp>
+    </p:spTree>
+    <p:extLst>
+      <p:ext uri="{BB962C8B-B14F-4D97-AF65-F5344CB8AC3E}">
+        <p14:creationId xmlns:p14="http://schemas.microsoft.com/office/powerpoint/2010/main" val="2216113884"/>
+      </p:ext>
+    </p:extLst>
+  </p:cSld>
+  <p:clrMapOvr>
+    <a:masterClrMapping/>
+  </p:clrMapOvr>
+</p:notes>
+</file>
+
+<file path=ppt/notesSlides/notesSlide22.xml><?xml version="1.0" encoding="utf-8"?>
+<p:notes xmlns:a="http://schemas.openxmlformats.org/drawingml/2006/main" xmlns:r="http://schemas.openxmlformats.org/officeDocument/2006/relationships" xmlns:p="http://schemas.openxmlformats.org/presentationml/2006/main">
+  <p:cSld>
+    <p:spTree>
+      <p:nvGrpSpPr>
+        <p:cNvPr id="1" name=""/>
+        <p:cNvGrpSpPr/>
+        <p:nvPr/>
+      </p:nvGrpSpPr>
+      <p:grpSpPr>
+        <a:xfrm>
+          <a:off x="0" y="0"/>
+          <a:ext cx="0" cy="0"/>
+          <a:chOff x="0" y="0"/>
+          <a:chExt cx="0" cy="0"/>
+        </a:xfrm>
+      </p:grpSpPr>
+      <p:sp>
+        <p:nvSpPr>
+          <p:cNvPr id="2" name="Slide Image Placeholder 1"/>
+          <p:cNvSpPr>
+            <a:spLocks noGrp="1" noRot="1" noChangeAspect="1"/>
+          </p:cNvSpPr>
+          <p:nvPr>
+            <p:ph type="sldImg"/>
+          </p:nvPr>
+        </p:nvSpPr>
+        <p:spPr/>
+      </p:sp>
+      <p:sp>
+        <p:nvSpPr>
+          <p:cNvPr id="3" name="Notes Placeholder 2"/>
+          <p:cNvSpPr>
+            <a:spLocks noGrp="1"/>
+          </p:cNvSpPr>
+          <p:nvPr>
+            <p:ph type="body" idx="1"/>
+          </p:nvPr>
+        </p:nvSpPr>
+        <p:spPr/>
+        <p:txBody>
+          <a:bodyPr/>
+          <a:lstStyle/>
+          <a:p>
+            <a:pPr algn="l" rtl="0"/>
+            <a:endParaRPr lang="en-US" dirty="0"/>
+          </a:p>
+        </p:txBody>
+      </p:sp>
+      <p:sp>
+        <p:nvSpPr>
+          <p:cNvPr id="4" name="Slide Number Placeholder 3"/>
+          <p:cNvSpPr>
+            <a:spLocks noGrp="1"/>
+          </p:cNvSpPr>
+          <p:nvPr>
+            <p:ph type="sldNum" sz="quarter" idx="10"/>
+          </p:nvPr>
+        </p:nvSpPr>
+        <p:spPr/>
+        <p:txBody>
+          <a:bodyPr/>
+          <a:lstStyle/>
+          <a:p>
+            <a:fld id="{F7021451-1387-4CA6-816F-3879F97B5CBC}" type="slidenum">
+              <a:rPr lang="en-US"/>
+              <a:t>22</a:t>
             </a:fld>
             <a:endParaRPr lang="en-US"/>
           </a:p>
@@ -1778,6 +1574,7 @@
           <a:bodyPr/>
           <a:lstStyle/>
           <a:p>
+            <a:pPr algn="l" rtl="0"/>
             <a:endParaRPr lang="en-US" dirty="0"/>
           </a:p>
         </p:txBody>
@@ -1808,7 +1605,7 @@
     </p:spTree>
     <p:extLst>
       <p:ext uri="{BB962C8B-B14F-4D97-AF65-F5344CB8AC3E}">
-        <p14:creationId xmlns:p14="http://schemas.microsoft.com/office/powerpoint/2010/main" val="1014343518"/>
+        <p14:creationId xmlns:p14="http://schemas.microsoft.com/office/powerpoint/2010/main" val="2547243401"/>
       </p:ext>
     </p:extLst>
   </p:cSld>
@@ -1947,59 +1744,8 @@
           <a:bodyPr/>
           <a:lstStyle/>
           <a:p>
-            <a:pPr marL="0" marR="0" lvl="0" indent="0" algn="l" defTabSz="914400" rtl="0" eaLnBrk="1" fontAlgn="auto" latinLnBrk="0" hangingPunct="1">
-              <a:lnSpc>
-                <a:spcPct val="100000"/>
-              </a:lnSpc>
-              <a:spcBef>
-                <a:spcPts val="0"/>
-              </a:spcBef>
-              <a:spcAft>
-                <a:spcPts val="0"/>
-              </a:spcAft>
-              <a:buClrTx/>
-              <a:buSzTx/>
-              <a:buFontTx/>
-              <a:buNone/>
-              <a:tabLst/>
-              <a:defRPr/>
-            </a:pPr>
-            <a:r>
-              <a:rPr lang="en-US" dirty="0"/>
-              <a:t>Contrastive Learning:</a:t>
-            </a:r>
-            <a:br>
-              <a:rPr lang="en-US" dirty="0"/>
-            </a:br>
-            <a:r>
-              <a:rPr lang="en-US" sz="1200" i="0" dirty="0">
-                <a:ln w="0"/>
-                <a:solidFill>
-                  <a:schemeClr val="tx1"/>
-                </a:solidFill>
-                <a:effectLst>
-                  <a:outerShdw blurRad="38100" dist="19050" dir="2700000" algn="tl" rotWithShape="0">
-                    <a:schemeClr val="dk1">
-                      <a:alpha val="40000"/>
-                    </a:schemeClr>
-                  </a:outerShdw>
-                </a:effectLst>
-                <a:latin typeface="Epilogue" panose="020B0604020202020204" charset="0"/>
-                <a:ea typeface="Dotum" panose="020B0600000101010101" pitchFamily="34" charset="-127"/>
-              </a:rPr>
-              <a:t>It involves learning to distinguish between similar (positive) and dissimilar (negative) pairs of data points, enhancing the model’s ability to recognize subtle differences and similarities.</a:t>
-            </a:r>
-          </a:p>
-          <a:p>
             <a:pPr algn="l" rtl="0"/>
             <a:endParaRPr lang="en-US" dirty="0"/>
-          </a:p>
-          <a:p>
-            <a:pPr algn="l" rtl="0"/>
-            <a:r>
-              <a:rPr lang="en-US" dirty="0"/>
-              <a:t>We can give an example of citation networks and examples for properties in this network </a:t>
-            </a:r>
           </a:p>
         </p:txBody>
       </p:sp>
@@ -2029,7 +1775,7 @@
     </p:spTree>
     <p:extLst>
       <p:ext uri="{BB962C8B-B14F-4D97-AF65-F5344CB8AC3E}">
-        <p14:creationId xmlns:p14="http://schemas.microsoft.com/office/powerpoint/2010/main" val="835383921"/>
+        <p14:creationId xmlns:p14="http://schemas.microsoft.com/office/powerpoint/2010/main" val="3063400362"/>
       </p:ext>
     </p:extLst>
   </p:cSld>
@@ -2084,17 +1830,7 @@
           <a:lstStyle/>
           <a:p>
             <a:pPr algn="l" rtl="0"/>
-            <a:r>
-              <a:rPr lang="en-US" dirty="0"/>
-              <a:t>To talk about the image: in text, the model reconstructs the sentences (hidden words) by learning semantics of the text.</a:t>
-            </a:r>
-          </a:p>
-          <a:p>
-            <a:pPr algn="l" rtl="0"/>
-            <a:r>
-              <a:rPr lang="en-US" dirty="0"/>
-              <a:t>Also to in images to talk about hidden pixels, or patches… </a:t>
-            </a:r>
+            <a:endParaRPr lang="en-US" dirty="0"/>
           </a:p>
         </p:txBody>
       </p:sp>
@@ -2178,42 +1914,6 @@
           <a:bodyPr/>
           <a:lstStyle/>
           <a:p>
-            <a:pPr marL="0" marR="0" lvl="0" indent="0" algn="l" defTabSz="914400" rtl="0" eaLnBrk="1" fontAlgn="auto" latinLnBrk="0" hangingPunct="1">
-              <a:lnSpc>
-                <a:spcPct val="100000"/>
-              </a:lnSpc>
-              <a:spcBef>
-                <a:spcPts val="0"/>
-              </a:spcBef>
-              <a:spcAft>
-                <a:spcPts val="0"/>
-              </a:spcAft>
-              <a:buClrTx/>
-              <a:buSzTx/>
-              <a:buFontTx/>
-              <a:buNone/>
-              <a:tabLst/>
-              <a:defRPr/>
-            </a:pPr>
-            <a:r>
-              <a:rPr lang="en-US" sz="1800" dirty="0">
-                <a:solidFill>
-                  <a:srgbClr val="0D0D0D"/>
-                </a:solidFill>
-                <a:effectLst/>
-                <a:latin typeface="Arial" panose="020B0604020202020204" pitchFamily="34" charset="0"/>
-                <a:ea typeface="Arial" panose="020B0604020202020204" pitchFamily="34" charset="0"/>
-                <a:cs typeface="Arial" panose="020B0604020202020204" pitchFamily="34" charset="0"/>
-              </a:rPr>
-              <a:t>For instance, consider an edge (a, b) which is identified as a positive connection. By removing this edge, the resulting subgraphs focused on nodes a and b respectively will exhibit reduced overlap, with fewer common nodes and edges. This reduction in overlap helps in diversifying the information captured by the model, enhancing its ability to learn more distinct and useful representations that are important for the tasks at hand. The MaskGAE model leverages this approach to effectively minimize redundancy, offering a more refined and potentially more accurate graph analysis tool compared to standard GAE.</a:t>
-            </a:r>
-            <a:endParaRPr lang="en-US" sz="1800" dirty="0">
-              <a:effectLst/>
-              <a:latin typeface="Arial" panose="020B0604020202020204" pitchFamily="34" charset="0"/>
-              <a:ea typeface="Arial" panose="020B0604020202020204" pitchFamily="34" charset="0"/>
-            </a:endParaRPr>
-          </a:p>
-          <a:p>
             <a:pPr algn="l" rtl="0"/>
             <a:endParaRPr lang="en-US" dirty="0"/>
           </a:p>
@@ -2245,7 +1945,7 @@
     </p:spTree>
     <p:extLst>
       <p:ext uri="{BB962C8B-B14F-4D97-AF65-F5344CB8AC3E}">
-        <p14:creationId xmlns:p14="http://schemas.microsoft.com/office/powerpoint/2010/main" val="468092164"/>
+        <p14:creationId xmlns:p14="http://schemas.microsoft.com/office/powerpoint/2010/main" val="4062827222"/>
       </p:ext>
     </p:extLst>
   </p:cSld>
@@ -2300,10 +2000,7 @@
           <a:lstStyle/>
           <a:p>
             <a:pPr algn="l" rtl="0"/>
-            <a:r>
-              <a:rPr lang="en-US" dirty="0"/>
-              <a:t>Describe the Masking Strategy image: two strategies and how they work. The next slide is more formal way of explaining</a:t>
-            </a:r>
+            <a:endParaRPr lang="en-US" dirty="0"/>
           </a:p>
         </p:txBody>
       </p:sp>
@@ -2387,6 +2084,7 @@
           <a:bodyPr/>
           <a:lstStyle/>
           <a:p>
+            <a:pPr algn="l" rtl="0"/>
             <a:endParaRPr lang="en-US" dirty="0"/>
           </a:p>
         </p:txBody>
@@ -2417,7 +2115,7 @@
     </p:spTree>
     <p:extLst>
       <p:ext uri="{BB962C8B-B14F-4D97-AF65-F5344CB8AC3E}">
-        <p14:creationId xmlns:p14="http://schemas.microsoft.com/office/powerpoint/2010/main" val="1024086991"/>
+        <p14:creationId xmlns:p14="http://schemas.microsoft.com/office/powerpoint/2010/main" val="3250370458"/>
       </p:ext>
     </p:extLst>
   </p:cSld>
@@ -3109,6 +2807,750 @@
 
 <file path=ppt/slides/slide10.xml><?xml version="1.0" encoding="utf-8"?>
 <p:sld xmlns:a="http://schemas.openxmlformats.org/drawingml/2006/main" xmlns:r="http://schemas.openxmlformats.org/officeDocument/2006/relationships" xmlns:p="http://schemas.openxmlformats.org/presentationml/2006/main">
+  <p:cSld name="Slide 2">
+    <p:spTree>
+      <p:nvGrpSpPr>
+        <p:cNvPr id="1" name=""/>
+        <p:cNvGrpSpPr/>
+        <p:nvPr/>
+      </p:nvGrpSpPr>
+      <p:grpSpPr>
+        <a:xfrm>
+          <a:off x="0" y="0"/>
+          <a:ext cx="0" cy="0"/>
+          <a:chOff x="0" y="0"/>
+          <a:chExt cx="0" cy="0"/>
+        </a:xfrm>
+      </p:grpSpPr>
+      <p:pic>
+        <p:nvPicPr>
+          <p:cNvPr id="2" name="Image 0" descr="preencoded.png"/>
+          <p:cNvPicPr>
+            <a:picLocks noChangeAspect="1"/>
+          </p:cNvPicPr>
+          <p:nvPr/>
+        </p:nvPicPr>
+        <p:blipFill>
+          <a:blip r:embed="rId3"/>
+          <a:stretch>
+            <a:fillRect/>
+          </a:stretch>
+        </p:blipFill>
+        <p:spPr>
+          <a:xfrm>
+            <a:off x="0" y="0"/>
+            <a:ext cx="14630400" cy="8229600"/>
+          </a:xfrm>
+          <a:prstGeom prst="rect">
+            <a:avLst/>
+          </a:prstGeom>
+        </p:spPr>
+      </p:pic>
+      <p:sp>
+        <p:nvSpPr>
+          <p:cNvPr id="3" name="Shape 0"/>
+          <p:cNvSpPr/>
+          <p:nvPr/>
+        </p:nvSpPr>
+        <p:spPr>
+          <a:xfrm>
+            <a:off x="0" y="0"/>
+            <a:ext cx="14630400" cy="8229600"/>
+          </a:xfrm>
+          <a:prstGeom prst="rect">
+            <a:avLst/>
+          </a:prstGeom>
+          <a:solidFill>
+            <a:srgbClr val="FFFFFF">
+              <a:alpha val="75000"/>
+            </a:srgbClr>
+          </a:solidFill>
+          <a:ln/>
+        </p:spPr>
+        <p:txBody>
+          <a:bodyPr/>
+          <a:lstStyle/>
+          <a:p>
+            <a:endParaRPr lang="he-IL"/>
+          </a:p>
+        </p:txBody>
+      </p:sp>
+      <p:grpSp>
+        <p:nvGrpSpPr>
+          <p:cNvPr id="5" name="קבוצה 4">
+            <a:extLst>
+              <a:ext uri="{FF2B5EF4-FFF2-40B4-BE49-F238E27FC236}">
+                <a16:creationId xmlns:a16="http://schemas.microsoft.com/office/drawing/2014/main" id="{12B3F189-7F57-48CD-DF00-BE5481AF92AF}"/>
+              </a:ext>
+            </a:extLst>
+          </p:cNvPr>
+          <p:cNvGrpSpPr/>
+          <p:nvPr/>
+        </p:nvGrpSpPr>
+        <p:grpSpPr>
+          <a:xfrm>
+            <a:off x="400159" y="1516329"/>
+            <a:ext cx="9423320" cy="3116342"/>
+            <a:chOff x="400159" y="4538305"/>
+            <a:chExt cx="9423320" cy="3116342"/>
+          </a:xfrm>
+        </p:grpSpPr>
+        <p:sp>
+          <p:nvSpPr>
+            <p:cNvPr id="12" name="Shape 7"/>
+            <p:cNvSpPr/>
+            <p:nvPr/>
+          </p:nvSpPr>
+          <p:spPr>
+            <a:xfrm>
+              <a:off x="400159" y="4538305"/>
+              <a:ext cx="464820" cy="464820"/>
+            </a:xfrm>
+            <a:prstGeom prst="roundRect">
+              <a:avLst>
+                <a:gd name="adj" fmla="val 20002"/>
+              </a:avLst>
+            </a:prstGeom>
+            <a:solidFill>
+              <a:srgbClr val="CCEEFF"/>
+            </a:solidFill>
+            <a:ln w="7620">
+              <a:solidFill>
+                <a:srgbClr val="B2D4E5"/>
+              </a:solidFill>
+              <a:prstDash val="solid"/>
+            </a:ln>
+          </p:spPr>
+          <p:txBody>
+            <a:bodyPr/>
+            <a:lstStyle/>
+            <a:p>
+              <a:endParaRPr lang="he-IL"/>
+            </a:p>
+          </p:txBody>
+        </p:sp>
+        <p:sp>
+          <p:nvSpPr>
+            <p:cNvPr id="13" name="Text 8"/>
+            <p:cNvSpPr/>
+            <p:nvPr/>
+          </p:nvSpPr>
+          <p:spPr>
+            <a:xfrm>
+              <a:off x="542319" y="4577001"/>
+              <a:ext cx="180380" cy="387310"/>
+            </a:xfrm>
+            <a:prstGeom prst="rect">
+              <a:avLst/>
+            </a:prstGeom>
+            <a:noFill/>
+            <a:ln/>
+          </p:spPr>
+          <p:txBody>
+            <a:bodyPr wrap="none" rtlCol="0" anchor="t"/>
+            <a:lstStyle/>
+            <a:p>
+              <a:pPr marL="0" indent="0" algn="ctr">
+                <a:lnSpc>
+                  <a:spcPts val="3050"/>
+                </a:lnSpc>
+                <a:buNone/>
+              </a:pPr>
+              <a:r>
+                <a:rPr lang="en-US" sz="2440" b="1" dirty="0">
+                  <a:solidFill>
+                    <a:srgbClr val="272525"/>
+                  </a:solidFill>
+                  <a:latin typeface="p22-mackinac-pro" pitchFamily="34" charset="0"/>
+                  <a:ea typeface="p22-mackinac-pro" pitchFamily="34" charset="-122"/>
+                </a:rPr>
+                <a:t>1</a:t>
+              </a:r>
+              <a:endParaRPr lang="en-US" sz="2440" dirty="0"/>
+            </a:p>
+          </p:txBody>
+        </p:sp>
+        <p:sp>
+          <p:nvSpPr>
+            <p:cNvPr id="14" name="Text 9"/>
+            <p:cNvSpPr/>
+            <p:nvPr/>
+          </p:nvSpPr>
+          <p:spPr>
+            <a:xfrm>
+              <a:off x="1071552" y="4609267"/>
+              <a:ext cx="3574375" cy="322778"/>
+            </a:xfrm>
+            <a:prstGeom prst="rect">
+              <a:avLst/>
+            </a:prstGeom>
+            <a:noFill/>
+            <a:ln/>
+          </p:spPr>
+          <p:txBody>
+            <a:bodyPr wrap="none" rtlCol="0" anchor="t"/>
+            <a:lstStyle/>
+            <a:p>
+              <a:pPr marL="0" indent="0">
+                <a:lnSpc>
+                  <a:spcPts val="2542"/>
+                </a:lnSpc>
+                <a:buNone/>
+              </a:pPr>
+              <a:r>
+                <a:rPr lang="en-US" sz="2400" b="1" dirty="0">
+                  <a:solidFill>
+                    <a:srgbClr val="272525"/>
+                  </a:solidFill>
+                  <a:latin typeface="Epilogue" panose="020B0604020202020204" charset="0"/>
+                  <a:ea typeface="p22-mackinac-pro" pitchFamily="34" charset="-122"/>
+                  <a:cs typeface="p22-mackinac-pro" pitchFamily="34" charset="-120"/>
+                </a:rPr>
+                <a:t>Path-wise Random Masking </a:t>
+              </a:r>
+              <a:endParaRPr lang="en-US" sz="2400" dirty="0">
+                <a:latin typeface="Epilogue" panose="020B0604020202020204" charset="0"/>
+              </a:endParaRPr>
+            </a:p>
+          </p:txBody>
+        </p:sp>
+        <p:sp>
+          <p:nvSpPr>
+            <p:cNvPr id="15" name="Text 10"/>
+            <p:cNvSpPr/>
+            <p:nvPr/>
+          </p:nvSpPr>
+          <p:spPr>
+            <a:xfrm>
+              <a:off x="1071552" y="5055989"/>
+              <a:ext cx="8751927" cy="1322070"/>
+            </a:xfrm>
+            <a:prstGeom prst="rect">
+              <a:avLst/>
+            </a:prstGeom>
+            <a:noFill/>
+            <a:ln/>
+          </p:spPr>
+          <p:txBody>
+            <a:bodyPr wrap="square" rtlCol="0" anchor="t"/>
+            <a:lstStyle/>
+            <a:p>
+              <a:pPr marL="0" indent="0">
+                <a:lnSpc>
+                  <a:spcPts val="2603"/>
+                </a:lnSpc>
+                <a:buNone/>
+              </a:pPr>
+              <a:r>
+                <a:rPr lang="en-US" dirty="0">
+                  <a:solidFill>
+                    <a:srgbClr val="272525"/>
+                  </a:solidFill>
+                  <a:latin typeface="Epilogue" panose="020B0604020202020204" charset="0"/>
+                  <a:ea typeface="Eudoxus Sans" pitchFamily="34" charset="-122"/>
+                  <a:cs typeface="Eudoxus Sans" pitchFamily="34" charset="-120"/>
+                </a:rPr>
+                <a:t>Path-wise masking uses paths in the graph as building blocks. They sample a set of starting nodes and then use a coin flip (Bernoulli distribution) to choose which of them will be the starting node for a series of masked nodes, using “simple random walk” to decide which edges on the path to mask.</a:t>
+              </a:r>
+              <a:endParaRPr lang="en-US" dirty="0">
+                <a:latin typeface="Epilogue" panose="020B0604020202020204" charset="0"/>
+              </a:endParaRPr>
+            </a:p>
+          </p:txBody>
+        </p:sp>
+        <p:pic>
+          <p:nvPicPr>
+            <p:cNvPr id="16" name="Image 3" descr="preencoded.png"/>
+            <p:cNvPicPr>
+              <a:picLocks noChangeAspect="1"/>
+            </p:cNvPicPr>
+            <p:nvPr/>
+          </p:nvPicPr>
+          <p:blipFill>
+            <a:blip r:embed="rId4"/>
+            <a:stretch>
+              <a:fillRect/>
+            </a:stretch>
+          </p:blipFill>
+          <p:spPr>
+            <a:xfrm>
+              <a:off x="1071552" y="6610469"/>
+              <a:ext cx="3271242" cy="481251"/>
+            </a:xfrm>
+            <a:prstGeom prst="rect">
+              <a:avLst/>
+            </a:prstGeom>
+          </p:spPr>
+        </p:pic>
+        <p:sp>
+          <p:nvSpPr>
+            <p:cNvPr id="17" name="Text 11"/>
+            <p:cNvSpPr/>
+            <p:nvPr/>
+          </p:nvSpPr>
+          <p:spPr>
+            <a:xfrm>
+              <a:off x="1071552" y="7324130"/>
+              <a:ext cx="8751927" cy="330517"/>
+            </a:xfrm>
+            <a:prstGeom prst="rect">
+              <a:avLst/>
+            </a:prstGeom>
+            <a:noFill/>
+            <a:ln/>
+          </p:spPr>
+          <p:txBody>
+            <a:bodyPr wrap="none" rtlCol="0" anchor="t"/>
+            <a:lstStyle/>
+            <a:p>
+              <a:pPr marL="0" indent="0">
+                <a:lnSpc>
+                  <a:spcPts val="2603"/>
+                </a:lnSpc>
+                <a:buNone/>
+              </a:pPr>
+              <a:r>
+                <a:rPr lang="en-US" dirty="0">
+                  <a:solidFill>
+                    <a:srgbClr val="272525"/>
+                  </a:solidFill>
+                  <a:highlight>
+                    <a:srgbClr val="E5F6FF"/>
+                  </a:highlight>
+                  <a:latin typeface="Epilogue" panose="020B0604020202020204" charset="0"/>
+                  <a:ea typeface="Consolas" pitchFamily="34" charset="-122"/>
+                  <a:cs typeface="Consolas" pitchFamily="34" charset="-120"/>
+                </a:rPr>
+                <a:t>R</a:t>
+              </a:r>
+              <a:r>
+                <a:rPr lang="en-US" dirty="0">
+                  <a:solidFill>
+                    <a:srgbClr val="272525"/>
+                  </a:solidFill>
+                  <a:latin typeface="Epilogue" panose="020B0604020202020204" charset="0"/>
+                  <a:ea typeface="Eudoxus Sans" pitchFamily="34" charset="-122"/>
+                  <a:cs typeface="Eudoxus Sans" pitchFamily="34" charset="-120"/>
+                </a:rPr>
+                <a:t> is the set of statring nodes and </a:t>
+              </a:r>
+              <a:r>
+                <a:rPr lang="en-US" dirty="0">
+                  <a:solidFill>
+                    <a:srgbClr val="272525"/>
+                  </a:solidFill>
+                  <a:highlight>
+                    <a:srgbClr val="E5F6FF"/>
+                  </a:highlight>
+                  <a:latin typeface="Epilogue" panose="020B0604020202020204" charset="0"/>
+                  <a:ea typeface="Consolas" pitchFamily="34" charset="-122"/>
+                  <a:cs typeface="Consolas" pitchFamily="34" charset="-120"/>
+                </a:rPr>
+                <a:t>I</a:t>
+              </a:r>
+              <a:r>
+                <a:rPr lang="en-US" dirty="0">
+                  <a:solidFill>
+                    <a:srgbClr val="272525"/>
+                  </a:solidFill>
+                  <a:latin typeface="Epilogue" panose="020B0604020202020204" charset="0"/>
+                  <a:ea typeface="Eudoxus Sans" pitchFamily="34" charset="-122"/>
+                  <a:cs typeface="Eudoxus Sans" pitchFamily="34" charset="-120"/>
+                </a:rPr>
+                <a:t> is the path lengh.</a:t>
+              </a:r>
+              <a:endParaRPr lang="en-US" dirty="0">
+                <a:latin typeface="Epilogue" panose="020B0604020202020204" charset="0"/>
+              </a:endParaRPr>
+            </a:p>
+          </p:txBody>
+        </p:sp>
+      </p:grpSp>
+      <p:pic>
+        <p:nvPicPr>
+          <p:cNvPr id="19" name="Picture 1">
+            <a:extLst>
+              <a:ext uri="{FF2B5EF4-FFF2-40B4-BE49-F238E27FC236}">
+                <a16:creationId xmlns:a16="http://schemas.microsoft.com/office/drawing/2014/main" id="{D43BC78D-1C91-6C50-64F2-3DD0D1425158}"/>
+              </a:ext>
+            </a:extLst>
+          </p:cNvPr>
+          <p:cNvPicPr>
+            <a:picLocks noChangeAspect="1"/>
+          </p:cNvPicPr>
+          <p:nvPr/>
+        </p:nvPicPr>
+        <p:blipFill>
+          <a:blip r:embed="rId5"/>
+          <a:stretch>
+            <a:fillRect/>
+          </a:stretch>
+        </p:blipFill>
+        <p:spPr>
+          <a:xfrm>
+            <a:off x="10525344" y="7235213"/>
+            <a:ext cx="4105056" cy="994387"/>
+          </a:xfrm>
+          <a:prstGeom prst="rect">
+            <a:avLst/>
+          </a:prstGeom>
+        </p:spPr>
+      </p:pic>
+      <p:sp>
+        <p:nvSpPr>
+          <p:cNvPr id="20" name="Text 2">
+            <a:extLst>
+              <a:ext uri="{FF2B5EF4-FFF2-40B4-BE49-F238E27FC236}">
+                <a16:creationId xmlns:a16="http://schemas.microsoft.com/office/drawing/2014/main" id="{B22E4F46-CEE9-EF82-BB45-3D6EE51647E8}"/>
+              </a:ext>
+            </a:extLst>
+          </p:cNvPr>
+          <p:cNvSpPr/>
+          <p:nvPr/>
+        </p:nvSpPr>
+        <p:spPr>
+          <a:xfrm>
+            <a:off x="812839" y="883578"/>
+            <a:ext cx="12307260" cy="994387"/>
+          </a:xfrm>
+          <a:prstGeom prst="rect">
+            <a:avLst/>
+          </a:prstGeom>
+          <a:noFill/>
+          <a:ln/>
+        </p:spPr>
+        <p:txBody>
+          <a:bodyPr wrap="square" rtlCol="0" anchor="t"/>
+          <a:lstStyle/>
+          <a:p>
+            <a:pPr marL="0" indent="0" algn="ctr">
+              <a:lnSpc>
+                <a:spcPts val="2731"/>
+              </a:lnSpc>
+              <a:buNone/>
+            </a:pPr>
+            <a:r>
+              <a:rPr lang="en-US" sz="4000" b="1" dirty="0">
+                <a:latin typeface="Epilogue" panose="020B0604020202020204" charset="0"/>
+                <a:ea typeface="Dotum" panose="020B0600000101010101" pitchFamily="34" charset="-127"/>
+              </a:rPr>
+              <a:t>MaskGAE Model – Masking Strategy</a:t>
+            </a:r>
+          </a:p>
+        </p:txBody>
+      </p:sp>
+      <p:grpSp>
+        <p:nvGrpSpPr>
+          <p:cNvPr id="18" name="קבוצה 17">
+            <a:extLst>
+              <a:ext uri="{FF2B5EF4-FFF2-40B4-BE49-F238E27FC236}">
+                <a16:creationId xmlns:a16="http://schemas.microsoft.com/office/drawing/2014/main" id="{752EB977-F50A-97EB-72F7-CE38D03BADC4}"/>
+              </a:ext>
+            </a:extLst>
+          </p:cNvPr>
+          <p:cNvGrpSpPr/>
+          <p:nvPr/>
+        </p:nvGrpSpPr>
+        <p:grpSpPr>
+          <a:xfrm>
+            <a:off x="400159" y="5260144"/>
+            <a:ext cx="9423320" cy="2478524"/>
+            <a:chOff x="400159" y="1691759"/>
+            <a:chExt cx="9423320" cy="2478524"/>
+          </a:xfrm>
+        </p:grpSpPr>
+        <p:sp>
+          <p:nvSpPr>
+            <p:cNvPr id="21" name="Shape 2">
+              <a:extLst>
+                <a:ext uri="{FF2B5EF4-FFF2-40B4-BE49-F238E27FC236}">
+                  <a16:creationId xmlns:a16="http://schemas.microsoft.com/office/drawing/2014/main" id="{E2E22498-3A61-2A57-077B-832C2F734478}"/>
+                </a:ext>
+              </a:extLst>
+            </p:cNvPr>
+            <p:cNvSpPr/>
+            <p:nvPr/>
+          </p:nvSpPr>
+          <p:spPr>
+            <a:xfrm>
+              <a:off x="400159" y="1691759"/>
+              <a:ext cx="464820" cy="464820"/>
+            </a:xfrm>
+            <a:prstGeom prst="roundRect">
+              <a:avLst>
+                <a:gd name="adj" fmla="val 20002"/>
+              </a:avLst>
+            </a:prstGeom>
+            <a:solidFill>
+              <a:srgbClr val="CCEEFF"/>
+            </a:solidFill>
+            <a:ln w="7620">
+              <a:solidFill>
+                <a:srgbClr val="B2D4E5"/>
+              </a:solidFill>
+              <a:prstDash val="solid"/>
+            </a:ln>
+          </p:spPr>
+          <p:txBody>
+            <a:bodyPr/>
+            <a:lstStyle/>
+            <a:p>
+              <a:endParaRPr lang="he-IL"/>
+            </a:p>
+          </p:txBody>
+        </p:sp>
+        <p:sp>
+          <p:nvSpPr>
+            <p:cNvPr id="22" name="Text 3">
+              <a:extLst>
+                <a:ext uri="{FF2B5EF4-FFF2-40B4-BE49-F238E27FC236}">
+                  <a16:creationId xmlns:a16="http://schemas.microsoft.com/office/drawing/2014/main" id="{29B97F76-E2EE-D6A5-EDBC-83FF875CC2B5}"/>
+                </a:ext>
+              </a:extLst>
+            </p:cNvPr>
+            <p:cNvSpPr/>
+            <p:nvPr/>
+          </p:nvSpPr>
+          <p:spPr>
+            <a:xfrm>
+              <a:off x="569585" y="1730454"/>
+              <a:ext cx="125849" cy="387310"/>
+            </a:xfrm>
+            <a:prstGeom prst="rect">
+              <a:avLst/>
+            </a:prstGeom>
+            <a:noFill/>
+            <a:ln/>
+          </p:spPr>
+          <p:txBody>
+            <a:bodyPr wrap="none" rtlCol="0" anchor="t"/>
+            <a:lstStyle/>
+            <a:p>
+              <a:pPr marL="0" indent="0" algn="ctr">
+                <a:lnSpc>
+                  <a:spcPts val="3050"/>
+                </a:lnSpc>
+                <a:buNone/>
+              </a:pPr>
+              <a:r>
+                <a:rPr lang="en-US" sz="2440" b="1" dirty="0">
+                  <a:solidFill>
+                    <a:srgbClr val="272525"/>
+                  </a:solidFill>
+                  <a:latin typeface="p22-mackinac-pro" pitchFamily="34" charset="0"/>
+                  <a:ea typeface="p22-mackinac-pro" pitchFamily="34" charset="-122"/>
+                </a:rPr>
+                <a:t>2</a:t>
+              </a:r>
+              <a:endParaRPr lang="en-US" sz="2440" dirty="0"/>
+            </a:p>
+          </p:txBody>
+        </p:sp>
+        <p:sp>
+          <p:nvSpPr>
+            <p:cNvPr id="23" name="Text 4">
+              <a:extLst>
+                <a:ext uri="{FF2B5EF4-FFF2-40B4-BE49-F238E27FC236}">
+                  <a16:creationId xmlns:a16="http://schemas.microsoft.com/office/drawing/2014/main" id="{6E23E014-F943-2641-1C9F-7E50BD3F16A9}"/>
+                </a:ext>
+              </a:extLst>
+            </p:cNvPr>
+            <p:cNvSpPr/>
+            <p:nvPr/>
+          </p:nvSpPr>
+          <p:spPr>
+            <a:xfrm>
+              <a:off x="1071552" y="1762720"/>
+              <a:ext cx="3610689" cy="322778"/>
+            </a:xfrm>
+            <a:prstGeom prst="rect">
+              <a:avLst/>
+            </a:prstGeom>
+            <a:noFill/>
+            <a:ln/>
+          </p:spPr>
+          <p:txBody>
+            <a:bodyPr wrap="none" rtlCol="0" anchor="t"/>
+            <a:lstStyle/>
+            <a:p>
+              <a:pPr marL="0" indent="0">
+                <a:lnSpc>
+                  <a:spcPts val="2542"/>
+                </a:lnSpc>
+                <a:buNone/>
+              </a:pPr>
+              <a:r>
+                <a:rPr lang="en-US" sz="2400" b="1" dirty="0">
+                  <a:solidFill>
+                    <a:srgbClr val="272525"/>
+                  </a:solidFill>
+                  <a:latin typeface="Epilogue" panose="020B0604020202020204" charset="0"/>
+                  <a:ea typeface="p22-mackinac-pro" pitchFamily="34" charset="-122"/>
+                  <a:cs typeface="p22-mackinac-pro" pitchFamily="34" charset="-120"/>
+                </a:rPr>
+                <a:t>Edge-wise Random Masking </a:t>
+              </a:r>
+              <a:endParaRPr lang="en-US" sz="2400" dirty="0">
+                <a:latin typeface="Epilogue" panose="020B0604020202020204" charset="0"/>
+              </a:endParaRPr>
+            </a:p>
+          </p:txBody>
+        </p:sp>
+        <p:sp>
+          <p:nvSpPr>
+            <p:cNvPr id="24" name="Text 5">
+              <a:extLst>
+                <a:ext uri="{FF2B5EF4-FFF2-40B4-BE49-F238E27FC236}">
+                  <a16:creationId xmlns:a16="http://schemas.microsoft.com/office/drawing/2014/main" id="{22FC7B38-DB22-980E-BEF8-A45AA45C8BF0}"/>
+                </a:ext>
+              </a:extLst>
+            </p:cNvPr>
+            <p:cNvSpPr/>
+            <p:nvPr/>
+          </p:nvSpPr>
+          <p:spPr>
+            <a:xfrm>
+              <a:off x="1071552" y="2209443"/>
+              <a:ext cx="8751927" cy="661035"/>
+            </a:xfrm>
+            <a:prstGeom prst="rect">
+              <a:avLst/>
+            </a:prstGeom>
+            <a:noFill/>
+            <a:ln/>
+          </p:spPr>
+          <p:txBody>
+            <a:bodyPr wrap="square" rtlCol="0" anchor="t"/>
+            <a:lstStyle/>
+            <a:p>
+              <a:pPr marL="0" indent="0">
+                <a:lnSpc>
+                  <a:spcPts val="2603"/>
+                </a:lnSpc>
+                <a:buNone/>
+              </a:pPr>
+              <a:r>
+                <a:rPr lang="en-US" dirty="0">
+                  <a:solidFill>
+                    <a:srgbClr val="272525"/>
+                  </a:solidFill>
+                  <a:latin typeface="Epilogue" panose="020B0604020202020204" charset="0"/>
+                  <a:ea typeface="Eudoxus Sans" pitchFamily="34" charset="-122"/>
+                  <a:cs typeface="Eudoxus Sans" pitchFamily="34" charset="-120"/>
+                </a:rPr>
+                <a:t>This strategy involves randomly selecting a subset of edges based on a Bernoulli distribution, providing a simple way to mask the graph.</a:t>
+              </a:r>
+              <a:endParaRPr lang="en-US" dirty="0">
+                <a:latin typeface="Epilogue" panose="020B0604020202020204" charset="0"/>
+              </a:endParaRPr>
+            </a:p>
+          </p:txBody>
+        </p:sp>
+        <p:pic>
+          <p:nvPicPr>
+            <p:cNvPr id="25" name="Image 2" descr="preencoded.png">
+              <a:extLst>
+                <a:ext uri="{FF2B5EF4-FFF2-40B4-BE49-F238E27FC236}">
+                  <a16:creationId xmlns:a16="http://schemas.microsoft.com/office/drawing/2014/main" id="{3F36FB18-0DF8-5DC8-72A3-B30F427AF8D6}"/>
+                </a:ext>
+              </a:extLst>
+            </p:cNvPr>
+            <p:cNvPicPr>
+              <a:picLocks noChangeAspect="1"/>
+            </p:cNvPicPr>
+            <p:nvPr/>
+          </p:nvPicPr>
+          <p:blipFill>
+            <a:blip r:embed="rId6"/>
+            <a:stretch>
+              <a:fillRect/>
+            </a:stretch>
+          </p:blipFill>
+          <p:spPr>
+            <a:xfrm>
+              <a:off x="1071552" y="3102888"/>
+              <a:ext cx="2284095" cy="504468"/>
+            </a:xfrm>
+            <a:prstGeom prst="rect">
+              <a:avLst/>
+            </a:prstGeom>
+          </p:spPr>
+        </p:pic>
+        <p:sp>
+          <p:nvSpPr>
+            <p:cNvPr id="26" name="Text 6">
+              <a:extLst>
+                <a:ext uri="{FF2B5EF4-FFF2-40B4-BE49-F238E27FC236}">
+                  <a16:creationId xmlns:a16="http://schemas.microsoft.com/office/drawing/2014/main" id="{27EDF54B-D3FD-E5CE-20A0-5D32A6F3303A}"/>
+                </a:ext>
+              </a:extLst>
+            </p:cNvPr>
+            <p:cNvSpPr/>
+            <p:nvPr/>
+          </p:nvSpPr>
+          <p:spPr>
+            <a:xfrm>
+              <a:off x="1071552" y="3839766"/>
+              <a:ext cx="8751927" cy="330517"/>
+            </a:xfrm>
+            <a:prstGeom prst="rect">
+              <a:avLst/>
+            </a:prstGeom>
+            <a:noFill/>
+            <a:ln/>
+          </p:spPr>
+          <p:txBody>
+            <a:bodyPr wrap="none" rtlCol="0" anchor="t"/>
+            <a:lstStyle/>
+            <a:p>
+              <a:pPr marL="0" indent="0">
+                <a:lnSpc>
+                  <a:spcPts val="2603"/>
+                </a:lnSpc>
+                <a:buNone/>
+              </a:pPr>
+              <a:r>
+                <a:rPr lang="en-US" dirty="0">
+                  <a:solidFill>
+                    <a:srgbClr val="272525"/>
+                  </a:solidFill>
+                  <a:highlight>
+                    <a:srgbClr val="E5F6FF"/>
+                  </a:highlight>
+                  <a:latin typeface="Epilogue" panose="020B0604020202020204" charset="0"/>
+                  <a:ea typeface="Consolas" pitchFamily="34" charset="-122"/>
+                  <a:cs typeface="Consolas" pitchFamily="34" charset="-120"/>
+                </a:rPr>
+                <a:t>p&lt;1</a:t>
+              </a:r>
+              <a:r>
+                <a:rPr lang="en-US" dirty="0">
+                  <a:solidFill>
+                    <a:srgbClr val="272525"/>
+                  </a:solidFill>
+                  <a:latin typeface="Epilogue" panose="020B0604020202020204" charset="0"/>
+                  <a:ea typeface="Eudoxus Sans" pitchFamily="34" charset="-122"/>
+                  <a:cs typeface="Eudoxus Sans" pitchFamily="34" charset="-120"/>
+                </a:rPr>
+                <a:t> is the masking ratio for the graph.</a:t>
+              </a:r>
+              <a:endParaRPr lang="en-US" dirty="0">
+                <a:latin typeface="Epilogue" panose="020B0604020202020204" charset="0"/>
+              </a:endParaRPr>
+            </a:p>
+          </p:txBody>
+        </p:sp>
+      </p:grpSp>
+    </p:spTree>
+  </p:cSld>
+  <p:clrMapOvr>
+    <a:masterClrMapping/>
+  </p:clrMapOvr>
+</p:sld>
+</file>
+
+<file path=ppt/slides/slide11.xml><?xml version="1.0" encoding="utf-8"?>
+<p:sld xmlns:a="http://schemas.openxmlformats.org/drawingml/2006/main" xmlns:r="http://schemas.openxmlformats.org/officeDocument/2006/relationships" xmlns:p="http://schemas.openxmlformats.org/presentationml/2006/main">
   <p:cSld>
     <p:spTree>
       <p:nvGrpSpPr>
@@ -3293,7 +3735,7 @@
 </p:sld>
 </file>
 
-<file path=ppt/slides/slide11.xml><?xml version="1.0" encoding="utf-8"?>
+<file path=ppt/slides/slide12.xml><?xml version="1.0" encoding="utf-8"?>
 <p:sld xmlns:a="http://schemas.openxmlformats.org/drawingml/2006/main" xmlns:r="http://schemas.openxmlformats.org/officeDocument/2006/relationships" xmlns:p="http://schemas.openxmlformats.org/presentationml/2006/main">
   <p:cSld name="Slide 3">
     <p:spTree>
@@ -3667,7 +4109,7 @@
 </p:sld>
 </file>
 
-<file path=ppt/slides/slide12.xml><?xml version="1.0" encoding="utf-8"?>
+<file path=ppt/slides/slide13.xml><?xml version="1.0" encoding="utf-8"?>
 <p:sld xmlns:a="http://schemas.openxmlformats.org/drawingml/2006/main" xmlns:r="http://schemas.openxmlformats.org/officeDocument/2006/relationships" xmlns:p="http://schemas.openxmlformats.org/presentationml/2006/main">
   <p:cSld>
     <p:spTree>
@@ -3853,7 +4295,7 @@
 </p:sld>
 </file>
 
-<file path=ppt/slides/slide13.xml><?xml version="1.0" encoding="utf-8"?>
+<file path=ppt/slides/slide14.xml><?xml version="1.0" encoding="utf-8"?>
 <p:sld xmlns:a="http://schemas.openxmlformats.org/drawingml/2006/main" xmlns:r="http://schemas.openxmlformats.org/officeDocument/2006/relationships" xmlns:p="http://schemas.openxmlformats.org/presentationml/2006/main">
   <p:cSld>
     <p:spTree>
@@ -4123,7 +4565,7 @@
                 <a:ea typeface="Eudoxus Sans" pitchFamily="34" charset="-122"/>
                 <a:cs typeface="Eudoxus Sans" pitchFamily="34" charset="-120"/>
               </a:rPr>
-              <a:t>The output form the MLP is then transferred to the Sigmoid function as input for binary classification of link connection between every two nodes. </a:t>
+              <a:t>The output from the MLP is then transferred to the Sigmoid function as input for binary classification of link connection between every two nodes. </a:t>
             </a:r>
           </a:p>
           <a:p>
@@ -5326,7 +5768,7 @@
 </p:sld>
 </file>
 
-<file path=ppt/slides/slide14.xml><?xml version="1.0" encoding="utf-8"?>
+<file path=ppt/slides/slide15.xml><?xml version="1.0" encoding="utf-8"?>
 <p:sld xmlns:a="http://schemas.openxmlformats.org/drawingml/2006/main" xmlns:r="http://schemas.openxmlformats.org/officeDocument/2006/relationships" xmlns:p="http://schemas.openxmlformats.org/presentationml/2006/main">
   <p:cSld>
     <p:spTree>
@@ -5922,7 +6364,7 @@
                 <a:latin typeface="Epilogue" panose="020B0604020202020204" charset="0"/>
                 <a:ea typeface="Arial" panose="020B0604020202020204" pitchFamily="34" charset="0"/>
               </a:rPr>
-              <a:t>Loss Regression contributes to the regularization, i.e., guides the model to learn more abstract representations that are beneficial for tasks beyond the training data. </a:t>
+              <a:t>Regression Loss contributes to the regularization, i.e., guides the model to learn more abstract representations that are beneficial for tasks beyond the training data. </a:t>
             </a:r>
             <a:r>
               <a:rPr lang="en-US" sz="1800" b="1" dirty="0">
@@ -6496,357 +6938,6 @@
 </p:sld>
 </file>
 
-<file path=ppt/slides/slide15.xml><?xml version="1.0" encoding="utf-8"?>
-<p:sld xmlns:a="http://schemas.openxmlformats.org/drawingml/2006/main" xmlns:r="http://schemas.openxmlformats.org/officeDocument/2006/relationships" xmlns:p="http://schemas.openxmlformats.org/presentationml/2006/main">
-  <p:cSld>
-    <p:spTree>
-      <p:nvGrpSpPr>
-        <p:cNvPr id="1" name=""/>
-        <p:cNvGrpSpPr/>
-        <p:nvPr/>
-      </p:nvGrpSpPr>
-      <p:grpSpPr>
-        <a:xfrm>
-          <a:off x="0" y="0"/>
-          <a:ext cx="0" cy="0"/>
-          <a:chOff x="0" y="0"/>
-          <a:chExt cx="0" cy="0"/>
-        </a:xfrm>
-      </p:grpSpPr>
-      <p:pic>
-        <p:nvPicPr>
-          <p:cNvPr id="2" name="Image 0" descr="preencoded.png"/>
-          <p:cNvPicPr>
-            <a:picLocks noChangeAspect="1"/>
-          </p:cNvPicPr>
-          <p:nvPr/>
-        </p:nvPicPr>
-        <p:blipFill>
-          <a:blip r:embed="rId3"/>
-          <a:stretch>
-            <a:fillRect/>
-          </a:stretch>
-        </p:blipFill>
-        <p:spPr>
-          <a:xfrm>
-            <a:off x="0" y="0"/>
-            <a:ext cx="14630400" cy="8229600"/>
-          </a:xfrm>
-          <a:prstGeom prst="rect">
-            <a:avLst/>
-          </a:prstGeom>
-        </p:spPr>
-      </p:pic>
-      <p:sp>
-        <p:nvSpPr>
-          <p:cNvPr id="3" name="Shape 0"/>
-          <p:cNvSpPr/>
-          <p:nvPr/>
-        </p:nvSpPr>
-        <p:spPr>
-          <a:xfrm>
-            <a:off x="0" y="0"/>
-            <a:ext cx="14630400" cy="8229600"/>
-          </a:xfrm>
-          <a:prstGeom prst="rect">
-            <a:avLst/>
-          </a:prstGeom>
-          <a:solidFill>
-            <a:srgbClr val="FFFFFF">
-              <a:alpha val="75000"/>
-            </a:srgbClr>
-          </a:solidFill>
-          <a:ln/>
-        </p:spPr>
-        <p:txBody>
-          <a:bodyPr/>
-          <a:lstStyle/>
-          <a:p>
-            <a:endParaRPr lang="he-IL" dirty="0"/>
-          </a:p>
-        </p:txBody>
-      </p:sp>
-      <p:pic>
-        <p:nvPicPr>
-          <p:cNvPr id="9" name="Picture 1">
-            <a:extLst>
-              <a:ext uri="{FF2B5EF4-FFF2-40B4-BE49-F238E27FC236}">
-                <a16:creationId xmlns:a16="http://schemas.microsoft.com/office/drawing/2014/main" id="{770C7E79-23BA-434E-C985-7E440FCEB2C1}"/>
-              </a:ext>
-            </a:extLst>
-          </p:cNvPr>
-          <p:cNvPicPr>
-            <a:picLocks noChangeAspect="1"/>
-          </p:cNvPicPr>
-          <p:nvPr/>
-        </p:nvPicPr>
-        <p:blipFill>
-          <a:blip r:embed="rId4"/>
-          <a:stretch>
-            <a:fillRect/>
-          </a:stretch>
-        </p:blipFill>
-        <p:spPr>
-          <a:xfrm>
-            <a:off x="10525344" y="7235213"/>
-            <a:ext cx="4105056" cy="994387"/>
-          </a:xfrm>
-          <a:prstGeom prst="rect">
-            <a:avLst/>
-          </a:prstGeom>
-        </p:spPr>
-      </p:pic>
-      <p:sp>
-        <p:nvSpPr>
-          <p:cNvPr id="8" name="Text 2">
-            <a:extLst>
-              <a:ext uri="{FF2B5EF4-FFF2-40B4-BE49-F238E27FC236}">
-                <a16:creationId xmlns:a16="http://schemas.microsoft.com/office/drawing/2014/main" id="{1D6C4A4D-22C2-5F3B-28DE-A97C03964CE9}"/>
-              </a:ext>
-            </a:extLst>
-          </p:cNvPr>
-          <p:cNvSpPr/>
-          <p:nvPr/>
-        </p:nvSpPr>
-        <p:spPr>
-          <a:xfrm>
-            <a:off x="812721" y="2128360"/>
-            <a:ext cx="12960429" cy="2877979"/>
-          </a:xfrm>
-          <a:prstGeom prst="rect">
-            <a:avLst/>
-          </a:prstGeom>
-          <a:noFill/>
-          <a:ln/>
-        </p:spPr>
-        <p:txBody>
-          <a:bodyPr wrap="square" rtlCol="0" anchor="t"/>
-          <a:lstStyle/>
-          <a:p>
-            <a:pPr algn="just">
-              <a:lnSpc>
-                <a:spcPct val="115000"/>
-              </a:lnSpc>
-            </a:pPr>
-            <a:r>
-              <a:rPr lang="en-US" sz="1800" dirty="0">
-                <a:solidFill>
-                  <a:srgbClr val="0D0D0D"/>
-                </a:solidFill>
-                <a:effectLst/>
-                <a:latin typeface="Epilogue" panose="020B0604020202020204" charset="0"/>
-                <a:ea typeface="Arial" panose="020B0604020202020204" pitchFamily="34" charset="0"/>
-                <a:cs typeface="Arial" panose="020B0604020202020204" pitchFamily="34" charset="0"/>
-              </a:rPr>
-              <a:t>The anticipated goals of this project involve creating a smart learning model that can improve self-learning for graphs. </a:t>
-            </a:r>
-          </a:p>
-          <a:p>
-            <a:pPr algn="just">
-              <a:lnSpc>
-                <a:spcPct val="115000"/>
-              </a:lnSpc>
-            </a:pPr>
-            <a:endParaRPr lang="en-US" dirty="0">
-              <a:solidFill>
-                <a:srgbClr val="0D0D0D"/>
-              </a:solidFill>
-              <a:latin typeface="Epilogue" panose="020B0604020202020204" charset="0"/>
-              <a:ea typeface="Arial" panose="020B0604020202020204" pitchFamily="34" charset="0"/>
-              <a:cs typeface="Arial" panose="020B0604020202020204" pitchFamily="34" charset="0"/>
-            </a:endParaRPr>
-          </a:p>
-          <a:p>
-            <a:pPr algn="just">
-              <a:lnSpc>
-                <a:spcPct val="115000"/>
-              </a:lnSpc>
-            </a:pPr>
-            <a:r>
-              <a:rPr lang="en-US" sz="1800" dirty="0">
-                <a:solidFill>
-                  <a:srgbClr val="0D0D0D"/>
-                </a:solidFill>
-                <a:effectLst/>
-                <a:latin typeface="Epilogue" panose="020B0604020202020204" charset="0"/>
-                <a:ea typeface="Arial" panose="020B0604020202020204" pitchFamily="34" charset="0"/>
-                <a:cs typeface="Arial" panose="020B0604020202020204" pitchFamily="34" charset="0"/>
-              </a:rPr>
-              <a:t>The model's main goal is to develop a new algorithm called MaskGAE, designed to mitigate issues associated with data redundancy. We're going to check how effective the model is at rebuilding hidden connections in the graph. </a:t>
-            </a:r>
-          </a:p>
-          <a:p>
-            <a:pPr algn="just">
-              <a:lnSpc>
-                <a:spcPct val="115000"/>
-              </a:lnSpc>
-            </a:pPr>
-            <a:endParaRPr lang="en-US" dirty="0">
-              <a:solidFill>
-                <a:srgbClr val="0D0D0D"/>
-              </a:solidFill>
-              <a:latin typeface="Epilogue" panose="020B0604020202020204" charset="0"/>
-              <a:ea typeface="Arial" panose="020B0604020202020204" pitchFamily="34" charset="0"/>
-              <a:cs typeface="Arial" panose="020B0604020202020204" pitchFamily="34" charset="0"/>
-            </a:endParaRPr>
-          </a:p>
-          <a:p>
-            <a:pPr algn="just">
-              <a:lnSpc>
-                <a:spcPct val="115000"/>
-              </a:lnSpc>
-            </a:pPr>
-            <a:r>
-              <a:rPr lang="en-US" sz="1800" dirty="0">
-                <a:solidFill>
-                  <a:srgbClr val="0D0D0D"/>
-                </a:solidFill>
-                <a:effectLst/>
-                <a:latin typeface="Epilogue" panose="020B0604020202020204" charset="0"/>
-                <a:ea typeface="Arial" panose="020B0604020202020204" pitchFamily="34" charset="0"/>
-                <a:cs typeface="Arial" panose="020B0604020202020204" pitchFamily="34" charset="0"/>
-              </a:rPr>
-              <a:t>We will mask connections and see if the model can find them correctly. This will help us see how well the model understands the graph.</a:t>
-            </a:r>
-            <a:endParaRPr lang="en-US" sz="1800" dirty="0">
-              <a:effectLst/>
-              <a:latin typeface="Epilogue" panose="020B0604020202020204" charset="0"/>
-              <a:ea typeface="Arial" panose="020B0604020202020204" pitchFamily="34" charset="0"/>
-            </a:endParaRPr>
-          </a:p>
-        </p:txBody>
-      </p:sp>
-      <p:sp>
-        <p:nvSpPr>
-          <p:cNvPr id="16" name="Text 8">
-            <a:extLst>
-              <a:ext uri="{FF2B5EF4-FFF2-40B4-BE49-F238E27FC236}">
-                <a16:creationId xmlns:a16="http://schemas.microsoft.com/office/drawing/2014/main" id="{BE22D2A4-303E-3135-C904-6FEFFA640BAE}"/>
-              </a:ext>
-            </a:extLst>
-          </p:cNvPr>
-          <p:cNvSpPr/>
-          <p:nvPr/>
-        </p:nvSpPr>
-        <p:spPr>
-          <a:xfrm>
-            <a:off x="5819061" y="4452104"/>
-            <a:ext cx="4116705" cy="2426970"/>
-          </a:xfrm>
-          <a:prstGeom prst="rect">
-            <a:avLst/>
-          </a:prstGeom>
-          <a:noFill/>
-          <a:ln/>
-        </p:spPr>
-        <p:txBody>
-          <a:bodyPr wrap="square" rtlCol="0" anchor="t"/>
-          <a:lstStyle/>
-          <a:p>
-            <a:pPr marL="0" indent="0">
-              <a:lnSpc>
-                <a:spcPts val="2731"/>
-              </a:lnSpc>
-              <a:buNone/>
-            </a:pPr>
-            <a:endParaRPr lang="en-US" sz="1707" dirty="0">
-              <a:latin typeface="Epilogue" panose="020B0604020202020204" charset="0"/>
-            </a:endParaRPr>
-          </a:p>
-        </p:txBody>
-      </p:sp>
-      <p:sp>
-        <p:nvSpPr>
-          <p:cNvPr id="17" name="Text 2">
-            <a:extLst>
-              <a:ext uri="{FF2B5EF4-FFF2-40B4-BE49-F238E27FC236}">
-                <a16:creationId xmlns:a16="http://schemas.microsoft.com/office/drawing/2014/main" id="{C45A384C-6156-B806-FB42-C207C39EDC49}"/>
-              </a:ext>
-            </a:extLst>
-          </p:cNvPr>
-          <p:cNvSpPr/>
-          <p:nvPr/>
-        </p:nvSpPr>
-        <p:spPr>
-          <a:xfrm>
-            <a:off x="812839" y="883578"/>
-            <a:ext cx="12307260" cy="994387"/>
-          </a:xfrm>
-          <a:prstGeom prst="rect">
-            <a:avLst/>
-          </a:prstGeom>
-          <a:noFill/>
-          <a:ln/>
-        </p:spPr>
-        <p:txBody>
-          <a:bodyPr wrap="square" rtlCol="0" anchor="t"/>
-          <a:lstStyle/>
-          <a:p>
-            <a:pPr marL="0" indent="0" algn="ctr">
-              <a:lnSpc>
-                <a:spcPts val="2731"/>
-              </a:lnSpc>
-              <a:buNone/>
-            </a:pPr>
-            <a:r>
-              <a:rPr lang="en-US" sz="4000" b="1" dirty="0">
-                <a:latin typeface="Epilogue" panose="020B0604020202020204" charset="0"/>
-                <a:ea typeface="Dotum" panose="020B0600000101010101" pitchFamily="34" charset="-127"/>
-              </a:rPr>
-              <a:t>Expected Achievements</a:t>
-            </a:r>
-          </a:p>
-        </p:txBody>
-      </p:sp>
-      <p:pic>
-        <p:nvPicPr>
-          <p:cNvPr id="5" name="גרפיקה 4" descr="רשת עם עיגולים קטנים">
-            <a:extLst>
-              <a:ext uri="{FF2B5EF4-FFF2-40B4-BE49-F238E27FC236}">
-                <a16:creationId xmlns:a16="http://schemas.microsoft.com/office/drawing/2014/main" id="{A0A529A4-162F-A083-49A1-3F0890F60D54}"/>
-              </a:ext>
-            </a:extLst>
-          </p:cNvPr>
-          <p:cNvPicPr>
-            <a:picLocks noChangeAspect="1"/>
-          </p:cNvPicPr>
-          <p:nvPr/>
-        </p:nvPicPr>
-        <p:blipFill>
-          <a:blip r:embed="rId5">
-            <a:extLst>
-              <a:ext uri="{96DAC541-7B7A-43D3-8B79-37D633B846F1}">
-                <asvg:svgBlip xmlns:asvg="http://schemas.microsoft.com/office/drawing/2016/SVG/main" r:embed="rId6"/>
-              </a:ext>
-            </a:extLst>
-          </a:blip>
-          <a:stretch>
-            <a:fillRect/>
-          </a:stretch>
-        </p:blipFill>
-        <p:spPr>
-          <a:xfrm>
-            <a:off x="22860" y="4114800"/>
-            <a:ext cx="4114800" cy="4114800"/>
-          </a:xfrm>
-          <a:prstGeom prst="rect">
-            <a:avLst/>
-          </a:prstGeom>
-        </p:spPr>
-      </p:pic>
-    </p:spTree>
-    <p:extLst>
-      <p:ext uri="{BB962C8B-B14F-4D97-AF65-F5344CB8AC3E}">
-        <p14:creationId xmlns:p14="http://schemas.microsoft.com/office/powerpoint/2010/main" val="1273564397"/>
-      </p:ext>
-    </p:extLst>
-  </p:cSld>
-  <p:clrMapOvr>
-    <a:masterClrMapping/>
-  </p:clrMapOvr>
-</p:sld>
-</file>
-
 <file path=ppt/slides/slide16.xml><?xml version="1.0" encoding="utf-8"?>
 <p:sld xmlns:a="http://schemas.openxmlformats.org/drawingml/2006/main" xmlns:r="http://schemas.openxmlformats.org/officeDocument/2006/relationships" xmlns:p="http://schemas.openxmlformats.org/presentationml/2006/main">
   <p:cSld>
@@ -6961,8 +7052,8 @@
         </p:nvSpPr>
         <p:spPr>
           <a:xfrm>
-            <a:off x="812721" y="2128361"/>
-            <a:ext cx="12960429" cy="2226470"/>
+            <a:off x="812721" y="1635180"/>
+            <a:ext cx="12960429" cy="3129440"/>
           </a:xfrm>
           <a:prstGeom prst="rect">
             <a:avLst/>
@@ -6974,13 +7065,15 @@
           <a:bodyPr wrap="square" rtlCol="0" anchor="t"/>
           <a:lstStyle/>
           <a:p>
-            <a:pPr algn="just">
+            <a:pPr marL="342900" indent="-342900" algn="just">
               <a:lnSpc>
                 <a:spcPct val="115000"/>
               </a:lnSpc>
+              <a:buFont typeface="Arial" panose="020B0604020202020204" pitchFamily="34" charset="0"/>
+              <a:buChar char="•"/>
             </a:pPr>
             <a:r>
-              <a:rPr lang="en-US" sz="2800" dirty="0">
+              <a:rPr lang="en-US" sz="2000" dirty="0">
                 <a:solidFill>
                   <a:srgbClr val="0D0D0D"/>
                 </a:solidFill>
@@ -6989,21 +7082,36 @@
                 <a:ea typeface="Arial" panose="020B0604020202020204" pitchFamily="34" charset="0"/>
                 <a:cs typeface="Arial" panose="020B0604020202020204" pitchFamily="34" charset="0"/>
               </a:rPr>
-              <a:t>To effectively evaluate the performance of the MaskGAE model, we will perform two primary tasks: </a:t>
+              <a:t>The anticipated goals of this project involve creating a smart learning model that can improve self-learning for graphs. </a:t>
             </a:r>
+          </a:p>
+          <a:p>
+            <a:pPr marL="342900" indent="-342900" algn="just">
+              <a:lnSpc>
+                <a:spcPct val="115000"/>
+              </a:lnSpc>
+              <a:buFont typeface="Arial" panose="020B0604020202020204" pitchFamily="34" charset="0"/>
+              <a:buChar char="•"/>
+            </a:pPr>
+            <a:endParaRPr lang="en-US" sz="2000" dirty="0">
+              <a:solidFill>
+                <a:srgbClr val="0D0D0D"/>
+              </a:solidFill>
+              <a:latin typeface="Epilogue" panose="020B0604020202020204" charset="0"/>
+              <a:ea typeface="Arial" panose="020B0604020202020204" pitchFamily="34" charset="0"/>
+              <a:cs typeface="Arial" panose="020B0604020202020204" pitchFamily="34" charset="0"/>
+            </a:endParaRPr>
+          </a:p>
+          <a:p>
+            <a:pPr marL="342900" indent="-342900" algn="just">
+              <a:lnSpc>
+                <a:spcPct val="115000"/>
+              </a:lnSpc>
+              <a:buFont typeface="Arial" panose="020B0604020202020204" pitchFamily="34" charset="0"/>
+              <a:buChar char="•"/>
+            </a:pPr>
             <a:r>
-              <a:rPr lang="en-US" sz="2800" b="1" dirty="0">
-                <a:solidFill>
-                  <a:srgbClr val="0D0D0D"/>
-                </a:solidFill>
-                <a:latin typeface="Epilogue" panose="020B0604020202020204" charset="0"/>
-                <a:ea typeface="Arial" panose="020B0604020202020204" pitchFamily="34" charset="0"/>
-                <a:cs typeface="Arial" panose="020B0604020202020204" pitchFamily="34" charset="0"/>
-              </a:rPr>
-              <a:t>L</a:t>
-            </a:r>
-            <a:r>
-              <a:rPr lang="en-US" sz="2800" b="1" dirty="0">
+              <a:rPr lang="en-US" sz="2000" dirty="0">
                 <a:solidFill>
                   <a:srgbClr val="0D0D0D"/>
                 </a:solidFill>
@@ -7012,10 +7120,36 @@
                 <a:ea typeface="Arial" panose="020B0604020202020204" pitchFamily="34" charset="0"/>
                 <a:cs typeface="Arial" panose="020B0604020202020204" pitchFamily="34" charset="0"/>
               </a:rPr>
-              <a:t>ink Prediction </a:t>
+              <a:t>The model's main goal is to develop a new algorithm called MaskGAE, designed to mitigate issues associated with data redundancy. We're going to check how effective the model is at rebuilding hidden connections in the graph. </a:t>
             </a:r>
+          </a:p>
+          <a:p>
+            <a:pPr marL="342900" indent="-342900" algn="just">
+              <a:lnSpc>
+                <a:spcPct val="115000"/>
+              </a:lnSpc>
+              <a:buFont typeface="Arial" panose="020B0604020202020204" pitchFamily="34" charset="0"/>
+              <a:buChar char="•"/>
+            </a:pPr>
+            <a:endParaRPr lang="en-US" sz="2000" dirty="0">
+              <a:solidFill>
+                <a:srgbClr val="0D0D0D"/>
+              </a:solidFill>
+              <a:latin typeface="Epilogue" panose="020B0604020202020204" charset="0"/>
+              <a:ea typeface="Arial" panose="020B0604020202020204" pitchFamily="34" charset="0"/>
+              <a:cs typeface="Arial" panose="020B0604020202020204" pitchFamily="34" charset="0"/>
+            </a:endParaRPr>
+          </a:p>
+          <a:p>
+            <a:pPr marL="342900" indent="-342900" algn="just">
+              <a:lnSpc>
+                <a:spcPct val="115000"/>
+              </a:lnSpc>
+              <a:buFont typeface="Arial" panose="020B0604020202020204" pitchFamily="34" charset="0"/>
+              <a:buChar char="•"/>
+            </a:pPr>
             <a:r>
-              <a:rPr lang="en-US" sz="2800" dirty="0">
+              <a:rPr lang="en-US" sz="2000" dirty="0">
                 <a:solidFill>
                   <a:srgbClr val="0D0D0D"/>
                 </a:solidFill>
@@ -7024,67 +7158,9 @@
                 <a:ea typeface="Arial" panose="020B0604020202020204" pitchFamily="34" charset="0"/>
                 <a:cs typeface="Arial" panose="020B0604020202020204" pitchFamily="34" charset="0"/>
               </a:rPr>
-              <a:t>and </a:t>
+              <a:t>We will mask connections and see if the model can find them correctly. This will help us see how well the model understands the graph.</a:t>
             </a:r>
-            <a:r>
-              <a:rPr lang="en-US" sz="2800" b="1" dirty="0">
-                <a:solidFill>
-                  <a:srgbClr val="0D0D0D"/>
-                </a:solidFill>
-                <a:effectLst/>
-                <a:latin typeface="Epilogue" panose="020B0604020202020204" charset="0"/>
-                <a:ea typeface="Arial" panose="020B0604020202020204" pitchFamily="34" charset="0"/>
-                <a:cs typeface="Arial" panose="020B0604020202020204" pitchFamily="34" charset="0"/>
-              </a:rPr>
-              <a:t>Node Classification</a:t>
-            </a:r>
-            <a:r>
-              <a:rPr lang="en-US" sz="2800" dirty="0">
-                <a:solidFill>
-                  <a:srgbClr val="0D0D0D"/>
-                </a:solidFill>
-                <a:effectLst/>
-                <a:latin typeface="Epilogue" panose="020B0604020202020204" charset="0"/>
-                <a:ea typeface="Arial" panose="020B0604020202020204" pitchFamily="34" charset="0"/>
-                <a:cs typeface="Arial" panose="020B0604020202020204" pitchFamily="34" charset="0"/>
-              </a:rPr>
-              <a:t>. </a:t>
-            </a:r>
-          </a:p>
-          <a:p>
-            <a:pPr algn="just">
-              <a:lnSpc>
-                <a:spcPct val="115000"/>
-              </a:lnSpc>
-            </a:pPr>
-            <a:endParaRPr lang="en-US" sz="2800" dirty="0">
-              <a:solidFill>
-                <a:srgbClr val="0D0D0D"/>
-              </a:solidFill>
-              <a:latin typeface="Epilogue" panose="020B0604020202020204" charset="0"/>
-              <a:ea typeface="Arial" panose="020B0604020202020204" pitchFamily="34" charset="0"/>
-              <a:cs typeface="Arial" panose="020B0604020202020204" pitchFamily="34" charset="0"/>
-            </a:endParaRPr>
-          </a:p>
-          <a:p>
-            <a:pPr algn="just">
-              <a:lnSpc>
-                <a:spcPct val="115000"/>
-              </a:lnSpc>
-            </a:pPr>
-            <a:r>
-              <a:rPr lang="en-US" sz="2800" dirty="0">
-                <a:solidFill>
-                  <a:srgbClr val="0D0D0D"/>
-                </a:solidFill>
-                <a:effectLst/>
-                <a:latin typeface="Epilogue" panose="020B0604020202020204" charset="0"/>
-                <a:ea typeface="Arial" panose="020B0604020202020204" pitchFamily="34" charset="0"/>
-                <a:cs typeface="Arial" panose="020B0604020202020204" pitchFamily="34" charset="0"/>
-              </a:rPr>
-              <a:t>Each task will have specific setups for sampling, training, and evaluation metrics.</a:t>
-            </a:r>
-            <a:endParaRPr lang="en-US" sz="2800" dirty="0">
+            <a:endParaRPr lang="en-US" sz="2000" dirty="0">
               <a:effectLst/>
               <a:latin typeface="Epilogue" panose="020B0604020202020204" charset="0"/>
               <a:ea typeface="Arial" panose="020B0604020202020204" pitchFamily="34" charset="0"/>
@@ -7169,7 +7245,7 @@
                 <a:latin typeface="Epilogue" panose="020B0604020202020204" charset="0"/>
                 <a:ea typeface="Dotum" panose="020B0600000101010101" pitchFamily="34" charset="-127"/>
               </a:rPr>
-              <a:t>Evaluation Plan</a:t>
+              <a:t>Expected Achievements</a:t>
             </a:r>
           </a:p>
         </p:txBody>
@@ -7213,7 +7289,7 @@
     </p:spTree>
     <p:extLst>
       <p:ext uri="{BB962C8B-B14F-4D97-AF65-F5344CB8AC3E}">
-        <p14:creationId xmlns:p14="http://schemas.microsoft.com/office/powerpoint/2010/main" val="1738902648"/>
+        <p14:creationId xmlns:p14="http://schemas.microsoft.com/office/powerpoint/2010/main" val="1273564397"/>
       </p:ext>
     </p:extLst>
   </p:cSld>
@@ -7400,185 +7476,267 @@
                 <a:latin typeface="Epilogue" panose="020B0604020202020204" charset="0"/>
                 <a:ea typeface="Dotum" panose="020B0600000101010101" pitchFamily="34" charset="-127"/>
               </a:rPr>
-              <a:t>Evaluation Plan – Link Prediction</a:t>
+              <a:t>Evaluation Plan – Two Tasks</a:t>
             </a:r>
           </a:p>
         </p:txBody>
       </p:sp>
-      <p:sp>
-        <p:nvSpPr>
-          <p:cNvPr id="4" name="מלבן: פינות מעוגלות 3">
+      <p:pic>
+        <p:nvPicPr>
+          <p:cNvPr id="5" name="גרפיקה 4" descr="רשת עם עיגולים קטנים">
             <a:extLst>
               <a:ext uri="{FF2B5EF4-FFF2-40B4-BE49-F238E27FC236}">
-                <a16:creationId xmlns:a16="http://schemas.microsoft.com/office/drawing/2014/main" id="{BEFF979B-C416-C0A1-20DA-B611325784F8}"/>
+                <a16:creationId xmlns:a16="http://schemas.microsoft.com/office/drawing/2014/main" id="{A0A529A4-162F-A083-49A1-3F0890F60D54}"/>
               </a:ext>
             </a:extLst>
           </p:cNvPr>
-          <p:cNvSpPr/>
-          <p:nvPr/>
-        </p:nvSpPr>
-        <p:spPr>
-          <a:xfrm>
-            <a:off x="628651" y="1409335"/>
-            <a:ext cx="13098780" cy="3574145"/>
-          </a:xfrm>
-          <a:prstGeom prst="roundRect">
-            <a:avLst/>
-          </a:prstGeom>
-          <a:ln/>
-        </p:spPr>
-        <p:style>
-          <a:lnRef idx="0">
-            <a:schemeClr val="accent5"/>
-          </a:lnRef>
-          <a:fillRef idx="3">
-            <a:schemeClr val="accent5"/>
-          </a:fillRef>
-          <a:effectRef idx="3">
-            <a:schemeClr val="accent5"/>
-          </a:effectRef>
-          <a:fontRef idx="minor">
-            <a:schemeClr val="lt1"/>
-          </a:fontRef>
-        </p:style>
-        <p:txBody>
-          <a:bodyPr rtlCol="1" anchor="ctr"/>
-          <a:lstStyle/>
-          <a:p>
-            <a:r>
-              <a:rPr lang="en-US" sz="2000" b="1" u="sng" dirty="0"/>
-              <a:t>Setup and Sampling:</a:t>
-            </a:r>
-            <a:r>
-              <a:rPr lang="en-US" sz="2000" dirty="0"/>
-              <a:t> We will prepare the data for the link prediction task, by sampling 10% of existing edges from each dataset to serve as positive examples. An equal number of non-existent edges (unconnected node pairs) will also be sampled to serve as negative examples, ensuring a balanced dataset for testing.</a:t>
-            </a:r>
-          </a:p>
-          <a:p>
-            <a:endParaRPr lang="en-US" sz="2000" dirty="0"/>
-          </a:p>
-          <a:p>
-            <a:r>
-              <a:rPr lang="en-US" sz="2000" b="1" u="sng" dirty="0"/>
-              <a:t>Model Training:</a:t>
-            </a:r>
-            <a:r>
-              <a:rPr lang="en-US" sz="2000" dirty="0"/>
-              <a:t> The model will be trained through iterations over mini-batches of these masked edges, where the primary objective is to predict whether a link (edge) should exist between pairs of nodes. The training will use cross-entropy loss to evaluate the accuracy of the edge predictions.</a:t>
-            </a:r>
-          </a:p>
-          <a:p>
-            <a:endParaRPr lang="en-US" sz="2000" dirty="0"/>
-          </a:p>
-          <a:p>
-            <a:r>
-              <a:rPr lang="en-US" sz="2000" b="1" u="sng" dirty="0"/>
-              <a:t>Optimization:</a:t>
-            </a:r>
-            <a:r>
-              <a:rPr lang="en-US" sz="2000" dirty="0"/>
-              <a:t> Gradient-based optimization algorithms, such as Stochastic Gradient Descent (SGD) or Adam, will be used to adjust the model parameters. This process continues iteratively until convergence. </a:t>
-            </a:r>
-          </a:p>
-        </p:txBody>
-      </p:sp>
-      <p:sp>
-        <p:nvSpPr>
-          <p:cNvPr id="6" name="מלבן: פינות מעוגלות 5">
+          <p:cNvPicPr>
+            <a:picLocks noChangeAspect="1"/>
+          </p:cNvPicPr>
+          <p:nvPr/>
+        </p:nvPicPr>
+        <p:blipFill>
+          <a:blip r:embed="rId5">
+            <a:extLst>
+              <a:ext uri="{96DAC541-7B7A-43D3-8B79-37D633B846F1}">
+                <asvg:svgBlip xmlns:asvg="http://schemas.microsoft.com/office/drawing/2016/SVG/main" r:embed="rId6"/>
+              </a:ext>
+            </a:extLst>
+          </a:blip>
+          <a:stretch>
+            <a:fillRect/>
+          </a:stretch>
+        </p:blipFill>
+        <p:spPr>
+          <a:xfrm>
+            <a:off x="22860" y="4114800"/>
+            <a:ext cx="4114800" cy="4114800"/>
+          </a:xfrm>
+          <a:prstGeom prst="rect">
+            <a:avLst/>
+          </a:prstGeom>
+        </p:spPr>
+      </p:pic>
+      <p:grpSp>
+        <p:nvGrpSpPr>
+          <p:cNvPr id="7" name="קבוצה 6">
             <a:extLst>
               <a:ext uri="{FF2B5EF4-FFF2-40B4-BE49-F238E27FC236}">
-                <a16:creationId xmlns:a16="http://schemas.microsoft.com/office/drawing/2014/main" id="{B8B784D4-2071-52F4-8B5B-3C99159E0DAF}"/>
+                <a16:creationId xmlns:a16="http://schemas.microsoft.com/office/drawing/2014/main" id="{D35A34AF-5768-59BF-EC2C-EF72C4F08C3A}"/>
               </a:ext>
             </a:extLst>
           </p:cNvPr>
-          <p:cNvSpPr/>
-          <p:nvPr/>
-        </p:nvSpPr>
-        <p:spPr>
-          <a:xfrm>
-            <a:off x="628651" y="5154931"/>
-            <a:ext cx="13098780" cy="880110"/>
-          </a:xfrm>
-          <a:prstGeom prst="roundRect">
-            <a:avLst/>
-          </a:prstGeom>
-          <a:gradFill flip="none" rotWithShape="1">
-            <a:gsLst>
-              <a:gs pos="0">
-                <a:schemeClr val="accent1">
-                  <a:lumMod val="67000"/>
-                </a:schemeClr>
-              </a:gs>
-              <a:gs pos="48000">
-                <a:schemeClr val="accent1">
-                  <a:lumMod val="97000"/>
-                  <a:lumOff val="3000"/>
-                </a:schemeClr>
-              </a:gs>
-              <a:gs pos="100000">
-                <a:schemeClr val="accent1">
-                  <a:lumMod val="60000"/>
-                  <a:lumOff val="40000"/>
-                </a:schemeClr>
-              </a:gs>
-            </a:gsLst>
-            <a:lin ang="16200000" scaled="1"/>
-            <a:tileRect/>
-          </a:gradFill>
-          <a:ln>
-            <a:noFill/>
-          </a:ln>
-        </p:spPr>
-        <p:style>
-          <a:lnRef idx="0">
-            <a:scrgbClr r="0" g="0" b="0"/>
-          </a:lnRef>
-          <a:fillRef idx="0">
-            <a:scrgbClr r="0" g="0" b="0"/>
-          </a:fillRef>
-          <a:effectRef idx="0">
-            <a:scrgbClr r="0" g="0" b="0"/>
-          </a:effectRef>
-          <a:fontRef idx="minor">
-            <a:schemeClr val="lt1"/>
-          </a:fontRef>
-        </p:style>
-        <p:txBody>
-          <a:bodyPr rtlCol="1" anchor="ctr"/>
-          <a:lstStyle/>
-          <a:p>
-            <a:r>
-              <a:rPr lang="en-US" sz="2000" b="1" u="sng" dirty="0"/>
-              <a:t>Evaluation Metrics:</a:t>
-            </a:r>
-            <a:r>
-              <a:rPr lang="en-US" sz="2000" dirty="0"/>
-              <a:t> Our metrics for evaluation regarding this task are </a:t>
-            </a:r>
-            <a:r>
-              <a:rPr lang="en-US" sz="2000" b="1" dirty="0"/>
-              <a:t>ROC AUC Score</a:t>
-            </a:r>
-            <a:r>
-              <a:rPr lang="en-US" sz="2000" dirty="0"/>
-              <a:t> and </a:t>
-            </a:r>
-            <a:r>
-              <a:rPr lang="en-US" sz="2000" b="1" dirty="0"/>
-              <a:t>Average Precision Score</a:t>
-            </a:r>
-            <a:r>
-              <a:rPr lang="en-US" sz="2000" dirty="0"/>
-              <a:t>.</a:t>
-            </a:r>
-            <a:endParaRPr lang="en-US" sz="2000" b="1" dirty="0"/>
-          </a:p>
-        </p:txBody>
-      </p:sp>
+          <p:cNvGrpSpPr/>
+          <p:nvPr/>
+        </p:nvGrpSpPr>
+        <p:grpSpPr>
+          <a:xfrm>
+            <a:off x="3053821" y="2821546"/>
+            <a:ext cx="8522759" cy="1360448"/>
+            <a:chOff x="3114744" y="2821546"/>
+            <a:chExt cx="8118087" cy="1360448"/>
+          </a:xfrm>
+        </p:grpSpPr>
+        <p:sp>
+          <p:nvSpPr>
+            <p:cNvPr id="4" name="מלבן: פינות מעוגלות 3">
+              <a:extLst>
+                <a:ext uri="{FF2B5EF4-FFF2-40B4-BE49-F238E27FC236}">
+                  <a16:creationId xmlns:a16="http://schemas.microsoft.com/office/drawing/2014/main" id="{D58C0E1F-0B3B-4EA8-B033-1460C9E92D0A}"/>
+                </a:ext>
+              </a:extLst>
+            </p:cNvPr>
+            <p:cNvSpPr/>
+            <p:nvPr/>
+          </p:nvSpPr>
+          <p:spPr>
+            <a:xfrm>
+              <a:off x="3114744" y="2821546"/>
+              <a:ext cx="3044283" cy="1360448"/>
+            </a:xfrm>
+            <a:prstGeom prst="roundRect">
+              <a:avLst/>
+            </a:prstGeom>
+          </p:spPr>
+          <p:style>
+            <a:lnRef idx="1">
+              <a:schemeClr val="accent5"/>
+            </a:lnRef>
+            <a:fillRef idx="2">
+              <a:schemeClr val="accent5"/>
+            </a:fillRef>
+            <a:effectRef idx="1">
+              <a:schemeClr val="accent5"/>
+            </a:effectRef>
+            <a:fontRef idx="minor">
+              <a:schemeClr val="dk1"/>
+            </a:fontRef>
+          </p:style>
+          <p:txBody>
+            <a:bodyPr rtlCol="1" anchor="ctr"/>
+            <a:lstStyle/>
+            <a:p>
+              <a:pPr algn="ctr"/>
+              <a:r>
+                <a:rPr lang="en-US" sz="2800" b="1" dirty="0">
+                  <a:solidFill>
+                    <a:srgbClr val="0D0D0D"/>
+                  </a:solidFill>
+                  <a:latin typeface="Epilogue" panose="020B0604020202020204" charset="0"/>
+                  <a:ea typeface="Arial" panose="020B0604020202020204" pitchFamily="34" charset="0"/>
+                  <a:cs typeface="Arial" panose="020B0604020202020204" pitchFamily="34" charset="0"/>
+                </a:rPr>
+                <a:t>L</a:t>
+              </a:r>
+              <a:r>
+                <a:rPr lang="en-US" sz="2800" b="1" dirty="0">
+                  <a:solidFill>
+                    <a:srgbClr val="0D0D0D"/>
+                  </a:solidFill>
+                  <a:effectLst/>
+                  <a:latin typeface="Epilogue" panose="020B0604020202020204" charset="0"/>
+                  <a:ea typeface="Arial" panose="020B0604020202020204" pitchFamily="34" charset="0"/>
+                  <a:cs typeface="Arial" panose="020B0604020202020204" pitchFamily="34" charset="0"/>
+                </a:rPr>
+                <a:t>ink Prediction</a:t>
+              </a:r>
+              <a:endParaRPr lang="he-IL" sz="2800" dirty="0"/>
+            </a:p>
+          </p:txBody>
+        </p:sp>
+        <p:sp>
+          <p:nvSpPr>
+            <p:cNvPr id="6" name="מלבן: פינות מעוגלות 5">
+              <a:extLst>
+                <a:ext uri="{FF2B5EF4-FFF2-40B4-BE49-F238E27FC236}">
+                  <a16:creationId xmlns:a16="http://schemas.microsoft.com/office/drawing/2014/main" id="{D2419DEC-1936-6DB4-B788-4E36A89DECAD}"/>
+                </a:ext>
+              </a:extLst>
+            </p:cNvPr>
+            <p:cNvSpPr/>
+            <p:nvPr/>
+          </p:nvSpPr>
+          <p:spPr>
+            <a:xfrm>
+              <a:off x="8188548" y="2821546"/>
+              <a:ext cx="3044283" cy="1360448"/>
+            </a:xfrm>
+            <a:prstGeom prst="roundRect">
+              <a:avLst/>
+            </a:prstGeom>
+          </p:spPr>
+          <p:style>
+            <a:lnRef idx="1">
+              <a:schemeClr val="accent5"/>
+            </a:lnRef>
+            <a:fillRef idx="2">
+              <a:schemeClr val="accent5"/>
+            </a:fillRef>
+            <a:effectRef idx="1">
+              <a:schemeClr val="accent5"/>
+            </a:effectRef>
+            <a:fontRef idx="minor">
+              <a:schemeClr val="dk1"/>
+            </a:fontRef>
+          </p:style>
+          <p:txBody>
+            <a:bodyPr rtlCol="1" anchor="ctr"/>
+            <a:lstStyle/>
+            <a:p>
+              <a:pPr algn="ctr"/>
+              <a:r>
+                <a:rPr lang="en-US" sz="2800" b="1" dirty="0">
+                  <a:solidFill>
+                    <a:srgbClr val="0D0D0D"/>
+                  </a:solidFill>
+                  <a:effectLst/>
+                  <a:latin typeface="Epilogue" panose="020B0604020202020204" charset="0"/>
+                  <a:ea typeface="Arial" panose="020B0604020202020204" pitchFamily="34" charset="0"/>
+                  <a:cs typeface="Arial" panose="020B0604020202020204" pitchFamily="34" charset="0"/>
+                </a:rPr>
+                <a:t>Node Classification</a:t>
+              </a:r>
+              <a:endParaRPr lang="he-IL" sz="2800" dirty="0"/>
+            </a:p>
+          </p:txBody>
+        </p:sp>
+      </p:grpSp>
+      <p:pic>
+        <p:nvPicPr>
+          <p:cNvPr id="10" name="גרפיקה 9" descr="משתמשים עם מילוי מלא">
+            <a:extLst>
+              <a:ext uri="{FF2B5EF4-FFF2-40B4-BE49-F238E27FC236}">
+                <a16:creationId xmlns:a16="http://schemas.microsoft.com/office/drawing/2014/main" id="{727C2BC5-CAC4-8D74-7EC7-02A4573A230C}"/>
+              </a:ext>
+            </a:extLst>
+          </p:cNvPr>
+          <p:cNvPicPr>
+            <a:picLocks noChangeAspect="1"/>
+          </p:cNvPicPr>
+          <p:nvPr/>
+        </p:nvPicPr>
+        <p:blipFill>
+          <a:blip r:embed="rId7">
+            <a:extLst>
+              <a:ext uri="{96DAC541-7B7A-43D3-8B79-37D633B846F1}">
+                <asvg:svgBlip xmlns:asvg="http://schemas.microsoft.com/office/drawing/2016/SVG/main" r:embed="rId8"/>
+              </a:ext>
+            </a:extLst>
+          </a:blip>
+          <a:stretch>
+            <a:fillRect/>
+          </a:stretch>
+        </p:blipFill>
+        <p:spPr>
+          <a:xfrm>
+            <a:off x="9370029" y="4312803"/>
+            <a:ext cx="1217066" cy="1217066"/>
+          </a:xfrm>
+          <a:prstGeom prst="rect">
+            <a:avLst/>
+          </a:prstGeom>
+        </p:spPr>
+      </p:pic>
+      <p:pic>
+        <p:nvPicPr>
+          <p:cNvPr id="12" name="גרפיקה 11" descr="קשר בחבל עם מילוי מלא">
+            <a:extLst>
+              <a:ext uri="{FF2B5EF4-FFF2-40B4-BE49-F238E27FC236}">
+                <a16:creationId xmlns:a16="http://schemas.microsoft.com/office/drawing/2014/main" id="{037F5B81-B2CA-CD75-5019-36F1E3DC0BB0}"/>
+              </a:ext>
+            </a:extLst>
+          </p:cNvPr>
+          <p:cNvPicPr>
+            <a:picLocks noChangeAspect="1"/>
+          </p:cNvPicPr>
+          <p:nvPr/>
+        </p:nvPicPr>
+        <p:blipFill>
+          <a:blip r:embed="rId9">
+            <a:extLst>
+              <a:ext uri="{96DAC541-7B7A-43D3-8B79-37D633B846F1}">
+                <asvg:svgBlip xmlns:asvg="http://schemas.microsoft.com/office/drawing/2016/SVG/main" r:embed="rId10"/>
+              </a:ext>
+            </a:extLst>
+          </a:blip>
+          <a:stretch>
+            <a:fillRect/>
+          </a:stretch>
+        </p:blipFill>
+        <p:spPr>
+          <a:xfrm>
+            <a:off x="4043305" y="4312803"/>
+            <a:ext cx="1217066" cy="1217066"/>
+          </a:xfrm>
+          <a:prstGeom prst="rect">
+            <a:avLst/>
+          </a:prstGeom>
+        </p:spPr>
+      </p:pic>
     </p:spTree>
     <p:extLst>
       <p:ext uri="{BB962C8B-B14F-4D97-AF65-F5344CB8AC3E}">
-        <p14:creationId xmlns:p14="http://schemas.microsoft.com/office/powerpoint/2010/main" val="2240836099"/>
+        <p14:creationId xmlns:p14="http://schemas.microsoft.com/office/powerpoint/2010/main" val="1738902648"/>
       </p:ext>
     </p:extLst>
   </p:cSld>
@@ -7765,7 +7923,7 @@
                 <a:latin typeface="Epilogue" panose="020B0604020202020204" charset="0"/>
                 <a:ea typeface="Dotum" panose="020B0600000101010101" pitchFamily="34" charset="-127"/>
               </a:rPr>
-              <a:t>Evaluation Plan – Node Classification</a:t>
+              <a:t>Evaluation Plan – Link Prediction</a:t>
             </a:r>
           </a:p>
         </p:txBody>
@@ -7785,7 +7943,7 @@
         <p:spPr>
           <a:xfrm>
             <a:off x="628651" y="1409335"/>
-            <a:ext cx="13098780" cy="4294235"/>
+            <a:ext cx="13098780" cy="3574145"/>
           </a:xfrm>
           <a:prstGeom prst="roundRect">
             <a:avLst/>
@@ -7810,49 +7968,91 @@
           <a:bodyPr rtlCol="1" anchor="ctr"/>
           <a:lstStyle/>
           <a:p>
-            <a:r>
-              <a:rPr lang="en-US" sz="2000" b="1" u="sng" dirty="0"/>
-              <a:t>Setup and Training:</a:t>
-            </a:r>
+            <a:pPr>
+              <a:buFont typeface="Arial" panose="020B0604020202020204" pitchFamily="34" charset="0"/>
+              <a:buChar char="•"/>
+            </a:pPr>
             <a:r>
               <a:rPr lang="en-US" sz="2000" dirty="0"/>
-              <a:t> We start by training the model with a graph. We set specific tasks for the model (pretext tasks) that guide it to focus on learning which features of nodes are important. These tasks are not the main goal but help the model get better at the main task of classifying nodes.</a:t>
+              <a:t> Dataset split of 85%/5%/10% of edges for training/validation/testing.</a:t>
             </a:r>
           </a:p>
           <a:p>
+            <a:pPr>
+              <a:buFont typeface="Arial" panose="020B0604020202020204" pitchFamily="34" charset="0"/>
+              <a:buChar char="•"/>
+            </a:pPr>
             <a:endParaRPr lang="en-US" sz="2000" dirty="0"/>
           </a:p>
           <a:p>
-            <a:r>
-              <a:rPr lang="en-US" sz="2000" b="1" u="sng" dirty="0"/>
-              <a:t>Feature Combination:</a:t>
-            </a:r>
+            <a:pPr>
+              <a:buFont typeface="Arial" panose="020B0604020202020204" pitchFamily="34" charset="0"/>
+              <a:buChar char="•"/>
+            </a:pPr>
             <a:r>
               <a:rPr lang="en-US" sz="2000" dirty="0"/>
-              <a:t> After the initial training, the model produces outputs at different stages of the process. We take these outputs and combine them all together to create a full representation of each node. This combined information is more detailed because it includes conclusions from various levels of the model’s processing.</a:t>
+              <a:t> Creating testing data of 10% testing is for existing edges and an equal number of nonexistent edges .</a:t>
             </a:r>
           </a:p>
           <a:p>
+            <a:pPr>
+              <a:buFont typeface="Arial" panose="020B0604020202020204" pitchFamily="34" charset="0"/>
+              <a:buChar char="•"/>
+            </a:pPr>
             <a:endParaRPr lang="en-US" sz="2000" dirty="0"/>
           </a:p>
           <a:p>
-            <a:r>
-              <a:rPr lang="en-US" sz="2000" b="1" u="sng" dirty="0"/>
-              <a:t>Model Evaluation:</a:t>
-            </a:r>
+            <a:pPr>
+              <a:buFont typeface="Arial" panose="020B0604020202020204" pitchFamily="34" charset="0"/>
+              <a:buChar char="•"/>
+            </a:pPr>
             <a:r>
               <a:rPr lang="en-US" sz="2000" dirty="0"/>
-              <a:t> We use logistic regression model to check how well our node features (that were learned from the model) can predict node classes. We ensure that these features (embeddings) we are testing are not changed anymore by the logistic regression model. This means no changes happens at this point in the main model. This step helps us understand how useful and accurate the learned features are for classifying nodes, without making any more adjustments to how they are learned.</a:t>
+              <a:t> Training with iterations over mini-batches of masked edges.</a:t>
             </a:r>
           </a:p>
+          <a:p>
+            <a:pPr>
+              <a:buFont typeface="Arial" panose="020B0604020202020204" pitchFamily="34" charset="0"/>
+              <a:buChar char="•"/>
+            </a:pPr>
+            <a:endParaRPr lang="en-US" sz="2000" dirty="0"/>
+          </a:p>
+          <a:p>
+            <a:pPr>
+              <a:buFont typeface="Arial" panose="020B0604020202020204" pitchFamily="34" charset="0"/>
+              <a:buChar char="•"/>
+            </a:pPr>
+            <a:r>
+              <a:rPr lang="en-US" sz="2000" dirty="0"/>
+              <a:t> The training will use cross-entropy loss to evaluate the accuracy of the edge predictions.</a:t>
+            </a:r>
+          </a:p>
+          <a:p>
+            <a:pPr>
+              <a:buFont typeface="Arial" panose="020B0604020202020204" pitchFamily="34" charset="0"/>
+              <a:buChar char="•"/>
+            </a:pPr>
+            <a:endParaRPr lang="en-US" sz="2000" dirty="0"/>
+          </a:p>
+          <a:p>
+            <a:pPr>
+              <a:buFont typeface="Arial" panose="020B0604020202020204" pitchFamily="34" charset="0"/>
+              <a:buChar char="•"/>
+            </a:pPr>
+            <a:r>
+              <a:rPr lang="en-US" sz="2000" dirty="0"/>
+              <a:t> The process continues iteratively until convergence. </a:t>
+            </a:r>
+          </a:p>
         </p:txBody>
       </p:sp>
       <p:sp>
         <p:nvSpPr>
-          <p:cNvPr id="8" name="מלבן: פינות מעוגלות 7">
+          <p:cNvPr id="6" name="מלבן: פינות מעוגלות 5">
             <a:extLst>
               <a:ext uri="{FF2B5EF4-FFF2-40B4-BE49-F238E27FC236}">
-                <a16:creationId xmlns:a16="http://schemas.microsoft.com/office/drawing/2014/main" id="{3A2027E4-243A-3EFC-C244-E8E876916213}"/>
+                <a16:creationId xmlns:a16="http://schemas.microsoft.com/office/drawing/2014/main" id="{B8B784D4-2071-52F4-8B5B-3C99159E0DAF}"/>
               </a:ext>
             </a:extLst>
           </p:cNvPr>
@@ -7861,7 +8061,7 @@
         </p:nvSpPr>
         <p:spPr>
           <a:xfrm>
-            <a:off x="628651" y="5922526"/>
+            <a:off x="628651" y="5154931"/>
             <a:ext cx="13098780" cy="880110"/>
           </a:xfrm>
           <a:prstGeom prst="roundRect">
@@ -7922,6 +8122,413 @@
             </a:r>
             <a:r>
               <a:rPr lang="en-US" sz="2000" b="1" dirty="0"/>
+              <a:t>ROC AUC Score</a:t>
+            </a:r>
+            <a:r>
+              <a:rPr lang="en-US" sz="2000" dirty="0"/>
+              <a:t> and </a:t>
+            </a:r>
+            <a:r>
+              <a:rPr lang="en-US" sz="2000" b="1" dirty="0"/>
+              <a:t>Average Precision Score</a:t>
+            </a:r>
+            <a:r>
+              <a:rPr lang="en-US" sz="2000" dirty="0"/>
+              <a:t>.</a:t>
+            </a:r>
+            <a:endParaRPr lang="en-US" sz="2000" b="1" dirty="0"/>
+          </a:p>
+        </p:txBody>
+      </p:sp>
+    </p:spTree>
+    <p:extLst>
+      <p:ext uri="{BB962C8B-B14F-4D97-AF65-F5344CB8AC3E}">
+        <p14:creationId xmlns:p14="http://schemas.microsoft.com/office/powerpoint/2010/main" val="2240836099"/>
+      </p:ext>
+    </p:extLst>
+  </p:cSld>
+  <p:clrMapOvr>
+    <a:masterClrMapping/>
+  </p:clrMapOvr>
+</p:sld>
+</file>
+
+<file path=ppt/slides/slide19.xml><?xml version="1.0" encoding="utf-8"?>
+<p:sld xmlns:a="http://schemas.openxmlformats.org/drawingml/2006/main" xmlns:r="http://schemas.openxmlformats.org/officeDocument/2006/relationships" xmlns:p="http://schemas.openxmlformats.org/presentationml/2006/main">
+  <p:cSld>
+    <p:spTree>
+      <p:nvGrpSpPr>
+        <p:cNvPr id="1" name=""/>
+        <p:cNvGrpSpPr/>
+        <p:nvPr/>
+      </p:nvGrpSpPr>
+      <p:grpSpPr>
+        <a:xfrm>
+          <a:off x="0" y="0"/>
+          <a:ext cx="0" cy="0"/>
+          <a:chOff x="0" y="0"/>
+          <a:chExt cx="0" cy="0"/>
+        </a:xfrm>
+      </p:grpSpPr>
+      <p:pic>
+        <p:nvPicPr>
+          <p:cNvPr id="2" name="Image 0" descr="preencoded.png"/>
+          <p:cNvPicPr>
+            <a:picLocks noChangeAspect="1"/>
+          </p:cNvPicPr>
+          <p:nvPr/>
+        </p:nvPicPr>
+        <p:blipFill>
+          <a:blip r:embed="rId3"/>
+          <a:stretch>
+            <a:fillRect/>
+          </a:stretch>
+        </p:blipFill>
+        <p:spPr>
+          <a:xfrm>
+            <a:off x="0" y="0"/>
+            <a:ext cx="14630400" cy="8229600"/>
+          </a:xfrm>
+          <a:prstGeom prst="rect">
+            <a:avLst/>
+          </a:prstGeom>
+        </p:spPr>
+      </p:pic>
+      <p:sp>
+        <p:nvSpPr>
+          <p:cNvPr id="3" name="Shape 0"/>
+          <p:cNvSpPr/>
+          <p:nvPr/>
+        </p:nvSpPr>
+        <p:spPr>
+          <a:xfrm>
+            <a:off x="0" y="0"/>
+            <a:ext cx="14630400" cy="8229600"/>
+          </a:xfrm>
+          <a:prstGeom prst="rect">
+            <a:avLst/>
+          </a:prstGeom>
+          <a:solidFill>
+            <a:srgbClr val="FFFFFF">
+              <a:alpha val="75000"/>
+            </a:srgbClr>
+          </a:solidFill>
+          <a:ln/>
+        </p:spPr>
+        <p:txBody>
+          <a:bodyPr/>
+          <a:lstStyle/>
+          <a:p>
+            <a:endParaRPr lang="he-IL" dirty="0"/>
+          </a:p>
+        </p:txBody>
+      </p:sp>
+      <p:pic>
+        <p:nvPicPr>
+          <p:cNvPr id="9" name="Picture 1">
+            <a:extLst>
+              <a:ext uri="{FF2B5EF4-FFF2-40B4-BE49-F238E27FC236}">
+                <a16:creationId xmlns:a16="http://schemas.microsoft.com/office/drawing/2014/main" id="{770C7E79-23BA-434E-C985-7E440FCEB2C1}"/>
+              </a:ext>
+            </a:extLst>
+          </p:cNvPr>
+          <p:cNvPicPr>
+            <a:picLocks noChangeAspect="1"/>
+          </p:cNvPicPr>
+          <p:nvPr/>
+        </p:nvPicPr>
+        <p:blipFill>
+          <a:blip r:embed="rId4"/>
+          <a:stretch>
+            <a:fillRect/>
+          </a:stretch>
+        </p:blipFill>
+        <p:spPr>
+          <a:xfrm>
+            <a:off x="10525344" y="7235213"/>
+            <a:ext cx="4105056" cy="994387"/>
+          </a:xfrm>
+          <a:prstGeom prst="rect">
+            <a:avLst/>
+          </a:prstGeom>
+        </p:spPr>
+      </p:pic>
+      <p:sp>
+        <p:nvSpPr>
+          <p:cNvPr id="16" name="Text 8">
+            <a:extLst>
+              <a:ext uri="{FF2B5EF4-FFF2-40B4-BE49-F238E27FC236}">
+                <a16:creationId xmlns:a16="http://schemas.microsoft.com/office/drawing/2014/main" id="{BE22D2A4-303E-3135-C904-6FEFFA640BAE}"/>
+              </a:ext>
+            </a:extLst>
+          </p:cNvPr>
+          <p:cNvSpPr/>
+          <p:nvPr/>
+        </p:nvSpPr>
+        <p:spPr>
+          <a:xfrm>
+            <a:off x="5819061" y="4452104"/>
+            <a:ext cx="4116705" cy="2426970"/>
+          </a:xfrm>
+          <a:prstGeom prst="rect">
+            <a:avLst/>
+          </a:prstGeom>
+          <a:noFill/>
+          <a:ln/>
+        </p:spPr>
+        <p:txBody>
+          <a:bodyPr wrap="square" rtlCol="0" anchor="t"/>
+          <a:lstStyle/>
+          <a:p>
+            <a:pPr marL="0" indent="0">
+              <a:lnSpc>
+                <a:spcPts val="2731"/>
+              </a:lnSpc>
+              <a:buNone/>
+            </a:pPr>
+            <a:endParaRPr lang="en-US" sz="1707" dirty="0">
+              <a:latin typeface="Epilogue" panose="020B0604020202020204" charset="0"/>
+            </a:endParaRPr>
+          </a:p>
+        </p:txBody>
+      </p:sp>
+      <p:sp>
+        <p:nvSpPr>
+          <p:cNvPr id="17" name="Text 2">
+            <a:extLst>
+              <a:ext uri="{FF2B5EF4-FFF2-40B4-BE49-F238E27FC236}">
+                <a16:creationId xmlns:a16="http://schemas.microsoft.com/office/drawing/2014/main" id="{C45A384C-6156-B806-FB42-C207C39EDC49}"/>
+              </a:ext>
+            </a:extLst>
+          </p:cNvPr>
+          <p:cNvSpPr/>
+          <p:nvPr/>
+        </p:nvSpPr>
+        <p:spPr>
+          <a:xfrm>
+            <a:off x="812839" y="883578"/>
+            <a:ext cx="12307260" cy="994387"/>
+          </a:xfrm>
+          <a:prstGeom prst="rect">
+            <a:avLst/>
+          </a:prstGeom>
+          <a:noFill/>
+          <a:ln/>
+        </p:spPr>
+        <p:txBody>
+          <a:bodyPr wrap="square" rtlCol="0" anchor="t"/>
+          <a:lstStyle/>
+          <a:p>
+            <a:pPr marL="0" indent="0" algn="ctr">
+              <a:lnSpc>
+                <a:spcPts val="2731"/>
+              </a:lnSpc>
+              <a:buNone/>
+            </a:pPr>
+            <a:r>
+              <a:rPr lang="en-US" sz="4000" b="1" dirty="0">
+                <a:latin typeface="Epilogue" panose="020B0604020202020204" charset="0"/>
+                <a:ea typeface="Dotum" panose="020B0600000101010101" pitchFamily="34" charset="-127"/>
+              </a:rPr>
+              <a:t>Evaluation Plan – Node Classification</a:t>
+            </a:r>
+          </a:p>
+        </p:txBody>
+      </p:sp>
+      <p:sp>
+        <p:nvSpPr>
+          <p:cNvPr id="4" name="מלבן: פינות מעוגלות 3">
+            <a:extLst>
+              <a:ext uri="{FF2B5EF4-FFF2-40B4-BE49-F238E27FC236}">
+                <a16:creationId xmlns:a16="http://schemas.microsoft.com/office/drawing/2014/main" id="{BEFF979B-C416-C0A1-20DA-B611325784F8}"/>
+              </a:ext>
+            </a:extLst>
+          </p:cNvPr>
+          <p:cNvSpPr/>
+          <p:nvPr/>
+        </p:nvSpPr>
+        <p:spPr>
+          <a:xfrm>
+            <a:off x="628651" y="1409335"/>
+            <a:ext cx="13098780" cy="4294235"/>
+          </a:xfrm>
+          <a:prstGeom prst="roundRect">
+            <a:avLst/>
+          </a:prstGeom>
+          <a:ln/>
+        </p:spPr>
+        <p:style>
+          <a:lnRef idx="0">
+            <a:schemeClr val="accent5"/>
+          </a:lnRef>
+          <a:fillRef idx="3">
+            <a:schemeClr val="accent5"/>
+          </a:fillRef>
+          <a:effectRef idx="3">
+            <a:schemeClr val="accent5"/>
+          </a:effectRef>
+          <a:fontRef idx="minor">
+            <a:schemeClr val="lt1"/>
+          </a:fontRef>
+        </p:style>
+        <p:txBody>
+          <a:bodyPr rtlCol="1" anchor="ctr"/>
+          <a:lstStyle/>
+          <a:p>
+            <a:pPr marL="342900" indent="-342900">
+              <a:buFont typeface="Arial" panose="020B0604020202020204" pitchFamily="34" charset="0"/>
+              <a:buChar char="•"/>
+            </a:pPr>
+            <a:r>
+              <a:rPr lang="en-US" sz="2000" dirty="0"/>
+              <a:t>Dataset split of 1:1:8 for training/validation/testing.</a:t>
+            </a:r>
+          </a:p>
+          <a:p>
+            <a:pPr marL="342900" indent="-342900">
+              <a:buFont typeface="Arial" panose="020B0604020202020204" pitchFamily="34" charset="0"/>
+              <a:buChar char="•"/>
+            </a:pPr>
+            <a:endParaRPr lang="en-US" sz="2000" dirty="0"/>
+          </a:p>
+          <a:p>
+            <a:pPr marL="342900" indent="-342900">
+              <a:buFont typeface="Arial" panose="020B0604020202020204" pitchFamily="34" charset="0"/>
+              <a:buChar char="•"/>
+            </a:pPr>
+            <a:r>
+              <a:rPr lang="en-US" sz="2000" dirty="0"/>
+              <a:t>After training the model produces outputs at different stages of the process and combine them to create a full representation of each node.</a:t>
+            </a:r>
+          </a:p>
+          <a:p>
+            <a:pPr marL="342900" indent="-342900">
+              <a:buFont typeface="Arial" panose="020B0604020202020204" pitchFamily="34" charset="0"/>
+              <a:buChar char="•"/>
+            </a:pPr>
+            <a:endParaRPr lang="en-US" sz="2000" dirty="0"/>
+          </a:p>
+          <a:p>
+            <a:pPr marL="342900" indent="-342900">
+              <a:buFont typeface="Arial" panose="020B0604020202020204" pitchFamily="34" charset="0"/>
+              <a:buChar char="•"/>
+            </a:pPr>
+            <a:r>
+              <a:rPr lang="en-US" sz="2000" dirty="0"/>
+              <a:t>The representation of each node includes conclusions from various levels of the model’s processing.</a:t>
+            </a:r>
+          </a:p>
+          <a:p>
+            <a:pPr marL="342900" indent="-342900">
+              <a:buFont typeface="Arial" panose="020B0604020202020204" pitchFamily="34" charset="0"/>
+              <a:buChar char="•"/>
+            </a:pPr>
+            <a:endParaRPr lang="en-US" sz="2000" dirty="0"/>
+          </a:p>
+          <a:p>
+            <a:pPr marL="342900" indent="-342900">
+              <a:buFont typeface="Arial" panose="020B0604020202020204" pitchFamily="34" charset="0"/>
+              <a:buChar char="•"/>
+            </a:pPr>
+            <a:r>
+              <a:rPr lang="en-US" sz="2000" dirty="0"/>
+              <a:t>Using linear evaluation (training a logistic regression model) on top of the learned node representations.</a:t>
+            </a:r>
+          </a:p>
+          <a:p>
+            <a:pPr marL="342900" indent="-342900">
+              <a:buFont typeface="Arial" panose="020B0604020202020204" pitchFamily="34" charset="0"/>
+              <a:buChar char="•"/>
+            </a:pPr>
+            <a:endParaRPr lang="en-US" sz="2000" dirty="0"/>
+          </a:p>
+          <a:p>
+            <a:pPr marL="342900" indent="-342900">
+              <a:buFont typeface="Arial" panose="020B0604020202020204" pitchFamily="34" charset="0"/>
+              <a:buChar char="•"/>
+            </a:pPr>
+            <a:r>
+              <a:rPr lang="en-US" sz="2000" dirty="0"/>
+              <a:t>The logistic regression ensures that the features (embeddings) are not changed after the training</a:t>
+            </a:r>
+          </a:p>
+        </p:txBody>
+      </p:sp>
+      <p:sp>
+        <p:nvSpPr>
+          <p:cNvPr id="8" name="מלבן: פינות מעוגלות 7">
+            <a:extLst>
+              <a:ext uri="{FF2B5EF4-FFF2-40B4-BE49-F238E27FC236}">
+                <a16:creationId xmlns:a16="http://schemas.microsoft.com/office/drawing/2014/main" id="{3A2027E4-243A-3EFC-C244-E8E876916213}"/>
+              </a:ext>
+            </a:extLst>
+          </p:cNvPr>
+          <p:cNvSpPr/>
+          <p:nvPr/>
+        </p:nvSpPr>
+        <p:spPr>
+          <a:xfrm>
+            <a:off x="628651" y="5922526"/>
+            <a:ext cx="13098780" cy="880110"/>
+          </a:xfrm>
+          <a:prstGeom prst="roundRect">
+            <a:avLst/>
+          </a:prstGeom>
+          <a:gradFill flip="none" rotWithShape="1">
+            <a:gsLst>
+              <a:gs pos="0">
+                <a:schemeClr val="accent1">
+                  <a:lumMod val="67000"/>
+                </a:schemeClr>
+              </a:gs>
+              <a:gs pos="48000">
+                <a:schemeClr val="accent1">
+                  <a:lumMod val="97000"/>
+                  <a:lumOff val="3000"/>
+                </a:schemeClr>
+              </a:gs>
+              <a:gs pos="100000">
+                <a:schemeClr val="accent1">
+                  <a:lumMod val="60000"/>
+                  <a:lumOff val="40000"/>
+                </a:schemeClr>
+              </a:gs>
+            </a:gsLst>
+            <a:lin ang="16200000" scaled="1"/>
+            <a:tileRect/>
+          </a:gradFill>
+          <a:ln>
+            <a:noFill/>
+          </a:ln>
+        </p:spPr>
+        <p:style>
+          <a:lnRef idx="0">
+            <a:scrgbClr r="0" g="0" b="0"/>
+          </a:lnRef>
+          <a:fillRef idx="0">
+            <a:scrgbClr r="0" g="0" b="0"/>
+          </a:fillRef>
+          <a:effectRef idx="0">
+            <a:scrgbClr r="0" g="0" b="0"/>
+          </a:effectRef>
+          <a:fontRef idx="minor">
+            <a:schemeClr val="lt1"/>
+          </a:fontRef>
+        </p:style>
+        <p:txBody>
+          <a:bodyPr rtlCol="1" anchor="ctr"/>
+          <a:lstStyle/>
+          <a:p>
+            <a:r>
+              <a:rPr lang="en-US" sz="2000" b="1" u="sng" dirty="0"/>
+              <a:t>Evaluation Metrics:</a:t>
+            </a:r>
+            <a:r>
+              <a:rPr lang="en-US" sz="2000" dirty="0"/>
+              <a:t> Our metrics for evaluation regarding this task are </a:t>
+            </a:r>
+            <a:r>
+              <a:rPr lang="en-US" sz="2000" b="1" dirty="0"/>
               <a:t>Accuracy </a:t>
             </a:r>
             <a:r>
@@ -7953,7 +8560,439 @@
 </p:sld>
 </file>
 
-<file path=ppt/slides/slide19.xml><?xml version="1.0" encoding="utf-8"?>
+<file path=ppt/slides/slide2.xml><?xml version="1.0" encoding="utf-8"?>
+<p:sld xmlns:a="http://schemas.openxmlformats.org/drawingml/2006/main" xmlns:r="http://schemas.openxmlformats.org/officeDocument/2006/relationships" xmlns:p="http://schemas.openxmlformats.org/presentationml/2006/main">
+  <p:cSld>
+    <p:spTree>
+      <p:nvGrpSpPr>
+        <p:cNvPr id="1" name=""/>
+        <p:cNvGrpSpPr/>
+        <p:nvPr/>
+      </p:nvGrpSpPr>
+      <p:grpSpPr>
+        <a:xfrm>
+          <a:off x="0" y="0"/>
+          <a:ext cx="0" cy="0"/>
+          <a:chOff x="0" y="0"/>
+          <a:chExt cx="0" cy="0"/>
+        </a:xfrm>
+      </p:grpSpPr>
+      <p:pic>
+        <p:nvPicPr>
+          <p:cNvPr id="2" name="Image 0" descr="preencoded.png"/>
+          <p:cNvPicPr>
+            <a:picLocks noChangeAspect="1"/>
+          </p:cNvPicPr>
+          <p:nvPr/>
+        </p:nvPicPr>
+        <p:blipFill>
+          <a:blip r:embed="rId3"/>
+          <a:stretch>
+            <a:fillRect/>
+          </a:stretch>
+        </p:blipFill>
+        <p:spPr>
+          <a:xfrm>
+            <a:off x="0" y="0"/>
+            <a:ext cx="14630400" cy="8229600"/>
+          </a:xfrm>
+          <a:prstGeom prst="rect">
+            <a:avLst/>
+          </a:prstGeom>
+        </p:spPr>
+      </p:pic>
+      <p:sp>
+        <p:nvSpPr>
+          <p:cNvPr id="3" name="Shape 0"/>
+          <p:cNvSpPr/>
+          <p:nvPr/>
+        </p:nvSpPr>
+        <p:spPr>
+          <a:xfrm>
+            <a:off x="0" y="0"/>
+            <a:ext cx="14630400" cy="8229600"/>
+          </a:xfrm>
+          <a:prstGeom prst="rect">
+            <a:avLst/>
+          </a:prstGeom>
+          <a:solidFill>
+            <a:srgbClr val="FFFFFF">
+              <a:alpha val="75000"/>
+            </a:srgbClr>
+          </a:solidFill>
+          <a:ln/>
+        </p:spPr>
+        <p:txBody>
+          <a:bodyPr/>
+          <a:lstStyle/>
+          <a:p>
+            <a:endParaRPr lang="he-IL" dirty="0"/>
+          </a:p>
+        </p:txBody>
+      </p:sp>
+      <p:sp>
+        <p:nvSpPr>
+          <p:cNvPr id="8" name="Text 2">
+            <a:extLst>
+              <a:ext uri="{FF2B5EF4-FFF2-40B4-BE49-F238E27FC236}">
+                <a16:creationId xmlns:a16="http://schemas.microsoft.com/office/drawing/2014/main" id="{50B3F708-39FF-365F-8B50-3435B5EB7BF9}"/>
+              </a:ext>
+            </a:extLst>
+          </p:cNvPr>
+          <p:cNvSpPr/>
+          <p:nvPr/>
+        </p:nvSpPr>
+        <p:spPr>
+          <a:xfrm>
+            <a:off x="812839" y="883578"/>
+            <a:ext cx="12307260" cy="994387"/>
+          </a:xfrm>
+          <a:prstGeom prst="rect">
+            <a:avLst/>
+          </a:prstGeom>
+          <a:noFill/>
+          <a:ln/>
+        </p:spPr>
+        <p:txBody>
+          <a:bodyPr wrap="square" rtlCol="0" anchor="t"/>
+          <a:lstStyle/>
+          <a:p>
+            <a:pPr marL="0" indent="0" algn="ctr">
+              <a:lnSpc>
+                <a:spcPts val="2731"/>
+              </a:lnSpc>
+              <a:buNone/>
+            </a:pPr>
+            <a:r>
+              <a:rPr lang="en-US" sz="4000" b="1" dirty="0">
+                <a:latin typeface="Epilogue" panose="020B0604020202020204" charset="0"/>
+                <a:ea typeface="Dotum" panose="020B0600000101010101" pitchFamily="34" charset="-127"/>
+              </a:rPr>
+              <a:t>Introduction – The Problem</a:t>
+            </a:r>
+          </a:p>
+        </p:txBody>
+      </p:sp>
+      <p:pic>
+        <p:nvPicPr>
+          <p:cNvPr id="9" name="Picture 1">
+            <a:extLst>
+              <a:ext uri="{FF2B5EF4-FFF2-40B4-BE49-F238E27FC236}">
+                <a16:creationId xmlns:a16="http://schemas.microsoft.com/office/drawing/2014/main" id="{770C7E79-23BA-434E-C985-7E440FCEB2C1}"/>
+              </a:ext>
+            </a:extLst>
+          </p:cNvPr>
+          <p:cNvPicPr>
+            <a:picLocks noChangeAspect="1"/>
+          </p:cNvPicPr>
+          <p:nvPr/>
+        </p:nvPicPr>
+        <p:blipFill>
+          <a:blip r:embed="rId4"/>
+          <a:stretch>
+            <a:fillRect/>
+          </a:stretch>
+        </p:blipFill>
+        <p:spPr>
+          <a:xfrm>
+            <a:off x="10525344" y="7235213"/>
+            <a:ext cx="4105056" cy="994387"/>
+          </a:xfrm>
+          <a:prstGeom prst="rect">
+            <a:avLst/>
+          </a:prstGeom>
+        </p:spPr>
+      </p:pic>
+      <p:sp>
+        <p:nvSpPr>
+          <p:cNvPr id="7" name="Text 2">
+            <a:extLst>
+              <a:ext uri="{FF2B5EF4-FFF2-40B4-BE49-F238E27FC236}">
+                <a16:creationId xmlns:a16="http://schemas.microsoft.com/office/drawing/2014/main" id="{0C8943E0-7E2A-19BE-FA61-EF8BDDA5F74A}"/>
+              </a:ext>
+            </a:extLst>
+          </p:cNvPr>
+          <p:cNvSpPr/>
+          <p:nvPr/>
+        </p:nvSpPr>
+        <p:spPr>
+          <a:xfrm>
+            <a:off x="976013" y="3483370"/>
+            <a:ext cx="5755562" cy="3140825"/>
+          </a:xfrm>
+          <a:prstGeom prst="roundRect">
+            <a:avLst/>
+          </a:prstGeom>
+          <a:ln/>
+          <a:effectLst>
+            <a:softEdge rad="0"/>
+          </a:effectLst>
+        </p:spPr>
+        <p:style>
+          <a:lnRef idx="1">
+            <a:schemeClr val="accent5"/>
+          </a:lnRef>
+          <a:fillRef idx="2">
+            <a:schemeClr val="accent5"/>
+          </a:fillRef>
+          <a:effectRef idx="1">
+            <a:schemeClr val="accent5"/>
+          </a:effectRef>
+          <a:fontRef idx="minor">
+            <a:schemeClr val="dk1"/>
+          </a:fontRef>
+        </p:style>
+        <p:txBody>
+          <a:bodyPr wrap="square" rtlCol="0" anchor="t"/>
+          <a:lstStyle/>
+          <a:p>
+            <a:pPr algn="ctr"/>
+            <a:r>
+              <a:rPr lang="en-US" sz="2800" dirty="0">
+                <a:ln w="0"/>
+                <a:solidFill>
+                  <a:schemeClr val="bg1"/>
+                </a:solidFill>
+                <a:effectLst>
+                  <a:outerShdw blurRad="38100" dist="19050" dir="2700000" algn="tl" rotWithShape="0">
+                    <a:schemeClr val="dk1">
+                      <a:alpha val="40000"/>
+                    </a:schemeClr>
+                  </a:outerShdw>
+                </a:effectLst>
+                <a:latin typeface="Epilogue" panose="020B0604020202020204" charset="0"/>
+                <a:ea typeface="Dotum" panose="020B0600000101010101" pitchFamily="34" charset="-127"/>
+              </a:rPr>
+              <a:t>Complicated Process</a:t>
+            </a:r>
+          </a:p>
+          <a:p>
+            <a:endParaRPr lang="en-US" sz="2000" i="0" dirty="0">
+              <a:ln w="0"/>
+              <a:solidFill>
+                <a:schemeClr val="tx1"/>
+              </a:solidFill>
+              <a:effectLst>
+                <a:outerShdw blurRad="38100" dist="19050" dir="2700000" algn="tl" rotWithShape="0">
+                  <a:schemeClr val="dk1">
+                    <a:alpha val="40000"/>
+                  </a:schemeClr>
+                </a:outerShdw>
+              </a:effectLst>
+              <a:latin typeface="Epilogue" panose="020B0604020202020204" charset="0"/>
+              <a:ea typeface="Dotum" panose="020B0600000101010101" pitchFamily="34" charset="-127"/>
+            </a:endParaRPr>
+          </a:p>
+          <a:p>
+            <a:r>
+              <a:rPr lang="en-US" sz="2000" i="0" dirty="0">
+                <a:ln w="0"/>
+                <a:solidFill>
+                  <a:schemeClr val="tx1"/>
+                </a:solidFill>
+                <a:effectLst>
+                  <a:outerShdw blurRad="38100" dist="19050" dir="2700000" algn="tl" rotWithShape="0">
+                    <a:schemeClr val="dk1">
+                      <a:alpha val="40000"/>
+                    </a:schemeClr>
+                  </a:outerShdw>
+                </a:effectLst>
+                <a:latin typeface="Epilogue" panose="020B0604020202020204" charset="0"/>
+                <a:ea typeface="Dotum" panose="020B0600000101010101" pitchFamily="34" charset="-127"/>
+              </a:rPr>
+              <a:t>current approaches of self-supervised learning in graphs largely depend on creating complicated extra steps or setup tasks, and on making many variations of the data to help the learning process.</a:t>
+            </a:r>
+          </a:p>
+        </p:txBody>
+      </p:sp>
+      <p:sp>
+        <p:nvSpPr>
+          <p:cNvPr id="11" name="Text 2">
+            <a:extLst>
+              <a:ext uri="{FF2B5EF4-FFF2-40B4-BE49-F238E27FC236}">
+                <a16:creationId xmlns:a16="http://schemas.microsoft.com/office/drawing/2014/main" id="{6D43BA08-AAAA-A6B4-5ED3-439E42953F52}"/>
+              </a:ext>
+            </a:extLst>
+          </p:cNvPr>
+          <p:cNvSpPr/>
+          <p:nvPr/>
+        </p:nvSpPr>
+        <p:spPr>
+          <a:xfrm>
+            <a:off x="7898825" y="3493094"/>
+            <a:ext cx="5755562" cy="3140825"/>
+          </a:xfrm>
+          <a:prstGeom prst="roundRect">
+            <a:avLst/>
+          </a:prstGeom>
+          <a:ln/>
+          <a:effectLst>
+            <a:softEdge rad="0"/>
+          </a:effectLst>
+        </p:spPr>
+        <p:style>
+          <a:lnRef idx="1">
+            <a:schemeClr val="accent5"/>
+          </a:lnRef>
+          <a:fillRef idx="2">
+            <a:schemeClr val="accent5"/>
+          </a:fillRef>
+          <a:effectRef idx="1">
+            <a:schemeClr val="accent5"/>
+          </a:effectRef>
+          <a:fontRef idx="minor">
+            <a:schemeClr val="dk1"/>
+          </a:fontRef>
+        </p:style>
+        <p:txBody>
+          <a:bodyPr wrap="square" rtlCol="0" anchor="t"/>
+          <a:lstStyle/>
+          <a:p>
+            <a:pPr algn="ctr"/>
+            <a:r>
+              <a:rPr lang="en-US" sz="2800" dirty="0">
+                <a:ln w="0"/>
+                <a:solidFill>
+                  <a:schemeClr val="bg1"/>
+                </a:solidFill>
+                <a:effectLst>
+                  <a:outerShdw blurRad="38100" dist="19050" dir="2700000" algn="tl" rotWithShape="0">
+                    <a:schemeClr val="dk1">
+                      <a:alpha val="40000"/>
+                    </a:schemeClr>
+                  </a:outerShdw>
+                </a:effectLst>
+                <a:latin typeface="Epilogue" panose="020B0604020202020204" charset="0"/>
+                <a:ea typeface="Dotum" panose="020B0600000101010101" pitchFamily="34" charset="-127"/>
+              </a:rPr>
+              <a:t>Poor Performance</a:t>
+            </a:r>
+          </a:p>
+          <a:p>
+            <a:endParaRPr lang="en-US" sz="2000" i="0" dirty="0">
+              <a:ln w="0"/>
+              <a:solidFill>
+                <a:schemeClr val="tx1"/>
+              </a:solidFill>
+              <a:effectLst>
+                <a:outerShdw blurRad="38100" dist="19050" dir="2700000" algn="tl" rotWithShape="0">
+                  <a:schemeClr val="dk1">
+                    <a:alpha val="40000"/>
+                  </a:schemeClr>
+                </a:outerShdw>
+              </a:effectLst>
+              <a:latin typeface="Epilogue" panose="020B0604020202020204" charset="0"/>
+              <a:ea typeface="Dotum" panose="020B0600000101010101" pitchFamily="34" charset="-127"/>
+            </a:endParaRPr>
+          </a:p>
+          <a:p>
+            <a:r>
+              <a:rPr lang="en-US" sz="2000" i="0" dirty="0">
+                <a:ln w="0"/>
+                <a:solidFill>
+                  <a:schemeClr val="tx1"/>
+                </a:solidFill>
+                <a:effectLst>
+                  <a:outerShdw blurRad="38100" dist="19050" dir="2700000" algn="tl" rotWithShape="0">
+                    <a:schemeClr val="dk1">
+                      <a:alpha val="40000"/>
+                    </a:schemeClr>
+                  </a:outerShdw>
+                </a:effectLst>
+                <a:latin typeface="Epilogue" panose="020B0604020202020204" charset="0"/>
+                <a:ea typeface="Dotum" panose="020B0600000101010101" pitchFamily="34" charset="-127"/>
+              </a:rPr>
+              <a:t>The current methods often struggle to capture the structural meaning of graph data, which can lead to non optimal performance and make the data learned from these methods not very useful in different real-world situations.</a:t>
+            </a:r>
+          </a:p>
+        </p:txBody>
+      </p:sp>
+      <p:pic>
+        <p:nvPicPr>
+          <p:cNvPr id="18" name="גרפיקה 17" descr="אגודלים למטה עם מילוי מלא">
+            <a:extLst>
+              <a:ext uri="{FF2B5EF4-FFF2-40B4-BE49-F238E27FC236}">
+                <a16:creationId xmlns:a16="http://schemas.microsoft.com/office/drawing/2014/main" id="{45E16018-4A82-D0C2-1BF8-ED7FDF127772}"/>
+              </a:ext>
+            </a:extLst>
+          </p:cNvPr>
+          <p:cNvPicPr>
+            <a:picLocks noChangeAspect="1"/>
+          </p:cNvPicPr>
+          <p:nvPr/>
+        </p:nvPicPr>
+        <p:blipFill>
+          <a:blip r:embed="rId5">
+            <a:extLst>
+              <a:ext uri="{96DAC541-7B7A-43D3-8B79-37D633B846F1}">
+                <asvg:svgBlip xmlns:asvg="http://schemas.microsoft.com/office/drawing/2016/SVG/main" r:embed="rId6"/>
+              </a:ext>
+            </a:extLst>
+          </a:blip>
+          <a:stretch>
+            <a:fillRect/>
+          </a:stretch>
+        </p:blipFill>
+        <p:spPr>
+          <a:xfrm>
+            <a:off x="10146606" y="2223370"/>
+            <a:ext cx="1260000" cy="1260000"/>
+          </a:xfrm>
+          <a:prstGeom prst="rect">
+            <a:avLst/>
+          </a:prstGeom>
+        </p:spPr>
+      </p:pic>
+      <p:pic>
+        <p:nvPicPr>
+          <p:cNvPr id="20" name="גרפיקה 19" descr="אבוד עם מילוי מלא">
+            <a:extLst>
+              <a:ext uri="{FF2B5EF4-FFF2-40B4-BE49-F238E27FC236}">
+                <a16:creationId xmlns:a16="http://schemas.microsoft.com/office/drawing/2014/main" id="{A11EB3C2-3B9C-D38B-A2D5-DF193943A6B3}"/>
+              </a:ext>
+            </a:extLst>
+          </p:cNvPr>
+          <p:cNvPicPr>
+            <a:picLocks noChangeAspect="1"/>
+          </p:cNvPicPr>
+          <p:nvPr/>
+        </p:nvPicPr>
+        <p:blipFill>
+          <a:blip r:embed="rId7">
+            <a:extLst>
+              <a:ext uri="{96DAC541-7B7A-43D3-8B79-37D633B846F1}">
+                <asvg:svgBlip xmlns:asvg="http://schemas.microsoft.com/office/drawing/2016/SVG/main" r:embed="rId8"/>
+              </a:ext>
+            </a:extLst>
+          </a:blip>
+          <a:stretch>
+            <a:fillRect/>
+          </a:stretch>
+        </p:blipFill>
+        <p:spPr>
+          <a:xfrm>
+            <a:off x="3223794" y="2223370"/>
+            <a:ext cx="1260000" cy="1260000"/>
+          </a:xfrm>
+          <a:prstGeom prst="rect">
+            <a:avLst/>
+          </a:prstGeom>
+        </p:spPr>
+      </p:pic>
+    </p:spTree>
+    <p:extLst>
+      <p:ext uri="{BB962C8B-B14F-4D97-AF65-F5344CB8AC3E}">
+        <p14:creationId xmlns:p14="http://schemas.microsoft.com/office/powerpoint/2010/main" val="3528694446"/>
+      </p:ext>
+    </p:extLst>
+  </p:cSld>
+  <p:clrMapOvr>
+    <a:masterClrMapping/>
+  </p:clrMapOvr>
+</p:sld>
+</file>
+
+<file path=ppt/slides/slide20.xml><?xml version="1.0" encoding="utf-8"?>
 <p:sld xmlns:a="http://schemas.openxmlformats.org/drawingml/2006/main" xmlns:r="http://schemas.openxmlformats.org/officeDocument/2006/relationships" xmlns:p="http://schemas.openxmlformats.org/presentationml/2006/main">
   <p:cSld>
     <p:spTree>
@@ -8204,7 +9243,7 @@
                   <a:latin typeface="Arial" panose="020B0604020202020204" pitchFamily="34" charset="0"/>
                   <a:ea typeface="Arial" panose="020B0604020202020204" pitchFamily="34" charset="0"/>
                 </a:rPr>
-                <a:t>Split dataset into training and testing sets.</a:t>
+                <a:t>Split dataset into training, validation and testing sets.</a:t>
               </a:r>
             </a:p>
             <a:p>
@@ -8538,439 +9577,7 @@
 </p:sld>
 </file>
 
-<file path=ppt/slides/slide2.xml><?xml version="1.0" encoding="utf-8"?>
-<p:sld xmlns:a="http://schemas.openxmlformats.org/drawingml/2006/main" xmlns:r="http://schemas.openxmlformats.org/officeDocument/2006/relationships" xmlns:p="http://schemas.openxmlformats.org/presentationml/2006/main">
-  <p:cSld>
-    <p:spTree>
-      <p:nvGrpSpPr>
-        <p:cNvPr id="1" name=""/>
-        <p:cNvGrpSpPr/>
-        <p:nvPr/>
-      </p:nvGrpSpPr>
-      <p:grpSpPr>
-        <a:xfrm>
-          <a:off x="0" y="0"/>
-          <a:ext cx="0" cy="0"/>
-          <a:chOff x="0" y="0"/>
-          <a:chExt cx="0" cy="0"/>
-        </a:xfrm>
-      </p:grpSpPr>
-      <p:pic>
-        <p:nvPicPr>
-          <p:cNvPr id="2" name="Image 0" descr="preencoded.png"/>
-          <p:cNvPicPr>
-            <a:picLocks noChangeAspect="1"/>
-          </p:cNvPicPr>
-          <p:nvPr/>
-        </p:nvPicPr>
-        <p:blipFill>
-          <a:blip r:embed="rId3"/>
-          <a:stretch>
-            <a:fillRect/>
-          </a:stretch>
-        </p:blipFill>
-        <p:spPr>
-          <a:xfrm>
-            <a:off x="0" y="0"/>
-            <a:ext cx="14630400" cy="8229600"/>
-          </a:xfrm>
-          <a:prstGeom prst="rect">
-            <a:avLst/>
-          </a:prstGeom>
-        </p:spPr>
-      </p:pic>
-      <p:sp>
-        <p:nvSpPr>
-          <p:cNvPr id="3" name="Shape 0"/>
-          <p:cNvSpPr/>
-          <p:nvPr/>
-        </p:nvSpPr>
-        <p:spPr>
-          <a:xfrm>
-            <a:off x="0" y="0"/>
-            <a:ext cx="14630400" cy="8229600"/>
-          </a:xfrm>
-          <a:prstGeom prst="rect">
-            <a:avLst/>
-          </a:prstGeom>
-          <a:solidFill>
-            <a:srgbClr val="FFFFFF">
-              <a:alpha val="75000"/>
-            </a:srgbClr>
-          </a:solidFill>
-          <a:ln/>
-        </p:spPr>
-        <p:txBody>
-          <a:bodyPr/>
-          <a:lstStyle/>
-          <a:p>
-            <a:endParaRPr lang="he-IL" dirty="0"/>
-          </a:p>
-        </p:txBody>
-      </p:sp>
-      <p:sp>
-        <p:nvSpPr>
-          <p:cNvPr id="8" name="Text 2">
-            <a:extLst>
-              <a:ext uri="{FF2B5EF4-FFF2-40B4-BE49-F238E27FC236}">
-                <a16:creationId xmlns:a16="http://schemas.microsoft.com/office/drawing/2014/main" id="{50B3F708-39FF-365F-8B50-3435B5EB7BF9}"/>
-              </a:ext>
-            </a:extLst>
-          </p:cNvPr>
-          <p:cNvSpPr/>
-          <p:nvPr/>
-        </p:nvSpPr>
-        <p:spPr>
-          <a:xfrm>
-            <a:off x="812839" y="883578"/>
-            <a:ext cx="12307260" cy="994387"/>
-          </a:xfrm>
-          <a:prstGeom prst="rect">
-            <a:avLst/>
-          </a:prstGeom>
-          <a:noFill/>
-          <a:ln/>
-        </p:spPr>
-        <p:txBody>
-          <a:bodyPr wrap="square" rtlCol="0" anchor="t"/>
-          <a:lstStyle/>
-          <a:p>
-            <a:pPr marL="0" indent="0" algn="ctr">
-              <a:lnSpc>
-                <a:spcPts val="2731"/>
-              </a:lnSpc>
-              <a:buNone/>
-            </a:pPr>
-            <a:r>
-              <a:rPr lang="en-US" sz="4000" b="1" dirty="0">
-                <a:latin typeface="Epilogue" panose="020B0604020202020204" charset="0"/>
-                <a:ea typeface="Dotum" panose="020B0600000101010101" pitchFamily="34" charset="-127"/>
-              </a:rPr>
-              <a:t>Introduction – The Problem</a:t>
-            </a:r>
-          </a:p>
-        </p:txBody>
-      </p:sp>
-      <p:pic>
-        <p:nvPicPr>
-          <p:cNvPr id="9" name="Picture 1">
-            <a:extLst>
-              <a:ext uri="{FF2B5EF4-FFF2-40B4-BE49-F238E27FC236}">
-                <a16:creationId xmlns:a16="http://schemas.microsoft.com/office/drawing/2014/main" id="{770C7E79-23BA-434E-C985-7E440FCEB2C1}"/>
-              </a:ext>
-            </a:extLst>
-          </p:cNvPr>
-          <p:cNvPicPr>
-            <a:picLocks noChangeAspect="1"/>
-          </p:cNvPicPr>
-          <p:nvPr/>
-        </p:nvPicPr>
-        <p:blipFill>
-          <a:blip r:embed="rId4"/>
-          <a:stretch>
-            <a:fillRect/>
-          </a:stretch>
-        </p:blipFill>
-        <p:spPr>
-          <a:xfrm>
-            <a:off x="10525344" y="7235213"/>
-            <a:ext cx="4105056" cy="994387"/>
-          </a:xfrm>
-          <a:prstGeom prst="rect">
-            <a:avLst/>
-          </a:prstGeom>
-        </p:spPr>
-      </p:pic>
-      <p:sp>
-        <p:nvSpPr>
-          <p:cNvPr id="7" name="Text 2">
-            <a:extLst>
-              <a:ext uri="{FF2B5EF4-FFF2-40B4-BE49-F238E27FC236}">
-                <a16:creationId xmlns:a16="http://schemas.microsoft.com/office/drawing/2014/main" id="{0C8943E0-7E2A-19BE-FA61-EF8BDDA5F74A}"/>
-              </a:ext>
-            </a:extLst>
-          </p:cNvPr>
-          <p:cNvSpPr/>
-          <p:nvPr/>
-        </p:nvSpPr>
-        <p:spPr>
-          <a:xfrm>
-            <a:off x="2286992" y="3755921"/>
-            <a:ext cx="4756663" cy="2595723"/>
-          </a:xfrm>
-          <a:prstGeom prst="roundRect">
-            <a:avLst/>
-          </a:prstGeom>
-          <a:ln/>
-          <a:effectLst>
-            <a:softEdge rad="0"/>
-          </a:effectLst>
-        </p:spPr>
-        <p:style>
-          <a:lnRef idx="1">
-            <a:schemeClr val="accent5"/>
-          </a:lnRef>
-          <a:fillRef idx="2">
-            <a:schemeClr val="accent5"/>
-          </a:fillRef>
-          <a:effectRef idx="1">
-            <a:schemeClr val="accent5"/>
-          </a:effectRef>
-          <a:fontRef idx="minor">
-            <a:schemeClr val="dk1"/>
-          </a:fontRef>
-        </p:style>
-        <p:txBody>
-          <a:bodyPr wrap="square" rtlCol="0" anchor="t"/>
-          <a:lstStyle/>
-          <a:p>
-            <a:pPr algn="ctr"/>
-            <a:r>
-              <a:rPr lang="en-US" sz="2800" dirty="0">
-                <a:ln w="0"/>
-                <a:solidFill>
-                  <a:schemeClr val="bg1"/>
-                </a:solidFill>
-                <a:effectLst>
-                  <a:outerShdw blurRad="38100" dist="19050" dir="2700000" algn="tl" rotWithShape="0">
-                    <a:schemeClr val="dk1">
-                      <a:alpha val="40000"/>
-                    </a:schemeClr>
-                  </a:outerShdw>
-                </a:effectLst>
-                <a:latin typeface="Epilogue" panose="020B0604020202020204" charset="0"/>
-                <a:ea typeface="Dotum" panose="020B0600000101010101" pitchFamily="34" charset="-127"/>
-              </a:rPr>
-              <a:t>Complicated Process</a:t>
-            </a:r>
-          </a:p>
-          <a:p>
-            <a:endParaRPr lang="en-US" sz="1600" i="0" dirty="0">
-              <a:ln w="0"/>
-              <a:solidFill>
-                <a:schemeClr val="tx1"/>
-              </a:solidFill>
-              <a:effectLst>
-                <a:outerShdw blurRad="38100" dist="19050" dir="2700000" algn="tl" rotWithShape="0">
-                  <a:schemeClr val="dk1">
-                    <a:alpha val="40000"/>
-                  </a:schemeClr>
-                </a:outerShdw>
-              </a:effectLst>
-              <a:latin typeface="Epilogue" panose="020B0604020202020204" charset="0"/>
-              <a:ea typeface="Dotum" panose="020B0600000101010101" pitchFamily="34" charset="-127"/>
-            </a:endParaRPr>
-          </a:p>
-          <a:p>
-            <a:r>
-              <a:rPr lang="en-US" sz="1600" i="0" dirty="0">
-                <a:ln w="0"/>
-                <a:solidFill>
-                  <a:schemeClr val="tx1"/>
-                </a:solidFill>
-                <a:effectLst>
-                  <a:outerShdw blurRad="38100" dist="19050" dir="2700000" algn="tl" rotWithShape="0">
-                    <a:schemeClr val="dk1">
-                      <a:alpha val="40000"/>
-                    </a:schemeClr>
-                  </a:outerShdw>
-                </a:effectLst>
-                <a:latin typeface="Epilogue" panose="020B0604020202020204" charset="0"/>
-                <a:ea typeface="Dotum" panose="020B0600000101010101" pitchFamily="34" charset="-127"/>
-              </a:rPr>
-              <a:t>current approaches of self-supervised learning largely depend on creating complicated extra steps or setup tasks, and on making many variations of the data to help the learning process.</a:t>
-            </a:r>
-          </a:p>
-        </p:txBody>
-      </p:sp>
-      <p:sp>
-        <p:nvSpPr>
-          <p:cNvPr id="11" name="Text 2">
-            <a:extLst>
-              <a:ext uri="{FF2B5EF4-FFF2-40B4-BE49-F238E27FC236}">
-                <a16:creationId xmlns:a16="http://schemas.microsoft.com/office/drawing/2014/main" id="{6D43BA08-AAAA-A6B4-5ED3-439E42953F52}"/>
-              </a:ext>
-            </a:extLst>
-          </p:cNvPr>
-          <p:cNvSpPr/>
-          <p:nvPr/>
-        </p:nvSpPr>
-        <p:spPr>
-          <a:xfrm>
-            <a:off x="7586745" y="3765645"/>
-            <a:ext cx="4756663" cy="2595723"/>
-          </a:xfrm>
-          <a:prstGeom prst="roundRect">
-            <a:avLst/>
-          </a:prstGeom>
-          <a:ln/>
-          <a:effectLst>
-            <a:softEdge rad="0"/>
-          </a:effectLst>
-        </p:spPr>
-        <p:style>
-          <a:lnRef idx="1">
-            <a:schemeClr val="accent5"/>
-          </a:lnRef>
-          <a:fillRef idx="2">
-            <a:schemeClr val="accent5"/>
-          </a:fillRef>
-          <a:effectRef idx="1">
-            <a:schemeClr val="accent5"/>
-          </a:effectRef>
-          <a:fontRef idx="minor">
-            <a:schemeClr val="dk1"/>
-          </a:fontRef>
-        </p:style>
-        <p:txBody>
-          <a:bodyPr wrap="square" rtlCol="0" anchor="t"/>
-          <a:lstStyle/>
-          <a:p>
-            <a:pPr algn="ctr"/>
-            <a:r>
-              <a:rPr lang="en-US" sz="2800" dirty="0">
-                <a:ln w="0"/>
-                <a:solidFill>
-                  <a:schemeClr val="bg1"/>
-                </a:solidFill>
-                <a:effectLst>
-                  <a:outerShdw blurRad="38100" dist="19050" dir="2700000" algn="tl" rotWithShape="0">
-                    <a:schemeClr val="dk1">
-                      <a:alpha val="40000"/>
-                    </a:schemeClr>
-                  </a:outerShdw>
-                </a:effectLst>
-                <a:latin typeface="Epilogue" panose="020B0604020202020204" charset="0"/>
-                <a:ea typeface="Dotum" panose="020B0600000101010101" pitchFamily="34" charset="-127"/>
-              </a:rPr>
-              <a:t>Poor Performance</a:t>
-            </a:r>
-          </a:p>
-          <a:p>
-            <a:endParaRPr lang="en-US" sz="1600" i="0" dirty="0">
-              <a:ln w="0"/>
-              <a:solidFill>
-                <a:schemeClr val="tx1"/>
-              </a:solidFill>
-              <a:effectLst>
-                <a:outerShdw blurRad="38100" dist="19050" dir="2700000" algn="tl" rotWithShape="0">
-                  <a:schemeClr val="dk1">
-                    <a:alpha val="40000"/>
-                  </a:schemeClr>
-                </a:outerShdw>
-              </a:effectLst>
-              <a:latin typeface="Epilogue" panose="020B0604020202020204" charset="0"/>
-              <a:ea typeface="Dotum" panose="020B0600000101010101" pitchFamily="34" charset="-127"/>
-            </a:endParaRPr>
-          </a:p>
-          <a:p>
-            <a:r>
-              <a:rPr lang="en-US" sz="1600" i="0" dirty="0">
-                <a:ln w="0"/>
-                <a:solidFill>
-                  <a:schemeClr val="tx1"/>
-                </a:solidFill>
-                <a:effectLst>
-                  <a:outerShdw blurRad="38100" dist="19050" dir="2700000" algn="tl" rotWithShape="0">
-                    <a:schemeClr val="dk1">
-                      <a:alpha val="40000"/>
-                    </a:schemeClr>
-                  </a:outerShdw>
-                </a:effectLst>
-                <a:latin typeface="Epilogue" panose="020B0604020202020204" charset="0"/>
-                <a:ea typeface="Dotum" panose="020B0600000101010101" pitchFamily="34" charset="-127"/>
-              </a:rPr>
-              <a:t>The current methods often struggle to capture the structural meaning of graph data, which can lead to non optimal performance and make the data learned from these methods not very useful in different real-world situations.</a:t>
-            </a:r>
-          </a:p>
-        </p:txBody>
-      </p:sp>
-      <p:pic>
-        <p:nvPicPr>
-          <p:cNvPr id="18" name="גרפיקה 17" descr="אגודלים למטה עם מילוי מלא">
-            <a:extLst>
-              <a:ext uri="{FF2B5EF4-FFF2-40B4-BE49-F238E27FC236}">
-                <a16:creationId xmlns:a16="http://schemas.microsoft.com/office/drawing/2014/main" id="{45E16018-4A82-D0C2-1BF8-ED7FDF127772}"/>
-              </a:ext>
-            </a:extLst>
-          </p:cNvPr>
-          <p:cNvPicPr>
-            <a:picLocks noChangeAspect="1"/>
-          </p:cNvPicPr>
-          <p:nvPr/>
-        </p:nvPicPr>
-        <p:blipFill>
-          <a:blip r:embed="rId5">
-            <a:extLst>
-              <a:ext uri="{96DAC541-7B7A-43D3-8B79-37D633B846F1}">
-                <asvg:svgBlip xmlns:asvg="http://schemas.microsoft.com/office/drawing/2016/SVG/main" r:embed="rId6"/>
-              </a:ext>
-            </a:extLst>
-          </a:blip>
-          <a:stretch>
-            <a:fillRect/>
-          </a:stretch>
-        </p:blipFill>
-        <p:spPr>
-          <a:xfrm>
-            <a:off x="9356546" y="2514982"/>
-            <a:ext cx="1260000" cy="1260000"/>
-          </a:xfrm>
-          <a:prstGeom prst="rect">
-            <a:avLst/>
-          </a:prstGeom>
-        </p:spPr>
-      </p:pic>
-      <p:pic>
-        <p:nvPicPr>
-          <p:cNvPr id="20" name="גרפיקה 19" descr="אבוד עם מילוי מלא">
-            <a:extLst>
-              <a:ext uri="{FF2B5EF4-FFF2-40B4-BE49-F238E27FC236}">
-                <a16:creationId xmlns:a16="http://schemas.microsoft.com/office/drawing/2014/main" id="{A11EB3C2-3B9C-D38B-A2D5-DF193943A6B3}"/>
-              </a:ext>
-            </a:extLst>
-          </p:cNvPr>
-          <p:cNvPicPr>
-            <a:picLocks noChangeAspect="1"/>
-          </p:cNvPicPr>
-          <p:nvPr/>
-        </p:nvPicPr>
-        <p:blipFill>
-          <a:blip r:embed="rId7">
-            <a:extLst>
-              <a:ext uri="{96DAC541-7B7A-43D3-8B79-37D633B846F1}">
-                <asvg:svgBlip xmlns:asvg="http://schemas.microsoft.com/office/drawing/2016/SVG/main" r:embed="rId8"/>
-              </a:ext>
-            </a:extLst>
-          </a:blip>
-          <a:stretch>
-            <a:fillRect/>
-          </a:stretch>
-        </p:blipFill>
-        <p:spPr>
-          <a:xfrm>
-            <a:off x="4035323" y="2514982"/>
-            <a:ext cx="1260000" cy="1260000"/>
-          </a:xfrm>
-          <a:prstGeom prst="rect">
-            <a:avLst/>
-          </a:prstGeom>
-        </p:spPr>
-      </p:pic>
-    </p:spTree>
-    <p:extLst>
-      <p:ext uri="{BB962C8B-B14F-4D97-AF65-F5344CB8AC3E}">
-        <p14:creationId xmlns:p14="http://schemas.microsoft.com/office/powerpoint/2010/main" val="3528694446"/>
-      </p:ext>
-    </p:extLst>
-  </p:cSld>
-  <p:clrMapOvr>
-    <a:masterClrMapping/>
-  </p:clrMapOvr>
-</p:sld>
-</file>
-
-<file path=ppt/slides/slide20.xml><?xml version="1.0" encoding="utf-8"?>
+<file path=ppt/slides/slide21.xml><?xml version="1.0" encoding="utf-8"?>
 <p:sld xmlns:a="http://schemas.openxmlformats.org/drawingml/2006/main" xmlns:r="http://schemas.openxmlformats.org/officeDocument/2006/relationships" xmlns:p="http://schemas.openxmlformats.org/presentationml/2006/main">
   <p:cSld>
     <p:spTree>
@@ -9555,7 +10162,7 @@
 </p:sld>
 </file>
 
-<file path=ppt/slides/slide21.xml><?xml version="1.0" encoding="utf-8"?>
+<file path=ppt/slides/slide22.xml><?xml version="1.0" encoding="utf-8"?>
 <p:sld xmlns:a="http://schemas.openxmlformats.org/drawingml/2006/main" xmlns:r="http://schemas.openxmlformats.org/officeDocument/2006/relationships" xmlns:p="http://schemas.openxmlformats.org/presentationml/2006/main">
   <p:cSld>
     <p:spTree>
@@ -10023,13 +10630,16 @@
         </p:nvSpPr>
         <p:spPr>
           <a:xfrm>
-            <a:off x="2286992" y="3755921"/>
-            <a:ext cx="4756663" cy="2595723"/>
+            <a:off x="976013" y="3483370"/>
+            <a:ext cx="5755562" cy="3140825"/>
           </a:xfrm>
           <a:prstGeom prst="roundRect">
             <a:avLst/>
           </a:prstGeom>
           <a:ln/>
+          <a:effectLst>
+            <a:softEdge rad="0"/>
+          </a:effectLst>
         </p:spPr>
         <p:style>
           <a:lnRef idx="1">
@@ -10070,7 +10680,7 @@
             </a:r>
           </a:p>
           <a:p>
-            <a:endParaRPr lang="en-US" sz="1600" i="0" dirty="0">
+            <a:endParaRPr lang="en-US" sz="2000" i="0" dirty="0">
               <a:ln w="0"/>
               <a:solidFill>
                 <a:schemeClr val="tx1"/>
@@ -10088,7 +10698,7 @@
           </a:p>
           <a:p>
             <a:r>
-              <a:rPr lang="en-US" sz="1600" i="0" dirty="0">
+              <a:rPr lang="en-US" sz="2000" i="0" dirty="0">
                 <a:ln w="0"/>
                 <a:solidFill>
                   <a:schemeClr val="tx1"/>
@@ -10122,13 +10732,16 @@
         </p:nvSpPr>
         <p:spPr>
           <a:xfrm>
-            <a:off x="7586745" y="3765645"/>
-            <a:ext cx="4756663" cy="2595723"/>
+            <a:off x="7898825" y="3493094"/>
+            <a:ext cx="5755562" cy="3140825"/>
           </a:xfrm>
           <a:prstGeom prst="roundRect">
             <a:avLst/>
           </a:prstGeom>
           <a:ln/>
+          <a:effectLst>
+            <a:softEdge rad="0"/>
+          </a:effectLst>
         </p:spPr>
         <p:style>
           <a:lnRef idx="1">
@@ -10169,7 +10782,7 @@
             </a:r>
           </a:p>
           <a:p>
-            <a:endParaRPr lang="en-US" sz="1600" i="0" dirty="0">
+            <a:endParaRPr lang="en-US" sz="2000" i="0" dirty="0">
               <a:ln w="0"/>
               <a:solidFill>
                 <a:schemeClr val="tx1"/>
@@ -10187,7 +10800,7 @@
           </a:p>
           <a:p>
             <a:r>
-              <a:rPr lang="en-US" sz="1600" i="0" dirty="0">
+              <a:rPr lang="en-US" sz="2000" i="0" dirty="0">
                 <a:ln w="0"/>
                 <a:solidFill>
                   <a:schemeClr val="tx1"/>
@@ -10209,10 +10822,10 @@
       </p:sp>
       <p:pic>
         <p:nvPicPr>
-          <p:cNvPr id="5" name="גרפיקה 4" descr="נורת חשמל וגלגל שיניים עם מילוי מלא">
+          <p:cNvPr id="4" name="גרפיקה 3" descr="נורת חשמל וגלגל שיניים עם מילוי מלא">
             <a:extLst>
               <a:ext uri="{FF2B5EF4-FFF2-40B4-BE49-F238E27FC236}">
-                <a16:creationId xmlns:a16="http://schemas.microsoft.com/office/drawing/2014/main" id="{07D1D247-1BFE-47AE-B550-268DE84CCE1F}"/>
+                <a16:creationId xmlns:a16="http://schemas.microsoft.com/office/drawing/2014/main" id="{0E3586CD-B787-32E0-AF26-CE80628FA7BE}"/>
               </a:ext>
             </a:extLst>
           </p:cNvPr>
@@ -10235,7 +10848,7 @@
         </p:blipFill>
         <p:spPr>
           <a:xfrm>
-            <a:off x="4056789" y="2515532"/>
+            <a:off x="3223794" y="2233094"/>
             <a:ext cx="1260000" cy="1260000"/>
           </a:xfrm>
           <a:prstGeom prst="rect">
@@ -10245,10 +10858,10 @@
       </p:pic>
       <p:pic>
         <p:nvPicPr>
-          <p:cNvPr id="6" name="גרפיקה 5" descr="פאזל עם מילוי מלא">
+          <p:cNvPr id="5" name="גרפיקה 4" descr="פאזל עם מילוי מלא">
             <a:extLst>
               <a:ext uri="{FF2B5EF4-FFF2-40B4-BE49-F238E27FC236}">
-                <a16:creationId xmlns:a16="http://schemas.microsoft.com/office/drawing/2014/main" id="{AFA93138-E483-6862-620D-0CEE3144FA42}"/>
+                <a16:creationId xmlns:a16="http://schemas.microsoft.com/office/drawing/2014/main" id="{8DD5B43D-772C-13A1-FF3A-4C16B537435E}"/>
               </a:ext>
             </a:extLst>
           </p:cNvPr>
@@ -10271,7 +10884,7 @@
         </p:blipFill>
         <p:spPr>
           <a:xfrm>
-            <a:off x="9356547" y="2515532"/>
+            <a:off x="10146606" y="2233094"/>
             <a:ext cx="1260000" cy="1260000"/>
           </a:xfrm>
           <a:prstGeom prst="rect">
@@ -10282,7 +10895,7 @@
     </p:spTree>
     <p:extLst>
       <p:ext uri="{BB962C8B-B14F-4D97-AF65-F5344CB8AC3E}">
-        <p14:creationId xmlns:p14="http://schemas.microsoft.com/office/powerpoint/2010/main" val="2357581573"/>
+        <p14:creationId xmlns:p14="http://schemas.microsoft.com/office/powerpoint/2010/main" val="48981491"/>
       </p:ext>
     </p:extLst>
   </p:cSld>
@@ -10449,8 +11062,8 @@
         </p:nvSpPr>
         <p:spPr>
           <a:xfrm>
-            <a:off x="1355096" y="3856655"/>
-            <a:ext cx="5232329" cy="3140825"/>
+            <a:off x="805701" y="3266466"/>
+            <a:ext cx="6331118" cy="3454908"/>
           </a:xfrm>
           <a:prstGeom prst="roundRect">
             <a:avLst/>
@@ -10514,7 +11127,7 @@
           </a:p>
           <a:p>
             <a:r>
-              <a:rPr lang="en-US" sz="1600" i="0" dirty="0">
+              <a:rPr lang="en-US" sz="2000" i="0" dirty="0">
                 <a:ln w="0"/>
                 <a:solidFill>
                   <a:schemeClr val="tx1"/>
@@ -10532,7 +11145,7 @@
               <a:t>MaskGAE </a:t>
             </a:r>
             <a:r>
-              <a:rPr lang="en-US" sz="1600" dirty="0">
+              <a:rPr lang="en-US" sz="2000" dirty="0">
                 <a:ln w="0"/>
                 <a:solidFill>
                   <a:schemeClr val="tx1"/>
@@ -10550,7 +11163,7 @@
               <a:t>is based on </a:t>
             </a:r>
             <a:r>
-              <a:rPr lang="en-US" sz="1600" i="0" dirty="0">
+              <a:rPr lang="en-US" sz="2000" i="0" dirty="0">
                 <a:ln w="0"/>
                 <a:solidFill>
                   <a:schemeClr val="tx1"/>
@@ -10584,8 +11197,8 @@
         </p:nvSpPr>
         <p:spPr>
           <a:xfrm>
-            <a:off x="8042975" y="3856655"/>
-            <a:ext cx="5232329" cy="3140825"/>
+            <a:off x="7493580" y="3266466"/>
+            <a:ext cx="6331118" cy="3454908"/>
           </a:xfrm>
           <a:prstGeom prst="roundRect">
             <a:avLst/>
@@ -10649,7 +11262,7 @@
           </a:p>
           <a:p>
             <a:r>
-              <a:rPr lang="en-US" sz="1600" i="0" dirty="0">
+              <a:rPr lang="en-US" sz="2000" i="0" dirty="0">
                 <a:ln w="0"/>
                 <a:solidFill>
                   <a:schemeClr val="tx1"/>
@@ -10667,7 +11280,7 @@
               <a:t>While effective in many scenarios, traditional GAEs have limitations, particularly their </a:t>
             </a:r>
             <a:r>
-              <a:rPr lang="en-US" sz="1600" b="1" i="0" dirty="0">
+              <a:rPr lang="en-US" sz="2000" b="1" i="0" dirty="0">
                 <a:ln w="0"/>
                 <a:solidFill>
                   <a:schemeClr val="tx1"/>
@@ -10685,7 +11298,7 @@
               <a:t>tendency to over-emphasize immediate node connections </a:t>
             </a:r>
             <a:r>
-              <a:rPr lang="en-US" sz="1600" i="0" dirty="0">
+              <a:rPr lang="en-US" sz="2000" i="0" dirty="0">
                 <a:ln w="0"/>
                 <a:solidFill>
                   <a:schemeClr val="tx1"/>
@@ -10733,7 +11346,7 @@
         </p:blipFill>
         <p:spPr>
           <a:xfrm>
-            <a:off x="9895344" y="2596655"/>
+            <a:off x="9895344" y="2091319"/>
             <a:ext cx="1260000" cy="1260000"/>
           </a:xfrm>
           <a:prstGeom prst="rect">
@@ -10769,7 +11382,7 @@
         </p:blipFill>
         <p:spPr>
           <a:xfrm>
-            <a:off x="3341260" y="2596655"/>
+            <a:off x="3341260" y="2091319"/>
             <a:ext cx="1260000" cy="1260000"/>
           </a:xfrm>
           <a:prstGeom prst="rect">
@@ -10947,8 +11560,8 @@
         </p:nvSpPr>
         <p:spPr>
           <a:xfrm>
-            <a:off x="1355096" y="3856655"/>
-            <a:ext cx="5232329" cy="3140825"/>
+            <a:off x="805701" y="3266466"/>
+            <a:ext cx="6331118" cy="3454908"/>
           </a:xfrm>
           <a:prstGeom prst="roundRect">
             <a:avLst/>
@@ -11012,7 +11625,7 @@
           </a:p>
           <a:p>
             <a:r>
-              <a:rPr lang="en-US" sz="1600" i="0" dirty="0">
+              <a:rPr lang="en-US" sz="2000" i="0" dirty="0">
                 <a:ln w="0"/>
                 <a:solidFill>
                   <a:schemeClr val="tx1"/>
@@ -11030,7 +11643,7 @@
               <a:t>Contrastive Learning is a powerful unsupervised learning technique used to enhance the ability of models to understand and </a:t>
             </a:r>
             <a:r>
-              <a:rPr lang="en-US" sz="1600" dirty="0">
+              <a:rPr lang="en-US" sz="2000" dirty="0">
                 <a:ln w="0"/>
                 <a:solidFill>
                   <a:schemeClr val="tx1"/>
@@ -11048,7 +11661,7 @@
               <a:t>distinguish </a:t>
             </a:r>
             <a:r>
-              <a:rPr lang="en-US" sz="1600" i="0" dirty="0">
+              <a:rPr lang="en-US" sz="2000" i="0" dirty="0">
                 <a:ln w="0"/>
                 <a:solidFill>
                   <a:schemeClr val="tx1"/>
@@ -11065,9 +11678,7 @@
               </a:rPr>
               <a:t>data by comparing contrasting examples.</a:t>
             </a:r>
-          </a:p>
-          <a:p>
-            <a:endParaRPr lang="en-US" sz="1600" dirty="0">
+            <a:endParaRPr lang="en-US" sz="2000" dirty="0">
               <a:ln w="0"/>
               <a:solidFill>
                 <a:schemeClr val="tx1"/>
@@ -11084,8 +11695,25 @@
             </a:endParaRPr>
           </a:p>
           <a:p>
+            <a:endParaRPr lang="en-US" sz="2000" i="0" dirty="0">
+              <a:ln w="0"/>
+              <a:solidFill>
+                <a:schemeClr val="tx1"/>
+              </a:solidFill>
+              <a:effectLst>
+                <a:outerShdw blurRad="38100" dist="19050" dir="2700000" algn="tl" rotWithShape="0">
+                  <a:schemeClr val="dk1">
+                    <a:alpha val="40000"/>
+                  </a:schemeClr>
+                </a:outerShdw>
+              </a:effectLst>
+              <a:latin typeface="Epilogue" panose="020B0604020202020204" charset="0"/>
+              <a:ea typeface="Dotum" panose="020B0600000101010101" pitchFamily="34" charset="-127"/>
+            </a:endParaRPr>
+          </a:p>
+          <a:p>
             <a:r>
-              <a:rPr lang="en-US" sz="1600" i="0" dirty="0">
+              <a:rPr lang="en-US" sz="2000" i="0" dirty="0">
                 <a:ln w="0"/>
                 <a:solidFill>
                   <a:schemeClr val="tx1"/>
@@ -11119,8 +11747,8 @@
         </p:nvSpPr>
         <p:spPr>
           <a:xfrm>
-            <a:off x="8042975" y="3856655"/>
-            <a:ext cx="5232329" cy="3140825"/>
+            <a:off x="7493580" y="3266466"/>
+            <a:ext cx="6331118" cy="3454908"/>
           </a:xfrm>
           <a:prstGeom prst="roundRect">
             <a:avLst/>
@@ -11184,7 +11812,7 @@
           </a:p>
           <a:p>
             <a:r>
-              <a:rPr lang="en-US" sz="1600" i="0" dirty="0">
+              <a:rPr lang="en-US" sz="2000" i="0" dirty="0">
                 <a:ln w="0"/>
                 <a:solidFill>
                   <a:schemeClr val="tx1"/>
@@ -11201,9 +11829,7 @@
               </a:rPr>
               <a:t>In graphs, contrastive learning is adapted to handle networks of nodes and edges. This is done by creating multiple versions of the same graph, each slightly altered or viewed from different perspective. </a:t>
             </a:r>
-          </a:p>
-          <a:p>
-            <a:endParaRPr lang="en-US" sz="1600" dirty="0">
+            <a:endParaRPr lang="en-US" sz="2000" dirty="0">
               <a:ln w="0"/>
               <a:solidFill>
                 <a:schemeClr val="tx1"/>
@@ -11220,8 +11846,25 @@
             </a:endParaRPr>
           </a:p>
           <a:p>
+            <a:endParaRPr lang="en-US" sz="2000" i="0" dirty="0">
+              <a:ln w="0"/>
+              <a:solidFill>
+                <a:schemeClr val="tx1"/>
+              </a:solidFill>
+              <a:effectLst>
+                <a:outerShdw blurRad="38100" dist="19050" dir="2700000" algn="tl" rotWithShape="0">
+                  <a:schemeClr val="dk1">
+                    <a:alpha val="40000"/>
+                  </a:schemeClr>
+                </a:outerShdw>
+              </a:effectLst>
+              <a:latin typeface="Epilogue" panose="020B0604020202020204" charset="0"/>
+              <a:ea typeface="Dotum" panose="020B0600000101010101" pitchFamily="34" charset="-127"/>
+            </a:endParaRPr>
+          </a:p>
+          <a:p>
             <a:r>
-              <a:rPr lang="en-US" sz="1600" i="0" dirty="0">
+              <a:rPr lang="en-US" sz="2000" i="0" dirty="0">
                 <a:ln w="0"/>
                 <a:solidFill>
                   <a:schemeClr val="tx1"/>
@@ -11243,10 +11886,10 @@
       </p:sp>
       <p:pic>
         <p:nvPicPr>
-          <p:cNvPr id="13" name="גרפיקה 12" descr="רשת קו מיתאר">
+          <p:cNvPr id="4" name="גרפיקה 3" descr="רשת קו מיתאר">
             <a:extLst>
               <a:ext uri="{FF2B5EF4-FFF2-40B4-BE49-F238E27FC236}">
-                <a16:creationId xmlns:a16="http://schemas.microsoft.com/office/drawing/2014/main" id="{00DE751C-8074-BE3F-1FA0-80ADD9F2B12B}"/>
+                <a16:creationId xmlns:a16="http://schemas.microsoft.com/office/drawing/2014/main" id="{4EFC78FD-2F74-5615-A815-A9174CC74BEB}"/>
               </a:ext>
             </a:extLst>
           </p:cNvPr>
@@ -11269,7 +11912,7 @@
         </p:blipFill>
         <p:spPr>
           <a:xfrm>
-            <a:off x="10029139" y="2596655"/>
+            <a:off x="10029139" y="2091319"/>
             <a:ext cx="1260000" cy="1260000"/>
           </a:xfrm>
           <a:prstGeom prst="rect">
@@ -11279,10 +11922,10 @@
       </p:pic>
       <p:pic>
         <p:nvPicPr>
-          <p:cNvPr id="15" name="גרפיקה 14" descr="כיתה עם מילוי מלא">
+          <p:cNvPr id="5" name="גרפיקה 4" descr="כיתה עם מילוי מלא">
             <a:extLst>
               <a:ext uri="{FF2B5EF4-FFF2-40B4-BE49-F238E27FC236}">
-                <a16:creationId xmlns:a16="http://schemas.microsoft.com/office/drawing/2014/main" id="{2E051CED-A126-8D61-50E5-FC5E1BE08F2D}"/>
+                <a16:creationId xmlns:a16="http://schemas.microsoft.com/office/drawing/2014/main" id="{FB542755-1F9B-0C62-5698-043C5F4F3C56}"/>
               </a:ext>
             </a:extLst>
           </p:cNvPr>
@@ -11305,7 +11948,7 @@
         </p:blipFill>
         <p:spPr>
           <a:xfrm>
-            <a:off x="3341260" y="2596655"/>
+            <a:off x="3341260" y="2091319"/>
             <a:ext cx="1260000" cy="1260000"/>
           </a:xfrm>
           <a:prstGeom prst="rect">
@@ -11316,7 +11959,7 @@
     </p:spTree>
     <p:extLst>
       <p:ext uri="{BB962C8B-B14F-4D97-AF65-F5344CB8AC3E}">
-        <p14:creationId xmlns:p14="http://schemas.microsoft.com/office/powerpoint/2010/main" val="2200368054"/>
+        <p14:creationId xmlns:p14="http://schemas.microsoft.com/office/powerpoint/2010/main" val="938661123"/>
       </p:ext>
     </p:extLst>
   </p:cSld>
@@ -11483,8 +12126,8 @@
         </p:nvSpPr>
         <p:spPr>
           <a:xfrm>
-            <a:off x="407451" y="2544388"/>
-            <a:ext cx="5232329" cy="3140825"/>
+            <a:off x="401342" y="2387346"/>
+            <a:ext cx="5755562" cy="3454908"/>
           </a:xfrm>
           <a:prstGeom prst="roundRect">
             <a:avLst/>
@@ -11548,7 +12191,7 @@
           </a:p>
           <a:p>
             <a:r>
-              <a:rPr lang="en-US" sz="1600" dirty="0">
+              <a:rPr lang="en-US" sz="2000" dirty="0">
                 <a:ln w="0"/>
                 <a:solidFill>
                   <a:schemeClr val="tx1"/>
@@ -11567,7 +12210,7 @@
             </a:r>
           </a:p>
           <a:p>
-            <a:endParaRPr lang="en-US" sz="1600" dirty="0">
+            <a:endParaRPr lang="en-US" sz="2000" dirty="0">
               <a:ln w="0"/>
               <a:solidFill>
                 <a:schemeClr val="tx1"/>
@@ -11585,7 +12228,7 @@
           </a:p>
           <a:p>
             <a:r>
-              <a:rPr lang="en-US" sz="1600" dirty="0">
+              <a:rPr lang="en-US" sz="2000" dirty="0">
                 <a:ln w="0"/>
                 <a:solidFill>
                   <a:schemeClr val="tx1"/>
@@ -11793,10 +12436,10 @@
       </p:pic>
       <p:sp>
         <p:nvSpPr>
-          <p:cNvPr id="11" name="Text 2">
+          <p:cNvPr id="7" name="Text 2">
             <a:extLst>
               <a:ext uri="{FF2B5EF4-FFF2-40B4-BE49-F238E27FC236}">
-                <a16:creationId xmlns:a16="http://schemas.microsoft.com/office/drawing/2014/main" id="{6D43BA08-AAAA-A6B4-5ED3-439E42953F52}"/>
+                <a16:creationId xmlns:a16="http://schemas.microsoft.com/office/drawing/2014/main" id="{0C8943E0-7E2A-19BE-FA61-EF8BDDA5F74A}"/>
               </a:ext>
             </a:extLst>
           </p:cNvPr>
@@ -11805,8 +12448,8 @@
         </p:nvSpPr>
         <p:spPr>
           <a:xfrm>
-            <a:off x="460299" y="2544385"/>
-            <a:ext cx="5232329" cy="3140825"/>
+            <a:off x="117529" y="2387346"/>
+            <a:ext cx="6331118" cy="3454908"/>
           </a:xfrm>
           <a:prstGeom prst="roundRect">
             <a:avLst/>
@@ -11870,7 +12513,7 @@
           </a:p>
           <a:p>
             <a:r>
-              <a:rPr lang="en-US" sz="1600" i="0" dirty="0">
+              <a:rPr lang="en-US" sz="2000" i="0" dirty="0">
                 <a:ln w="0"/>
                 <a:solidFill>
                   <a:schemeClr val="tx1"/>
@@ -11889,7 +12532,7 @@
             </a:r>
           </a:p>
           <a:p>
-            <a:endParaRPr lang="en-US" sz="1600" i="0" dirty="0">
+            <a:endParaRPr lang="en-US" sz="2000" i="0" dirty="0">
               <a:ln w="0"/>
               <a:solidFill>
                 <a:schemeClr val="tx1"/>
@@ -11907,7 +12550,7 @@
           </a:p>
           <a:p>
             <a:r>
-              <a:rPr lang="en-US" sz="1600" dirty="0">
+              <a:rPr lang="en-US" sz="2000" dirty="0">
                 <a:ln w="0"/>
                 <a:solidFill>
                   <a:schemeClr val="tx1"/>
@@ -11922,10 +12565,10 @@
                 <a:latin typeface="Epilogue" panose="020B0604020202020204" charset="0"/>
                 <a:ea typeface="Dotum" panose="020B0600000101010101" pitchFamily="34" charset="-127"/>
               </a:rPr>
-              <a:t>In addition, m</a:t>
+              <a:t>Also, m</a:t>
             </a:r>
             <a:r>
-              <a:rPr lang="en-US" sz="1600" i="0" dirty="0">
+              <a:rPr lang="en-US" sz="2000" i="0" dirty="0">
                 <a:ln w="0"/>
                 <a:solidFill>
                   <a:schemeClr val="tx1"/>
@@ -11940,17 +12583,17 @@
                 <a:latin typeface="Epilogue" panose="020B0604020202020204" charset="0"/>
                 <a:ea typeface="Dotum" panose="020B0600000101010101" pitchFamily="34" charset="-127"/>
               </a:rPr>
-              <a:t>asking requiring the model to consider broader graph contexts by lowering the redundant information that traditional GAEs can sometimes focus on.</a:t>
+              <a:t>asking requires the model to consider broader graph contexts by lowering the redundant information that traditional GAEs can sometimes focus on.</a:t>
             </a:r>
           </a:p>
         </p:txBody>
       </p:sp>
       <p:pic>
         <p:nvPicPr>
-          <p:cNvPr id="6" name="image5.png">
+          <p:cNvPr id="4" name="image5.png">
             <a:extLst>
               <a:ext uri="{FF2B5EF4-FFF2-40B4-BE49-F238E27FC236}">
-                <a16:creationId xmlns:a16="http://schemas.microsoft.com/office/drawing/2014/main" id="{5897635A-0C00-D9B7-6460-388A277DBA04}"/>
+                <a16:creationId xmlns:a16="http://schemas.microsoft.com/office/drawing/2014/main" id="{BC0927EB-2038-0254-E8D3-C294DB6247D1}"/>
               </a:ext>
             </a:extLst>
           </p:cNvPr>
@@ -11966,7 +12609,7 @@
         </p:blipFill>
         <p:spPr>
           <a:xfrm>
-            <a:off x="6437755" y="2291184"/>
+            <a:off x="6780525" y="2291186"/>
             <a:ext cx="7732346" cy="3647228"/>
           </a:xfrm>
           <a:prstGeom prst="rect">
@@ -11978,7 +12621,7 @@
     </p:spTree>
     <p:extLst>
       <p:ext uri="{BB962C8B-B14F-4D97-AF65-F5344CB8AC3E}">
-        <p14:creationId xmlns:p14="http://schemas.microsoft.com/office/powerpoint/2010/main" val="4283141826"/>
+        <p14:creationId xmlns:p14="http://schemas.microsoft.com/office/powerpoint/2010/main" val="1330322957"/>
       </p:ext>
     </p:extLst>
   </p:cSld>
@@ -12096,7 +12739,7 @@
                 <a:latin typeface="Epilogue" panose="020B0604020202020204" charset="0"/>
                 <a:ea typeface="Dotum" panose="020B0600000101010101" pitchFamily="34" charset="-127"/>
               </a:rPr>
-              <a:t>MaskGAE Model – Masking Strategy</a:t>
+              <a:t>MaskGAE Model</a:t>
             </a:r>
           </a:p>
         </p:txBody>
@@ -12131,12 +12774,204 @@
           </a:prstGeom>
         </p:spPr>
       </p:pic>
+      <p:sp>
+        <p:nvSpPr>
+          <p:cNvPr id="4" name="מלבן: פינות מעוגלות 3">
+            <a:extLst>
+              <a:ext uri="{FF2B5EF4-FFF2-40B4-BE49-F238E27FC236}">
+                <a16:creationId xmlns:a16="http://schemas.microsoft.com/office/drawing/2014/main" id="{A6D22A1D-66B3-4828-ED31-75404262E275}"/>
+              </a:ext>
+            </a:extLst>
+          </p:cNvPr>
+          <p:cNvSpPr/>
+          <p:nvPr/>
+        </p:nvSpPr>
+        <p:spPr>
+          <a:xfrm>
+            <a:off x="501806" y="2821546"/>
+            <a:ext cx="3044283" cy="1360448"/>
+          </a:xfrm>
+          <a:prstGeom prst="roundRect">
+            <a:avLst/>
+          </a:prstGeom>
+        </p:spPr>
+        <p:style>
+          <a:lnRef idx="1">
+            <a:schemeClr val="accent5"/>
+          </a:lnRef>
+          <a:fillRef idx="2">
+            <a:schemeClr val="accent5"/>
+          </a:fillRef>
+          <a:effectRef idx="1">
+            <a:schemeClr val="accent5"/>
+          </a:effectRef>
+          <a:fontRef idx="minor">
+            <a:schemeClr val="dk1"/>
+          </a:fontRef>
+        </p:style>
+        <p:txBody>
+          <a:bodyPr rtlCol="1" anchor="ctr"/>
+          <a:lstStyle/>
+          <a:p>
+            <a:pPr algn="ctr"/>
+            <a:r>
+              <a:rPr lang="en-US" sz="2400" b="1" dirty="0"/>
+              <a:t>Masking Strategy</a:t>
+            </a:r>
+            <a:endParaRPr lang="he-IL" sz="2400" b="1" dirty="0"/>
+          </a:p>
+        </p:txBody>
+      </p:sp>
+      <p:sp>
+        <p:nvSpPr>
+          <p:cNvPr id="5" name="מלבן: פינות מעוגלות 4">
+            <a:extLst>
+              <a:ext uri="{FF2B5EF4-FFF2-40B4-BE49-F238E27FC236}">
+                <a16:creationId xmlns:a16="http://schemas.microsoft.com/office/drawing/2014/main" id="{85B83220-B964-9D1F-8428-A8336D656399}"/>
+              </a:ext>
+            </a:extLst>
+          </p:cNvPr>
+          <p:cNvSpPr/>
+          <p:nvPr/>
+        </p:nvSpPr>
+        <p:spPr>
+          <a:xfrm>
+            <a:off x="4053469" y="2821546"/>
+            <a:ext cx="3044283" cy="1360448"/>
+          </a:xfrm>
+          <a:prstGeom prst="roundRect">
+            <a:avLst/>
+          </a:prstGeom>
+        </p:spPr>
+        <p:style>
+          <a:lnRef idx="1">
+            <a:schemeClr val="accent5"/>
+          </a:lnRef>
+          <a:fillRef idx="2">
+            <a:schemeClr val="accent5"/>
+          </a:fillRef>
+          <a:effectRef idx="1">
+            <a:schemeClr val="accent5"/>
+          </a:effectRef>
+          <a:fontRef idx="minor">
+            <a:schemeClr val="dk1"/>
+          </a:fontRef>
+        </p:style>
+        <p:txBody>
+          <a:bodyPr rtlCol="1" anchor="ctr"/>
+          <a:lstStyle/>
+          <a:p>
+            <a:pPr algn="ctr"/>
+            <a:r>
+              <a:rPr lang="en-US" sz="2400" b="1" dirty="0"/>
+              <a:t>Encoder</a:t>
+            </a:r>
+            <a:endParaRPr lang="he-IL" sz="2400" b="1" dirty="0"/>
+          </a:p>
+        </p:txBody>
+      </p:sp>
+      <p:sp>
+        <p:nvSpPr>
+          <p:cNvPr id="6" name="מלבן: פינות מעוגלות 5">
+            <a:extLst>
+              <a:ext uri="{FF2B5EF4-FFF2-40B4-BE49-F238E27FC236}">
+                <a16:creationId xmlns:a16="http://schemas.microsoft.com/office/drawing/2014/main" id="{EEE3530A-AAB9-7584-5684-279CA1133AB1}"/>
+              </a:ext>
+            </a:extLst>
+          </p:cNvPr>
+          <p:cNvSpPr/>
+          <p:nvPr/>
+        </p:nvSpPr>
+        <p:spPr>
+          <a:xfrm>
+            <a:off x="7605132" y="2814355"/>
+            <a:ext cx="3044283" cy="1360448"/>
+          </a:xfrm>
+          <a:prstGeom prst="roundRect">
+            <a:avLst/>
+          </a:prstGeom>
+        </p:spPr>
+        <p:style>
+          <a:lnRef idx="1">
+            <a:schemeClr val="accent5"/>
+          </a:lnRef>
+          <a:fillRef idx="2">
+            <a:schemeClr val="accent5"/>
+          </a:fillRef>
+          <a:effectRef idx="1">
+            <a:schemeClr val="accent5"/>
+          </a:effectRef>
+          <a:fontRef idx="minor">
+            <a:schemeClr val="dk1"/>
+          </a:fontRef>
+        </p:style>
+        <p:txBody>
+          <a:bodyPr rtlCol="1" anchor="ctr"/>
+          <a:lstStyle/>
+          <a:p>
+            <a:pPr algn="ctr"/>
+            <a:r>
+              <a:rPr lang="en-US" sz="2400" b="1" dirty="0"/>
+              <a:t>Decoder</a:t>
+            </a:r>
+            <a:endParaRPr lang="he-IL" sz="2400" b="1" dirty="0"/>
+          </a:p>
+        </p:txBody>
+      </p:sp>
+      <p:sp>
+        <p:nvSpPr>
+          <p:cNvPr id="7" name="מלבן: פינות מעוגלות 6">
+            <a:extLst>
+              <a:ext uri="{FF2B5EF4-FFF2-40B4-BE49-F238E27FC236}">
+                <a16:creationId xmlns:a16="http://schemas.microsoft.com/office/drawing/2014/main" id="{173664E4-2EDF-D99F-0D34-C966061B5695}"/>
+              </a:ext>
+            </a:extLst>
+          </p:cNvPr>
+          <p:cNvSpPr/>
+          <p:nvPr/>
+        </p:nvSpPr>
+        <p:spPr>
+          <a:xfrm>
+            <a:off x="11156795" y="2814355"/>
+            <a:ext cx="3044283" cy="1360448"/>
+          </a:xfrm>
+          <a:prstGeom prst="roundRect">
+            <a:avLst/>
+          </a:prstGeom>
+        </p:spPr>
+        <p:style>
+          <a:lnRef idx="1">
+            <a:schemeClr val="accent5"/>
+          </a:lnRef>
+          <a:fillRef idx="2">
+            <a:schemeClr val="accent5"/>
+          </a:fillRef>
+          <a:effectRef idx="1">
+            <a:schemeClr val="accent5"/>
+          </a:effectRef>
+          <a:fontRef idx="minor">
+            <a:schemeClr val="dk1"/>
+          </a:fontRef>
+        </p:style>
+        <p:txBody>
+          <a:bodyPr rtlCol="1" anchor="ctr"/>
+          <a:lstStyle/>
+          <a:p>
+            <a:pPr algn="ctr"/>
+            <a:r>
+              <a:rPr lang="en-US" sz="2400" b="1" dirty="0"/>
+              <a:t>Learning Objective</a:t>
+            </a:r>
+            <a:endParaRPr lang="he-IL" sz="2400" b="1" dirty="0"/>
+          </a:p>
+        </p:txBody>
+      </p:sp>
       <p:pic>
         <p:nvPicPr>
-          <p:cNvPr id="122" name="תמונה 121">
+          <p:cNvPr id="13" name="גרפיקה 12" descr="קיר לבנים עם מילוי מלא">
             <a:extLst>
               <a:ext uri="{FF2B5EF4-FFF2-40B4-BE49-F238E27FC236}">
-                <a16:creationId xmlns:a16="http://schemas.microsoft.com/office/drawing/2014/main" id="{F2B186C7-A3F2-B361-BFDA-40F451CB2AD4}"/>
+                <a16:creationId xmlns:a16="http://schemas.microsoft.com/office/drawing/2014/main" id="{F39E22B1-2A6E-D593-8BC7-D4293F17D7EA}"/>
               </a:ext>
             </a:extLst>
           </p:cNvPr>
@@ -12146,21 +12981,367 @@
           <p:nvPr/>
         </p:nvPicPr>
         <p:blipFill>
-          <a:blip r:embed="rId5"/>
+          <a:blip r:embed="rId5">
+            <a:extLst>
+              <a:ext uri="{96DAC541-7B7A-43D3-8B79-37D633B846F1}">
+                <asvg:svgBlip xmlns:asvg="http://schemas.microsoft.com/office/drawing/2016/SVG/main" r:embed="rId6"/>
+              </a:ext>
+            </a:extLst>
+          </a:blip>
           <a:stretch>
             <a:fillRect/>
           </a:stretch>
         </p:blipFill>
         <p:spPr>
           <a:xfrm>
-            <a:off x="2409140" y="1847533"/>
-            <a:ext cx="9812119" cy="4534533"/>
+            <a:off x="8457887" y="4415029"/>
+            <a:ext cx="1338773" cy="1338773"/>
           </a:xfrm>
           <a:prstGeom prst="rect">
             <a:avLst/>
           </a:prstGeom>
         </p:spPr>
       </p:pic>
+      <p:pic>
+        <p:nvPicPr>
+          <p:cNvPr id="15" name="גרפיקה 14" descr="מסיכת מסיבה עם מילוי מלא">
+            <a:extLst>
+              <a:ext uri="{FF2B5EF4-FFF2-40B4-BE49-F238E27FC236}">
+                <a16:creationId xmlns:a16="http://schemas.microsoft.com/office/drawing/2014/main" id="{58DA791C-B98E-CDE4-8B64-988DB94489E4}"/>
+              </a:ext>
+            </a:extLst>
+          </p:cNvPr>
+          <p:cNvPicPr>
+            <a:picLocks noChangeAspect="1"/>
+          </p:cNvPicPr>
+          <p:nvPr/>
+        </p:nvPicPr>
+        <p:blipFill>
+          <a:blip r:embed="rId7">
+            <a:extLst>
+              <a:ext uri="{96DAC541-7B7A-43D3-8B79-37D633B846F1}">
+                <asvg:svgBlip xmlns:asvg="http://schemas.microsoft.com/office/drawing/2016/SVG/main" r:embed="rId8"/>
+              </a:ext>
+            </a:extLst>
+          </a:blip>
+          <a:stretch>
+            <a:fillRect/>
+          </a:stretch>
+        </p:blipFill>
+        <p:spPr>
+          <a:xfrm>
+            <a:off x="1354561" y="4415029"/>
+            <a:ext cx="1338773" cy="1338773"/>
+          </a:xfrm>
+          <a:prstGeom prst="rect">
+            <a:avLst/>
+          </a:prstGeom>
+        </p:spPr>
+      </p:pic>
+      <p:pic>
+        <p:nvPicPr>
+          <p:cNvPr id="17" name="גרפיקה 16" descr="רשימה עם מילוי מלא">
+            <a:extLst>
+              <a:ext uri="{FF2B5EF4-FFF2-40B4-BE49-F238E27FC236}">
+                <a16:creationId xmlns:a16="http://schemas.microsoft.com/office/drawing/2014/main" id="{1B4E945F-4B23-ED6F-8E8D-D69AE69EC571}"/>
+              </a:ext>
+            </a:extLst>
+          </p:cNvPr>
+          <p:cNvPicPr>
+            <a:picLocks noChangeAspect="1"/>
+          </p:cNvPicPr>
+          <p:nvPr/>
+        </p:nvPicPr>
+        <p:blipFill>
+          <a:blip r:embed="rId9">
+            <a:extLst>
+              <a:ext uri="{96DAC541-7B7A-43D3-8B79-37D633B846F1}">
+                <asvg:svgBlip xmlns:asvg="http://schemas.microsoft.com/office/drawing/2016/SVG/main" r:embed="rId10"/>
+              </a:ext>
+            </a:extLst>
+          </a:blip>
+          <a:stretch>
+            <a:fillRect/>
+          </a:stretch>
+        </p:blipFill>
+        <p:spPr>
+          <a:xfrm>
+            <a:off x="4906224" y="4415029"/>
+            <a:ext cx="1338773" cy="1338773"/>
+          </a:xfrm>
+          <a:prstGeom prst="rect">
+            <a:avLst/>
+          </a:prstGeom>
+        </p:spPr>
+      </p:pic>
+      <p:pic>
+        <p:nvPicPr>
+          <p:cNvPr id="21" name="גרפיקה 20" descr="שאיפה עם מילוי מלא">
+            <a:extLst>
+              <a:ext uri="{FF2B5EF4-FFF2-40B4-BE49-F238E27FC236}">
+                <a16:creationId xmlns:a16="http://schemas.microsoft.com/office/drawing/2014/main" id="{B64B9A56-84CB-D034-0973-A8030AD1E90E}"/>
+              </a:ext>
+            </a:extLst>
+          </p:cNvPr>
+          <p:cNvPicPr>
+            <a:picLocks noChangeAspect="1"/>
+          </p:cNvPicPr>
+          <p:nvPr/>
+        </p:nvPicPr>
+        <p:blipFill>
+          <a:blip r:embed="rId11">
+            <a:extLst>
+              <a:ext uri="{96DAC541-7B7A-43D3-8B79-37D633B846F1}">
+                <asvg:svgBlip xmlns:asvg="http://schemas.microsoft.com/office/drawing/2016/SVG/main" r:embed="rId12"/>
+              </a:ext>
+            </a:extLst>
+          </a:blip>
+          <a:stretch>
+            <a:fillRect/>
+          </a:stretch>
+        </p:blipFill>
+        <p:spPr>
+          <a:xfrm>
+            <a:off x="12009550" y="4415029"/>
+            <a:ext cx="1338773" cy="1338773"/>
+          </a:xfrm>
+          <a:prstGeom prst="rect">
+            <a:avLst/>
+          </a:prstGeom>
+        </p:spPr>
+      </p:pic>
+      <p:sp>
+        <p:nvSpPr>
+          <p:cNvPr id="22" name="אליפסה 21">
+            <a:extLst>
+              <a:ext uri="{FF2B5EF4-FFF2-40B4-BE49-F238E27FC236}">
+                <a16:creationId xmlns:a16="http://schemas.microsoft.com/office/drawing/2014/main" id="{9225315D-18E9-5DAE-FFA0-A3BA03DBC4E5}"/>
+              </a:ext>
+            </a:extLst>
+          </p:cNvPr>
+          <p:cNvSpPr/>
+          <p:nvPr/>
+        </p:nvSpPr>
+        <p:spPr>
+          <a:xfrm>
+            <a:off x="1663947" y="1891924"/>
+            <a:ext cx="720000" cy="720000"/>
+          </a:xfrm>
+          <a:prstGeom prst="ellipse">
+            <a:avLst/>
+          </a:prstGeom>
+          <a:solidFill>
+            <a:schemeClr val="tx2">
+              <a:lumMod val="60000"/>
+              <a:lumOff val="40000"/>
+              <a:alpha val="50000"/>
+            </a:schemeClr>
+          </a:solidFill>
+          <a:ln>
+            <a:noFill/>
+          </a:ln>
+        </p:spPr>
+        <p:style>
+          <a:lnRef idx="0">
+            <a:scrgbClr r="0" g="0" b="0"/>
+          </a:lnRef>
+          <a:fillRef idx="0">
+            <a:scrgbClr r="0" g="0" b="0"/>
+          </a:fillRef>
+          <a:effectRef idx="0">
+            <a:scrgbClr r="0" g="0" b="0"/>
+          </a:effectRef>
+          <a:fontRef idx="minor">
+            <a:schemeClr val="lt1"/>
+          </a:fontRef>
+        </p:style>
+        <p:txBody>
+          <a:bodyPr rtlCol="1" anchor="ctr"/>
+          <a:lstStyle/>
+          <a:p>
+            <a:pPr algn="ctr"/>
+            <a:r>
+              <a:rPr lang="en-US" sz="3200" dirty="0"/>
+              <a:t>1</a:t>
+            </a:r>
+            <a:endParaRPr lang="he-IL" dirty="0"/>
+          </a:p>
+        </p:txBody>
+      </p:sp>
+      <p:sp>
+        <p:nvSpPr>
+          <p:cNvPr id="23" name="אליפסה 22">
+            <a:extLst>
+              <a:ext uri="{FF2B5EF4-FFF2-40B4-BE49-F238E27FC236}">
+                <a16:creationId xmlns:a16="http://schemas.microsoft.com/office/drawing/2014/main" id="{BF4EC14D-B2CD-9F5E-004C-F5B3660AE4B6}"/>
+              </a:ext>
+            </a:extLst>
+          </p:cNvPr>
+          <p:cNvSpPr/>
+          <p:nvPr/>
+        </p:nvSpPr>
+        <p:spPr>
+          <a:xfrm>
+            <a:off x="5215610" y="1891924"/>
+            <a:ext cx="720000" cy="720000"/>
+          </a:xfrm>
+          <a:prstGeom prst="ellipse">
+            <a:avLst/>
+          </a:prstGeom>
+          <a:solidFill>
+            <a:schemeClr val="tx2">
+              <a:lumMod val="60000"/>
+              <a:lumOff val="40000"/>
+              <a:alpha val="50000"/>
+            </a:schemeClr>
+          </a:solidFill>
+          <a:ln>
+            <a:noFill/>
+          </a:ln>
+        </p:spPr>
+        <p:style>
+          <a:lnRef idx="0">
+            <a:scrgbClr r="0" g="0" b="0"/>
+          </a:lnRef>
+          <a:fillRef idx="0">
+            <a:scrgbClr r="0" g="0" b="0"/>
+          </a:fillRef>
+          <a:effectRef idx="0">
+            <a:scrgbClr r="0" g="0" b="0"/>
+          </a:effectRef>
+          <a:fontRef idx="minor">
+            <a:schemeClr val="lt1"/>
+          </a:fontRef>
+        </p:style>
+        <p:txBody>
+          <a:bodyPr rtlCol="1" anchor="ctr"/>
+          <a:lstStyle/>
+          <a:p>
+            <a:pPr algn="ctr"/>
+            <a:r>
+              <a:rPr lang="en-US" sz="3200" dirty="0"/>
+              <a:t>2</a:t>
+            </a:r>
+            <a:endParaRPr lang="he-IL" dirty="0"/>
+          </a:p>
+        </p:txBody>
+      </p:sp>
+      <p:sp>
+        <p:nvSpPr>
+          <p:cNvPr id="24" name="אליפסה 23">
+            <a:extLst>
+              <a:ext uri="{FF2B5EF4-FFF2-40B4-BE49-F238E27FC236}">
+                <a16:creationId xmlns:a16="http://schemas.microsoft.com/office/drawing/2014/main" id="{FF37DC39-C4A9-1838-15EB-E58A4221625A}"/>
+              </a:ext>
+            </a:extLst>
+          </p:cNvPr>
+          <p:cNvSpPr/>
+          <p:nvPr/>
+        </p:nvSpPr>
+        <p:spPr>
+          <a:xfrm>
+            <a:off x="8767273" y="1891924"/>
+            <a:ext cx="720000" cy="720000"/>
+          </a:xfrm>
+          <a:prstGeom prst="ellipse">
+            <a:avLst/>
+          </a:prstGeom>
+          <a:solidFill>
+            <a:schemeClr val="tx2">
+              <a:lumMod val="60000"/>
+              <a:lumOff val="40000"/>
+              <a:alpha val="50000"/>
+            </a:schemeClr>
+          </a:solidFill>
+          <a:ln>
+            <a:noFill/>
+          </a:ln>
+        </p:spPr>
+        <p:style>
+          <a:lnRef idx="0">
+            <a:scrgbClr r="0" g="0" b="0"/>
+          </a:lnRef>
+          <a:fillRef idx="0">
+            <a:scrgbClr r="0" g="0" b="0"/>
+          </a:fillRef>
+          <a:effectRef idx="0">
+            <a:scrgbClr r="0" g="0" b="0"/>
+          </a:effectRef>
+          <a:fontRef idx="minor">
+            <a:schemeClr val="lt1"/>
+          </a:fontRef>
+        </p:style>
+        <p:txBody>
+          <a:bodyPr rtlCol="1" anchor="ctr"/>
+          <a:lstStyle/>
+          <a:p>
+            <a:pPr algn="ctr"/>
+            <a:r>
+              <a:rPr lang="en-US" sz="3200" dirty="0"/>
+              <a:t>3</a:t>
+            </a:r>
+            <a:endParaRPr lang="he-IL" dirty="0"/>
+          </a:p>
+        </p:txBody>
+      </p:sp>
+      <p:sp>
+        <p:nvSpPr>
+          <p:cNvPr id="25" name="אליפסה 24">
+            <a:extLst>
+              <a:ext uri="{FF2B5EF4-FFF2-40B4-BE49-F238E27FC236}">
+                <a16:creationId xmlns:a16="http://schemas.microsoft.com/office/drawing/2014/main" id="{057BCF29-F37F-E4D5-AEFA-7D9C41BEBAB2}"/>
+              </a:ext>
+            </a:extLst>
+          </p:cNvPr>
+          <p:cNvSpPr/>
+          <p:nvPr/>
+        </p:nvSpPr>
+        <p:spPr>
+          <a:xfrm>
+            <a:off x="12318936" y="1891924"/>
+            <a:ext cx="720000" cy="720000"/>
+          </a:xfrm>
+          <a:prstGeom prst="ellipse">
+            <a:avLst/>
+          </a:prstGeom>
+          <a:solidFill>
+            <a:schemeClr val="tx2">
+              <a:lumMod val="60000"/>
+              <a:lumOff val="40000"/>
+              <a:alpha val="50000"/>
+            </a:schemeClr>
+          </a:solidFill>
+          <a:ln>
+            <a:noFill/>
+          </a:ln>
+        </p:spPr>
+        <p:style>
+          <a:lnRef idx="0">
+            <a:scrgbClr r="0" g="0" b="0"/>
+          </a:lnRef>
+          <a:fillRef idx="0">
+            <a:scrgbClr r="0" g="0" b="0"/>
+          </a:fillRef>
+          <a:effectRef idx="0">
+            <a:scrgbClr r="0" g="0" b="0"/>
+          </a:effectRef>
+          <a:fontRef idx="minor">
+            <a:schemeClr val="lt1"/>
+          </a:fontRef>
+        </p:style>
+        <p:txBody>
+          <a:bodyPr rtlCol="1" anchor="ctr"/>
+          <a:lstStyle/>
+          <a:p>
+            <a:pPr algn="ctr"/>
+            <a:r>
+              <a:rPr lang="en-US" sz="3200" dirty="0"/>
+              <a:t>4</a:t>
+            </a:r>
+            <a:endParaRPr lang="he-IL" dirty="0"/>
+          </a:p>
+        </p:txBody>
+      </p:sp>
     </p:spTree>
     <p:extLst>
       <p:ext uri="{BB962C8B-B14F-4D97-AF65-F5344CB8AC3E}">
@@ -12176,7 +13357,7 @@
 
 <file path=ppt/slides/slide9.xml><?xml version="1.0" encoding="utf-8"?>
 <p:sld xmlns:a="http://schemas.openxmlformats.org/drawingml/2006/main" xmlns:r="http://schemas.openxmlformats.org/officeDocument/2006/relationships" xmlns:p="http://schemas.openxmlformats.org/presentationml/2006/main">
-  <p:cSld name="Slide 2">
+  <p:cSld>
     <p:spTree>
       <p:nvGrpSpPr>
         <p:cNvPr id="1" name=""/>
@@ -12240,563 +13421,16 @@
           <a:bodyPr/>
           <a:lstStyle/>
           <a:p>
-            <a:endParaRPr lang="he-IL"/>
+            <a:endParaRPr lang="he-IL" dirty="0"/>
           </a:p>
         </p:txBody>
       </p:sp>
       <p:sp>
         <p:nvSpPr>
-          <p:cNvPr id="6" name="Shape 2"/>
-          <p:cNvSpPr/>
-          <p:nvPr/>
-        </p:nvSpPr>
-        <p:spPr>
-          <a:xfrm>
-            <a:off x="400159" y="1691759"/>
-            <a:ext cx="464820" cy="464820"/>
-          </a:xfrm>
-          <a:prstGeom prst="roundRect">
-            <a:avLst>
-              <a:gd name="adj" fmla="val 20002"/>
-            </a:avLst>
-          </a:prstGeom>
-          <a:solidFill>
-            <a:srgbClr val="CCEEFF"/>
-          </a:solidFill>
-          <a:ln w="7620">
-            <a:solidFill>
-              <a:srgbClr val="B2D4E5"/>
-            </a:solidFill>
-            <a:prstDash val="solid"/>
-          </a:ln>
-        </p:spPr>
-        <p:txBody>
-          <a:bodyPr/>
-          <a:lstStyle/>
-          <a:p>
-            <a:endParaRPr lang="he-IL"/>
-          </a:p>
-        </p:txBody>
-      </p:sp>
-      <p:sp>
-        <p:nvSpPr>
-          <p:cNvPr id="7" name="Text 3"/>
-          <p:cNvSpPr/>
-          <p:nvPr/>
-        </p:nvSpPr>
-        <p:spPr>
-          <a:xfrm>
-            <a:off x="569585" y="1730454"/>
-            <a:ext cx="125849" cy="387310"/>
-          </a:xfrm>
-          <a:prstGeom prst="rect">
-            <a:avLst/>
-          </a:prstGeom>
-          <a:noFill/>
-          <a:ln/>
-        </p:spPr>
-        <p:txBody>
-          <a:bodyPr wrap="none" rtlCol="0" anchor="t"/>
-          <a:lstStyle/>
-          <a:p>
-            <a:pPr marL="0" indent="0" algn="ctr">
-              <a:lnSpc>
-                <a:spcPts val="3050"/>
-              </a:lnSpc>
-              <a:buNone/>
-            </a:pPr>
-            <a:r>
-              <a:rPr lang="en-US" sz="2440" b="1" dirty="0">
-                <a:solidFill>
-                  <a:srgbClr val="272525"/>
-                </a:solidFill>
-                <a:latin typeface="p22-mackinac-pro" pitchFamily="34" charset="0"/>
-                <a:ea typeface="p22-mackinac-pro" pitchFamily="34" charset="-122"/>
-                <a:cs typeface="p22-mackinac-pro" pitchFamily="34" charset="-120"/>
-              </a:rPr>
-              <a:t>1</a:t>
-            </a:r>
-            <a:endParaRPr lang="en-US" sz="2440" dirty="0"/>
-          </a:p>
-        </p:txBody>
-      </p:sp>
-      <p:sp>
-        <p:nvSpPr>
-          <p:cNvPr id="8" name="Text 4"/>
-          <p:cNvSpPr/>
-          <p:nvPr/>
-        </p:nvSpPr>
-        <p:spPr>
-          <a:xfrm>
-            <a:off x="1071552" y="1762720"/>
-            <a:ext cx="3610689" cy="322778"/>
-          </a:xfrm>
-          <a:prstGeom prst="rect">
-            <a:avLst/>
-          </a:prstGeom>
-          <a:noFill/>
-          <a:ln/>
-        </p:spPr>
-        <p:txBody>
-          <a:bodyPr wrap="none" rtlCol="0" anchor="t"/>
-          <a:lstStyle/>
-          <a:p>
-            <a:pPr marL="0" indent="0">
-              <a:lnSpc>
-                <a:spcPts val="2542"/>
-              </a:lnSpc>
-              <a:buNone/>
-            </a:pPr>
-            <a:r>
-              <a:rPr lang="en-US" sz="2400" b="1" dirty="0">
-                <a:solidFill>
-                  <a:srgbClr val="272525"/>
-                </a:solidFill>
-                <a:latin typeface="Epilogue" panose="020B0604020202020204" charset="0"/>
-                <a:ea typeface="p22-mackinac-pro" pitchFamily="34" charset="-122"/>
-                <a:cs typeface="p22-mackinac-pro" pitchFamily="34" charset="-120"/>
-              </a:rPr>
-              <a:t>Edge-wise Random Masking </a:t>
-            </a:r>
-            <a:endParaRPr lang="en-US" sz="2400" dirty="0">
-              <a:latin typeface="Epilogue" panose="020B0604020202020204" charset="0"/>
-            </a:endParaRPr>
-          </a:p>
-        </p:txBody>
-      </p:sp>
-      <p:sp>
-        <p:nvSpPr>
-          <p:cNvPr id="9" name="Text 5"/>
-          <p:cNvSpPr/>
-          <p:nvPr/>
-        </p:nvSpPr>
-        <p:spPr>
-          <a:xfrm>
-            <a:off x="1071552" y="2209443"/>
-            <a:ext cx="8751927" cy="661035"/>
-          </a:xfrm>
-          <a:prstGeom prst="rect">
-            <a:avLst/>
-          </a:prstGeom>
-          <a:noFill/>
-          <a:ln/>
-        </p:spPr>
-        <p:txBody>
-          <a:bodyPr wrap="square" rtlCol="0" anchor="t"/>
-          <a:lstStyle/>
-          <a:p>
-            <a:pPr marL="0" indent="0">
-              <a:lnSpc>
-                <a:spcPts val="2603"/>
-              </a:lnSpc>
-              <a:buNone/>
-            </a:pPr>
-            <a:r>
-              <a:rPr lang="en-US" dirty="0">
-                <a:solidFill>
-                  <a:srgbClr val="272525"/>
-                </a:solidFill>
-                <a:latin typeface="Epilogue" panose="020B0604020202020204" charset="0"/>
-                <a:ea typeface="Eudoxus Sans" pitchFamily="34" charset="-122"/>
-                <a:cs typeface="Eudoxus Sans" pitchFamily="34" charset="-120"/>
-              </a:rPr>
-              <a:t>This strategy involves randomly selecting a subset of edges based on a Bernoulli distribution, providing a simple way to mask the graph.</a:t>
-            </a:r>
-            <a:endParaRPr lang="en-US" dirty="0">
-              <a:latin typeface="Epilogue" panose="020B0604020202020204" charset="0"/>
-            </a:endParaRPr>
-          </a:p>
-        </p:txBody>
-      </p:sp>
-      <p:pic>
-        <p:nvPicPr>
-          <p:cNvPr id="10" name="Image 2" descr="preencoded.png"/>
-          <p:cNvPicPr>
-            <a:picLocks noChangeAspect="1"/>
-          </p:cNvPicPr>
-          <p:nvPr/>
-        </p:nvPicPr>
-        <p:blipFill>
-          <a:blip r:embed="rId4"/>
-          <a:stretch>
-            <a:fillRect/>
-          </a:stretch>
-        </p:blipFill>
-        <p:spPr>
-          <a:xfrm>
-            <a:off x="1071552" y="3102888"/>
-            <a:ext cx="2284095" cy="504468"/>
-          </a:xfrm>
-          <a:prstGeom prst="rect">
-            <a:avLst/>
-          </a:prstGeom>
-        </p:spPr>
-      </p:pic>
-      <p:sp>
-        <p:nvSpPr>
-          <p:cNvPr id="11" name="Text 6"/>
-          <p:cNvSpPr/>
-          <p:nvPr/>
-        </p:nvSpPr>
-        <p:spPr>
-          <a:xfrm>
-            <a:off x="1071552" y="3839766"/>
-            <a:ext cx="8751927" cy="330517"/>
-          </a:xfrm>
-          <a:prstGeom prst="rect">
-            <a:avLst/>
-          </a:prstGeom>
-          <a:noFill/>
-          <a:ln/>
-        </p:spPr>
-        <p:txBody>
-          <a:bodyPr wrap="none" rtlCol="0" anchor="t"/>
-          <a:lstStyle/>
-          <a:p>
-            <a:pPr marL="0" indent="0">
-              <a:lnSpc>
-                <a:spcPts val="2603"/>
-              </a:lnSpc>
-              <a:buNone/>
-            </a:pPr>
-            <a:r>
-              <a:rPr lang="en-US" dirty="0">
-                <a:solidFill>
-                  <a:srgbClr val="272525"/>
-                </a:solidFill>
-                <a:highlight>
-                  <a:srgbClr val="E5F6FF"/>
-                </a:highlight>
-                <a:latin typeface="Epilogue" panose="020B0604020202020204" charset="0"/>
-                <a:ea typeface="Consolas" pitchFamily="34" charset="-122"/>
-                <a:cs typeface="Consolas" pitchFamily="34" charset="-120"/>
-              </a:rPr>
-              <a:t>p&lt;1</a:t>
-            </a:r>
-            <a:r>
-              <a:rPr lang="en-US" dirty="0">
-                <a:solidFill>
-                  <a:srgbClr val="272525"/>
-                </a:solidFill>
-                <a:latin typeface="Epilogue" panose="020B0604020202020204" charset="0"/>
-                <a:ea typeface="Eudoxus Sans" pitchFamily="34" charset="-122"/>
-                <a:cs typeface="Eudoxus Sans" pitchFamily="34" charset="-120"/>
-              </a:rPr>
-              <a:t> is the masking ratio for the graph.</a:t>
-            </a:r>
-            <a:endParaRPr lang="en-US" dirty="0">
-              <a:latin typeface="Epilogue" panose="020B0604020202020204" charset="0"/>
-            </a:endParaRPr>
-          </a:p>
-        </p:txBody>
-      </p:sp>
-      <p:sp>
-        <p:nvSpPr>
-          <p:cNvPr id="12" name="Shape 7"/>
-          <p:cNvSpPr/>
-          <p:nvPr/>
-        </p:nvSpPr>
-        <p:spPr>
-          <a:xfrm>
-            <a:off x="400159" y="4538305"/>
-            <a:ext cx="464820" cy="464820"/>
-          </a:xfrm>
-          <a:prstGeom prst="roundRect">
-            <a:avLst>
-              <a:gd name="adj" fmla="val 20002"/>
-            </a:avLst>
-          </a:prstGeom>
-          <a:solidFill>
-            <a:srgbClr val="CCEEFF"/>
-          </a:solidFill>
-          <a:ln w="7620">
-            <a:solidFill>
-              <a:srgbClr val="B2D4E5"/>
-            </a:solidFill>
-            <a:prstDash val="solid"/>
-          </a:ln>
-        </p:spPr>
-        <p:txBody>
-          <a:bodyPr/>
-          <a:lstStyle/>
-          <a:p>
-            <a:endParaRPr lang="he-IL"/>
-          </a:p>
-        </p:txBody>
-      </p:sp>
-      <p:sp>
-        <p:nvSpPr>
-          <p:cNvPr id="13" name="Text 8"/>
-          <p:cNvSpPr/>
-          <p:nvPr/>
-        </p:nvSpPr>
-        <p:spPr>
-          <a:xfrm>
-            <a:off x="542319" y="4577001"/>
-            <a:ext cx="180380" cy="387310"/>
-          </a:xfrm>
-          <a:prstGeom prst="rect">
-            <a:avLst/>
-          </a:prstGeom>
-          <a:noFill/>
-          <a:ln/>
-        </p:spPr>
-        <p:txBody>
-          <a:bodyPr wrap="none" rtlCol="0" anchor="t"/>
-          <a:lstStyle/>
-          <a:p>
-            <a:pPr marL="0" indent="0" algn="ctr">
-              <a:lnSpc>
-                <a:spcPts val="3050"/>
-              </a:lnSpc>
-              <a:buNone/>
-            </a:pPr>
-            <a:r>
-              <a:rPr lang="en-US" sz="2440" b="1" dirty="0">
-                <a:solidFill>
-                  <a:srgbClr val="272525"/>
-                </a:solidFill>
-                <a:latin typeface="p22-mackinac-pro" pitchFamily="34" charset="0"/>
-                <a:ea typeface="p22-mackinac-pro" pitchFamily="34" charset="-122"/>
-                <a:cs typeface="p22-mackinac-pro" pitchFamily="34" charset="-120"/>
-              </a:rPr>
-              <a:t>2</a:t>
-            </a:r>
-            <a:endParaRPr lang="en-US" sz="2440" dirty="0"/>
-          </a:p>
-        </p:txBody>
-      </p:sp>
-      <p:sp>
-        <p:nvSpPr>
-          <p:cNvPr id="14" name="Text 9"/>
-          <p:cNvSpPr/>
-          <p:nvPr/>
-        </p:nvSpPr>
-        <p:spPr>
-          <a:xfrm>
-            <a:off x="1071552" y="4609267"/>
-            <a:ext cx="3574375" cy="322778"/>
-          </a:xfrm>
-          <a:prstGeom prst="rect">
-            <a:avLst/>
-          </a:prstGeom>
-          <a:noFill/>
-          <a:ln/>
-        </p:spPr>
-        <p:txBody>
-          <a:bodyPr wrap="none" rtlCol="0" anchor="t"/>
-          <a:lstStyle/>
-          <a:p>
-            <a:pPr marL="0" indent="0">
-              <a:lnSpc>
-                <a:spcPts val="2542"/>
-              </a:lnSpc>
-              <a:buNone/>
-            </a:pPr>
-            <a:r>
-              <a:rPr lang="en-US" sz="2400" b="1" dirty="0">
-                <a:solidFill>
-                  <a:srgbClr val="272525"/>
-                </a:solidFill>
-                <a:latin typeface="Epilogue" panose="020B0604020202020204" charset="0"/>
-                <a:ea typeface="p22-mackinac-pro" pitchFamily="34" charset="-122"/>
-                <a:cs typeface="p22-mackinac-pro" pitchFamily="34" charset="-120"/>
-              </a:rPr>
-              <a:t>Path-wise Random Masking </a:t>
-            </a:r>
-            <a:endParaRPr lang="en-US" sz="2400" dirty="0">
-              <a:latin typeface="Epilogue" panose="020B0604020202020204" charset="0"/>
-            </a:endParaRPr>
-          </a:p>
-        </p:txBody>
-      </p:sp>
-      <p:sp>
-        <p:nvSpPr>
-          <p:cNvPr id="15" name="Text 10"/>
-          <p:cNvSpPr/>
-          <p:nvPr/>
-        </p:nvSpPr>
-        <p:spPr>
-          <a:xfrm>
-            <a:off x="1071552" y="5055989"/>
-            <a:ext cx="8751927" cy="1322070"/>
-          </a:xfrm>
-          <a:prstGeom prst="rect">
-            <a:avLst/>
-          </a:prstGeom>
-          <a:noFill/>
-          <a:ln/>
-        </p:spPr>
-        <p:txBody>
-          <a:bodyPr wrap="square" rtlCol="0" anchor="t"/>
-          <a:lstStyle/>
-          <a:p>
-            <a:pPr marL="0" indent="0">
-              <a:lnSpc>
-                <a:spcPts val="2603"/>
-              </a:lnSpc>
-              <a:buNone/>
-            </a:pPr>
-            <a:r>
-              <a:rPr lang="en-US" dirty="0">
-                <a:solidFill>
-                  <a:srgbClr val="272525"/>
-                </a:solidFill>
-                <a:latin typeface="Epilogue" panose="020B0604020202020204" charset="0"/>
-                <a:ea typeface="Eudoxus Sans" pitchFamily="34" charset="-122"/>
-                <a:cs typeface="Eudoxus Sans" pitchFamily="34" charset="-120"/>
-              </a:rPr>
-              <a:t>Path-wise masking uses paths in the graph as building blocks. They sample a set of starting nodes and then use a coin flip (Bernoulli distribution) to choose which of them will be the starting node for a series of masked nodes, using “simple random walk” to decide which edges on the path to mask.</a:t>
-            </a:r>
-            <a:endParaRPr lang="en-US" dirty="0">
-              <a:latin typeface="Epilogue" panose="020B0604020202020204" charset="0"/>
-            </a:endParaRPr>
-          </a:p>
-        </p:txBody>
-      </p:sp>
-      <p:pic>
-        <p:nvPicPr>
-          <p:cNvPr id="16" name="Image 3" descr="preencoded.png"/>
-          <p:cNvPicPr>
-            <a:picLocks noChangeAspect="1"/>
-          </p:cNvPicPr>
-          <p:nvPr/>
-        </p:nvPicPr>
-        <p:blipFill>
-          <a:blip r:embed="rId5"/>
-          <a:stretch>
-            <a:fillRect/>
-          </a:stretch>
-        </p:blipFill>
-        <p:spPr>
-          <a:xfrm>
-            <a:off x="1071552" y="6610469"/>
-            <a:ext cx="3271242" cy="481251"/>
-          </a:xfrm>
-          <a:prstGeom prst="rect">
-            <a:avLst/>
-          </a:prstGeom>
-        </p:spPr>
-      </p:pic>
-      <p:sp>
-        <p:nvSpPr>
-          <p:cNvPr id="17" name="Text 11"/>
-          <p:cNvSpPr/>
-          <p:nvPr/>
-        </p:nvSpPr>
-        <p:spPr>
-          <a:xfrm>
-            <a:off x="1071552" y="7324130"/>
-            <a:ext cx="8751927" cy="330517"/>
-          </a:xfrm>
-          <a:prstGeom prst="rect">
-            <a:avLst/>
-          </a:prstGeom>
-          <a:noFill/>
-          <a:ln/>
-        </p:spPr>
-        <p:txBody>
-          <a:bodyPr wrap="none" rtlCol="0" anchor="t"/>
-          <a:lstStyle/>
-          <a:p>
-            <a:pPr marL="0" indent="0">
-              <a:lnSpc>
-                <a:spcPts val="2603"/>
-              </a:lnSpc>
-              <a:buNone/>
-            </a:pPr>
-            <a:r>
-              <a:rPr lang="en-US" dirty="0">
-                <a:solidFill>
-                  <a:srgbClr val="272525"/>
-                </a:solidFill>
-                <a:highlight>
-                  <a:srgbClr val="E5F6FF"/>
-                </a:highlight>
-                <a:latin typeface="Epilogue" panose="020B0604020202020204" charset="0"/>
-                <a:ea typeface="Consolas" pitchFamily="34" charset="-122"/>
-                <a:cs typeface="Consolas" pitchFamily="34" charset="-120"/>
-              </a:rPr>
-              <a:t>R</a:t>
-            </a:r>
-            <a:r>
-              <a:rPr lang="en-US" dirty="0">
-                <a:solidFill>
-                  <a:srgbClr val="272525"/>
-                </a:solidFill>
-                <a:latin typeface="Epilogue" panose="020B0604020202020204" charset="0"/>
-                <a:ea typeface="Eudoxus Sans" pitchFamily="34" charset="-122"/>
-                <a:cs typeface="Eudoxus Sans" pitchFamily="34" charset="-120"/>
-              </a:rPr>
-              <a:t> is the set of statring nodes and </a:t>
-            </a:r>
-            <a:r>
-              <a:rPr lang="en-US" dirty="0">
-                <a:solidFill>
-                  <a:srgbClr val="272525"/>
-                </a:solidFill>
-                <a:highlight>
-                  <a:srgbClr val="E5F6FF"/>
-                </a:highlight>
-                <a:latin typeface="Epilogue" panose="020B0604020202020204" charset="0"/>
-                <a:ea typeface="Consolas" pitchFamily="34" charset="-122"/>
-                <a:cs typeface="Consolas" pitchFamily="34" charset="-120"/>
-              </a:rPr>
-              <a:t>I</a:t>
-            </a:r>
-            <a:r>
-              <a:rPr lang="en-US" dirty="0">
-                <a:solidFill>
-                  <a:srgbClr val="272525"/>
-                </a:solidFill>
-                <a:latin typeface="Epilogue" panose="020B0604020202020204" charset="0"/>
-                <a:ea typeface="Eudoxus Sans" pitchFamily="34" charset="-122"/>
-                <a:cs typeface="Eudoxus Sans" pitchFamily="34" charset="-120"/>
-              </a:rPr>
-              <a:t> is the path lengh.</a:t>
-            </a:r>
-            <a:endParaRPr lang="en-US" dirty="0">
-              <a:latin typeface="Epilogue" panose="020B0604020202020204" charset="0"/>
-            </a:endParaRPr>
-          </a:p>
-        </p:txBody>
-      </p:sp>
-      <p:pic>
-        <p:nvPicPr>
-          <p:cNvPr id="19" name="Picture 1">
+          <p:cNvPr id="8" name="Text 2">
             <a:extLst>
               <a:ext uri="{FF2B5EF4-FFF2-40B4-BE49-F238E27FC236}">
-                <a16:creationId xmlns:a16="http://schemas.microsoft.com/office/drawing/2014/main" id="{D43BC78D-1C91-6C50-64F2-3DD0D1425158}"/>
-              </a:ext>
-            </a:extLst>
-          </p:cNvPr>
-          <p:cNvPicPr>
-            <a:picLocks noChangeAspect="1"/>
-          </p:cNvPicPr>
-          <p:nvPr/>
-        </p:nvPicPr>
-        <p:blipFill>
-          <a:blip r:embed="rId6"/>
-          <a:stretch>
-            <a:fillRect/>
-          </a:stretch>
-        </p:blipFill>
-        <p:spPr>
-          <a:xfrm>
-            <a:off x="10525344" y="7235213"/>
-            <a:ext cx="4105056" cy="994387"/>
-          </a:xfrm>
-          <a:prstGeom prst="rect">
-            <a:avLst/>
-          </a:prstGeom>
-        </p:spPr>
-      </p:pic>
-      <p:sp>
-        <p:nvSpPr>
-          <p:cNvPr id="20" name="Text 2">
-            <a:extLst>
-              <a:ext uri="{FF2B5EF4-FFF2-40B4-BE49-F238E27FC236}">
-                <a16:creationId xmlns:a16="http://schemas.microsoft.com/office/drawing/2014/main" id="{B22E4F46-CEE9-EF82-BB45-3D6EE51647E8}"/>
+                <a16:creationId xmlns:a16="http://schemas.microsoft.com/office/drawing/2014/main" id="{50B3F708-39FF-365F-8B50-3435B5EB7BF9}"/>
               </a:ext>
             </a:extLst>
           </p:cNvPr>
@@ -12834,7 +13468,72 @@
           </a:p>
         </p:txBody>
       </p:sp>
+      <p:pic>
+        <p:nvPicPr>
+          <p:cNvPr id="9" name="Picture 1">
+            <a:extLst>
+              <a:ext uri="{FF2B5EF4-FFF2-40B4-BE49-F238E27FC236}">
+                <a16:creationId xmlns:a16="http://schemas.microsoft.com/office/drawing/2014/main" id="{770C7E79-23BA-434E-C985-7E440FCEB2C1}"/>
+              </a:ext>
+            </a:extLst>
+          </p:cNvPr>
+          <p:cNvPicPr>
+            <a:picLocks noChangeAspect="1"/>
+          </p:cNvPicPr>
+          <p:nvPr/>
+        </p:nvPicPr>
+        <p:blipFill>
+          <a:blip r:embed="rId4"/>
+          <a:stretch>
+            <a:fillRect/>
+          </a:stretch>
+        </p:blipFill>
+        <p:spPr>
+          <a:xfrm>
+            <a:off x="10525344" y="7235213"/>
+            <a:ext cx="4105056" cy="994387"/>
+          </a:xfrm>
+          <a:prstGeom prst="rect">
+            <a:avLst/>
+          </a:prstGeom>
+        </p:spPr>
+      </p:pic>
+      <p:pic>
+        <p:nvPicPr>
+          <p:cNvPr id="122" name="תמונה 121">
+            <a:extLst>
+              <a:ext uri="{FF2B5EF4-FFF2-40B4-BE49-F238E27FC236}">
+                <a16:creationId xmlns:a16="http://schemas.microsoft.com/office/drawing/2014/main" id="{F2B186C7-A3F2-B361-BFDA-40F451CB2AD4}"/>
+              </a:ext>
+            </a:extLst>
+          </p:cNvPr>
+          <p:cNvPicPr>
+            <a:picLocks noChangeAspect="1"/>
+          </p:cNvPicPr>
+          <p:nvPr/>
+        </p:nvPicPr>
+        <p:blipFill>
+          <a:blip r:embed="rId5"/>
+          <a:stretch>
+            <a:fillRect/>
+          </a:stretch>
+        </p:blipFill>
+        <p:spPr>
+          <a:xfrm>
+            <a:off x="2409140" y="1847533"/>
+            <a:ext cx="9812119" cy="4534533"/>
+          </a:xfrm>
+          <a:prstGeom prst="rect">
+            <a:avLst/>
+          </a:prstGeom>
+        </p:spPr>
+      </p:pic>
     </p:spTree>
+    <p:extLst>
+      <p:ext uri="{BB962C8B-B14F-4D97-AF65-F5344CB8AC3E}">
+        <p14:creationId xmlns:p14="http://schemas.microsoft.com/office/powerpoint/2010/main" val="2920217747"/>
+      </p:ext>
+    </p:extLst>
   </p:cSld>
   <p:clrMapOvr>
     <a:masterClrMapping/>
